--- a/circuit_data/source_files/individual_test_data/MIMO/MIMO_Jan2022_Meeting_update.pptx
+++ b/circuit_data/source_files/individual_test_data/MIMO/MIMO_Jan2022_Meeting_update.pptx
@@ -5,27 +5,28 @@
     <p:sldMasterId id="2147483648" r:id="rId1"/>
   </p:sldMasterIdLst>
   <p:notesMasterIdLst>
-    <p:notesMasterId r:id="rId20"/>
+    <p:notesMasterId r:id="rId21"/>
   </p:notesMasterIdLst>
   <p:sldIdLst>
     <p:sldId id="618" r:id="rId2"/>
-    <p:sldId id="620" r:id="rId3"/>
-    <p:sldId id="602" r:id="rId4"/>
-    <p:sldId id="606" r:id="rId5"/>
-    <p:sldId id="615" r:id="rId6"/>
-    <p:sldId id="600" r:id="rId7"/>
-    <p:sldId id="622" r:id="rId8"/>
-    <p:sldId id="614" r:id="rId9"/>
-    <p:sldId id="616" r:id="rId10"/>
-    <p:sldId id="643" r:id="rId11"/>
-    <p:sldId id="653" r:id="rId12"/>
-    <p:sldId id="654" r:id="rId13"/>
-    <p:sldId id="649" r:id="rId14"/>
-    <p:sldId id="651" r:id="rId15"/>
-    <p:sldId id="652" r:id="rId16"/>
-    <p:sldId id="646" r:id="rId17"/>
-    <p:sldId id="645" r:id="rId18"/>
-    <p:sldId id="655" r:id="rId19"/>
+    <p:sldId id="656" r:id="rId3"/>
+    <p:sldId id="620" r:id="rId4"/>
+    <p:sldId id="602" r:id="rId5"/>
+    <p:sldId id="606" r:id="rId6"/>
+    <p:sldId id="615" r:id="rId7"/>
+    <p:sldId id="600" r:id="rId8"/>
+    <p:sldId id="622" r:id="rId9"/>
+    <p:sldId id="614" r:id="rId10"/>
+    <p:sldId id="616" r:id="rId11"/>
+    <p:sldId id="643" r:id="rId12"/>
+    <p:sldId id="653" r:id="rId13"/>
+    <p:sldId id="654" r:id="rId14"/>
+    <p:sldId id="649" r:id="rId15"/>
+    <p:sldId id="651" r:id="rId16"/>
+    <p:sldId id="652" r:id="rId17"/>
+    <p:sldId id="646" r:id="rId18"/>
+    <p:sldId id="645" r:id="rId19"/>
+    <p:sldId id="655" r:id="rId20"/>
   </p:sldIdLst>
   <p:sldSz cx="12192000" cy="6858000"/>
   <p:notesSz cx="6858000" cy="9144000"/>
@@ -214,7 +215,7 @@
           <a:p>
             <a:fld id="{E58127FF-55DB-440E-8C6E-890F583BEF63}" type="datetimeFigureOut">
               <a:rPr lang="en-US" smtClean="0"/>
-              <a:t>2/7/2022</a:t>
+              <a:t>3/25/2022</a:t>
             </a:fld>
             <a:endParaRPr lang="en-US"/>
           </a:p>
@@ -549,7 +550,7 @@
           <a:p>
             <a:fld id="{7595FFFB-EAEF-D24E-888D-BA123CA7F131}" type="slidenum">
               <a:rPr lang="en-US" smtClean="0"/>
-              <a:t>3</a:t>
+              <a:t>4</a:t>
             </a:fld>
             <a:endParaRPr lang="en-US"/>
           </a:p>
@@ -691,7 +692,7 @@
                 <a:tabLst/>
                 <a:defRPr/>
               </a:pPr>
-              <a:t>5</a:t>
+              <a:t>6</a:t>
             </a:fld>
             <a:endParaRPr kumimoji="0" lang="en-US" sz="1200" b="0" i="0" u="none" strike="noStrike" kern="1200" cap="none" spc="0" normalizeH="0" baseline="0" noProof="0">
               <a:ln>
@@ -791,7 +792,7 @@
           <a:p>
             <a:fld id="{7595FFFB-EAEF-D24E-888D-BA123CA7F131}" type="slidenum">
               <a:rPr lang="en-US" smtClean="0"/>
-              <a:t>16</a:t>
+              <a:t>17</a:t>
             </a:fld>
             <a:endParaRPr lang="en-US"/>
           </a:p>
@@ -878,7 +879,7 @@
           <a:p>
             <a:fld id="{7595FFFB-EAEF-D24E-888D-BA123CA7F131}" type="slidenum">
               <a:rPr lang="en-US" smtClean="0"/>
-              <a:t>17</a:t>
+              <a:t>18</a:t>
             </a:fld>
             <a:endParaRPr lang="en-US"/>
           </a:p>
@@ -1044,7 +1045,7 @@
           <a:p>
             <a:fld id="{AF54758B-765C-46B9-AC34-ECE229839ECD}" type="datetimeFigureOut">
               <a:rPr lang="en-US" smtClean="0"/>
-              <a:t>2/7/2022</a:t>
+              <a:t>3/25/2022</a:t>
             </a:fld>
             <a:endParaRPr lang="en-US"/>
           </a:p>
@@ -1242,7 +1243,7 @@
           <a:p>
             <a:fld id="{AF54758B-765C-46B9-AC34-ECE229839ECD}" type="datetimeFigureOut">
               <a:rPr lang="en-US" smtClean="0"/>
-              <a:t>2/7/2022</a:t>
+              <a:t>3/25/2022</a:t>
             </a:fld>
             <a:endParaRPr lang="en-US"/>
           </a:p>
@@ -1450,7 +1451,7 @@
           <a:p>
             <a:fld id="{AF54758B-765C-46B9-AC34-ECE229839ECD}" type="datetimeFigureOut">
               <a:rPr lang="en-US" smtClean="0"/>
-              <a:t>2/7/2022</a:t>
+              <a:t>3/25/2022</a:t>
             </a:fld>
             <a:endParaRPr lang="en-US"/>
           </a:p>
@@ -2068,7 +2069,7 @@
           <a:p>
             <a:fld id="{AF54758B-765C-46B9-AC34-ECE229839ECD}" type="datetimeFigureOut">
               <a:rPr lang="en-US" smtClean="0"/>
-              <a:t>2/7/2022</a:t>
+              <a:t>3/25/2022</a:t>
             </a:fld>
             <a:endParaRPr lang="en-US"/>
           </a:p>
@@ -2343,7 +2344,7 @@
           <a:p>
             <a:fld id="{AF54758B-765C-46B9-AC34-ECE229839ECD}" type="datetimeFigureOut">
               <a:rPr lang="en-US" smtClean="0"/>
-              <a:t>2/7/2022</a:t>
+              <a:t>3/25/2022</a:t>
             </a:fld>
             <a:endParaRPr lang="en-US"/>
           </a:p>
@@ -2608,7 +2609,7 @@
           <a:p>
             <a:fld id="{AF54758B-765C-46B9-AC34-ECE229839ECD}" type="datetimeFigureOut">
               <a:rPr lang="en-US" smtClean="0"/>
-              <a:t>2/7/2022</a:t>
+              <a:t>3/25/2022</a:t>
             </a:fld>
             <a:endParaRPr lang="en-US"/>
           </a:p>
@@ -3020,7 +3021,7 @@
           <a:p>
             <a:fld id="{AF54758B-765C-46B9-AC34-ECE229839ECD}" type="datetimeFigureOut">
               <a:rPr lang="en-US" smtClean="0"/>
-              <a:t>2/7/2022</a:t>
+              <a:t>3/25/2022</a:t>
             </a:fld>
             <a:endParaRPr lang="en-US"/>
           </a:p>
@@ -3161,7 +3162,7 @@
           <a:p>
             <a:fld id="{AF54758B-765C-46B9-AC34-ECE229839ECD}" type="datetimeFigureOut">
               <a:rPr lang="en-US" smtClean="0"/>
-              <a:t>2/7/2022</a:t>
+              <a:t>3/25/2022</a:t>
             </a:fld>
             <a:endParaRPr lang="en-US"/>
           </a:p>
@@ -3274,7 +3275,7 @@
           <a:p>
             <a:fld id="{AF54758B-765C-46B9-AC34-ECE229839ECD}" type="datetimeFigureOut">
               <a:rPr lang="en-US" smtClean="0"/>
-              <a:t>2/7/2022</a:t>
+              <a:t>3/25/2022</a:t>
             </a:fld>
             <a:endParaRPr lang="en-US"/>
           </a:p>
@@ -3585,7 +3586,7 @@
           <a:p>
             <a:fld id="{AF54758B-765C-46B9-AC34-ECE229839ECD}" type="datetimeFigureOut">
               <a:rPr lang="en-US" smtClean="0"/>
-              <a:t>2/7/2022</a:t>
+              <a:t>3/25/2022</a:t>
             </a:fld>
             <a:endParaRPr lang="en-US"/>
           </a:p>
@@ -3873,7 +3874,7 @@
           <a:p>
             <a:fld id="{AF54758B-765C-46B9-AC34-ECE229839ECD}" type="datetimeFigureOut">
               <a:rPr lang="en-US" smtClean="0"/>
-              <a:t>2/7/2022</a:t>
+              <a:t>3/25/2022</a:t>
             </a:fld>
             <a:endParaRPr lang="en-US"/>
           </a:p>
@@ -4114,7 +4115,7 @@
           <a:p>
             <a:fld id="{AF54758B-765C-46B9-AC34-ECE229839ECD}" type="datetimeFigureOut">
               <a:rPr lang="en-US" smtClean="0"/>
-              <a:t>2/7/2022</a:t>
+              <a:t>3/25/2022</a:t>
             </a:fld>
             <a:endParaRPr lang="en-US"/>
           </a:p>
@@ -4745,7 +4746,7 @@
           <p:cNvPr id="3" name="Title 2">
             <a:extLst>
               <a:ext uri="{FF2B5EF4-FFF2-40B4-BE49-F238E27FC236}">
-                <a16:creationId xmlns:a16="http://schemas.microsoft.com/office/drawing/2014/main" id="{42B2E4BA-E772-41B6-B8F5-D3EA2FABF26C}"/>
+                <a16:creationId xmlns:a16="http://schemas.microsoft.com/office/drawing/2014/main" id="{8361679E-D682-4F74-8E31-DA64A1F56AD5}"/>
               </a:ext>
             </a:extLst>
           </p:cNvPr>
@@ -4763,82 +4764,17 @@
           <a:p>
             <a:r>
               <a:rPr lang="en-US" dirty="0"/>
-              <a:t>Spatial Filter Layout</a:t>
-            </a:r>
-          </a:p>
-        </p:txBody>
-      </p:sp>
-      <p:pic>
-        <p:nvPicPr>
-          <p:cNvPr id="4" name="Picture 3">
-            <a:extLst>
-              <a:ext uri="{FF2B5EF4-FFF2-40B4-BE49-F238E27FC236}">
-                <a16:creationId xmlns:a16="http://schemas.microsoft.com/office/drawing/2014/main" id="{D1E76348-E8D2-482A-83BE-CCC5418A0D20}"/>
-              </a:ext>
-            </a:extLst>
-          </p:cNvPr>
-          <p:cNvPicPr>
-            <a:picLocks noChangeAspect="1"/>
-          </p:cNvPicPr>
-          <p:nvPr/>
-        </p:nvPicPr>
-        <p:blipFill>
-          <a:blip r:embed="rId2"/>
-          <a:stretch>
-            <a:fillRect/>
-          </a:stretch>
-        </p:blipFill>
-        <p:spPr>
-          <a:xfrm>
-            <a:off x="8786724" y="1272870"/>
-            <a:ext cx="2459291" cy="4749505"/>
-          </a:xfrm>
-          <a:prstGeom prst="rect">
-            <a:avLst/>
-          </a:prstGeom>
-        </p:spPr>
-      </p:pic>
-      <p:pic>
-        <p:nvPicPr>
-          <p:cNvPr id="5" name="Content Placeholder 4" descr="Diagram, schematic&#10;&#10;Description automatically generated">
-            <a:extLst>
-              <a:ext uri="{FF2B5EF4-FFF2-40B4-BE49-F238E27FC236}">
-                <a16:creationId xmlns:a16="http://schemas.microsoft.com/office/drawing/2014/main" id="{978FC1C3-EDA1-43DC-8B37-05249EE2FF63}"/>
-              </a:ext>
-            </a:extLst>
-          </p:cNvPr>
-          <p:cNvPicPr>
-            <a:picLocks noChangeAspect="1"/>
-          </p:cNvPicPr>
-          <p:nvPr/>
-        </p:nvPicPr>
-        <p:blipFill rotWithShape="1">
-          <a:blip r:embed="rId3">
-            <a:extLst>
-              <a:ext uri="{28A0092B-C50C-407E-A947-70E740481C1C}">
-                <a14:useLocalDpi xmlns:a14="http://schemas.microsoft.com/office/drawing/2010/main" val="0"/>
-              </a:ext>
-            </a:extLst>
-          </a:blip>
-          <a:srcRect l="74403" t="2395" b="28660"/>
-          <a:stretch/>
-        </p:blipFill>
-        <p:spPr>
-          <a:xfrm>
-            <a:off x="1337489" y="1272871"/>
-            <a:ext cx="2252509" cy="4967674"/>
-          </a:xfrm>
-          <a:prstGeom prst="rect">
-            <a:avLst/>
-          </a:prstGeom>
-        </p:spPr>
-      </p:pic>
-      <p:sp>
-        <p:nvSpPr>
-          <p:cNvPr id="7" name="TextBox 6">
-            <a:extLst>
-              <a:ext uri="{FF2B5EF4-FFF2-40B4-BE49-F238E27FC236}">
-                <a16:creationId xmlns:a16="http://schemas.microsoft.com/office/drawing/2014/main" id="{FC77FF22-2070-46C5-929F-A41A9C306A4C}"/>
+              <a:t>Top Level Performance Verification: Mixer-first RX</a:t>
+            </a:r>
+          </a:p>
+        </p:txBody>
+      </p:sp>
+      <p:sp>
+        <p:nvSpPr>
+          <p:cNvPr id="6" name="TextBox 5">
+            <a:extLst>
+              <a:ext uri="{FF2B5EF4-FFF2-40B4-BE49-F238E27FC236}">
+                <a16:creationId xmlns:a16="http://schemas.microsoft.com/office/drawing/2014/main" id="{5CCF41D2-C8EB-4A52-9939-7E7E57639000}"/>
               </a:ext>
             </a:extLst>
           </p:cNvPr>
@@ -4847,8 +4783,8 @@
         </p:nvSpPr>
         <p:spPr>
           <a:xfrm>
-            <a:off x="1828800" y="903538"/>
-            <a:ext cx="1160382" cy="369332"/>
+            <a:off x="1534816" y="5298858"/>
+            <a:ext cx="9122369" cy="369332"/>
           </a:xfrm>
           <a:prstGeom prst="rect">
             <a:avLst/>
@@ -4861,49 +4797,507 @@
           </a:bodyPr>
           <a:lstStyle/>
           <a:p>
-            <a:pPr marL="0" marR="0" lvl="0" indent="0" algn="l" defTabSz="914400" rtl="0" eaLnBrk="1" fontAlgn="auto" latinLnBrk="0" hangingPunct="1">
-              <a:lnSpc>
-                <a:spcPct val="100000"/>
-              </a:lnSpc>
-              <a:spcBef>
-                <a:spcPts val="0"/>
-              </a:spcBef>
-              <a:spcAft>
-                <a:spcPts val="0"/>
-              </a:spcAft>
-              <a:buClrTx/>
-              <a:buSzTx/>
-              <a:buFontTx/>
-              <a:buNone/>
-              <a:tabLst/>
-              <a:defRPr/>
-            </a:pPr>
-            <a:r>
-              <a:rPr kumimoji="0" lang="en-US" sz="1800" b="1" i="0" u="none" strike="noStrike" kern="1200" cap="none" spc="0" normalizeH="0" baseline="0" noProof="0" dirty="0">
-                <a:ln>
-                  <a:noFill/>
-                </a:ln>
-                <a:solidFill>
-                  <a:srgbClr val="C00000"/>
-                </a:solidFill>
-                <a:effectLst/>
-                <a:uLnTx/>
-                <a:uFillTx/>
-                <a:latin typeface="Calibri" panose="020F0502020204030204"/>
-                <a:ea typeface="+mn-ea"/>
-                <a:cs typeface="+mn-cs"/>
-              </a:rPr>
-              <a:t>Schematic</a:t>
-            </a:r>
-          </a:p>
-        </p:txBody>
-      </p:sp>
+            <a:pPr algn="ctr"/>
+            <a:r>
+              <a:rPr lang="en-US" dirty="0"/>
+              <a:t>ALIGN Layout results consists PEX results using individual layout of bottom plate mixer and TIA</a:t>
+            </a:r>
+          </a:p>
+        </p:txBody>
+      </p:sp>
+      <p:graphicFrame>
+        <p:nvGraphicFramePr>
+          <p:cNvPr id="7" name="Table 4">
+            <a:extLst>
+              <a:ext uri="{FF2B5EF4-FFF2-40B4-BE49-F238E27FC236}">
+                <a16:creationId xmlns:a16="http://schemas.microsoft.com/office/drawing/2014/main" id="{6AAD01CA-039F-844E-BF25-44E9A439E517}"/>
+              </a:ext>
+            </a:extLst>
+          </p:cNvPr>
+          <p:cNvGraphicFramePr>
+            <a:graphicFrameLocks/>
+          </p:cNvGraphicFramePr>
+          <p:nvPr/>
+        </p:nvGraphicFramePr>
+        <p:xfrm>
+          <a:off x="1415934" y="2653011"/>
+          <a:ext cx="9360131" cy="2377440"/>
+        </p:xfrm>
+        <a:graphic>
+          <a:graphicData uri="http://schemas.openxmlformats.org/drawingml/2006/table">
+            <a:tbl>
+              <a:tblPr firstRow="1" bandRow="1">
+                <a:tableStyleId>{5C22544A-7EE6-4342-B048-85BDC9FD1C3A}</a:tableStyleId>
+              </a:tblPr>
+              <a:tblGrid>
+                <a:gridCol w="2720377">
+                  <a:extLst>
+                    <a:ext uri="{9D8B030D-6E8A-4147-A177-3AD203B41FA5}">
+                      <a16:colId xmlns:a16="http://schemas.microsoft.com/office/drawing/2014/main" val="4242770726"/>
+                    </a:ext>
+                  </a:extLst>
+                </a:gridCol>
+                <a:gridCol w="2150882">
+                  <a:extLst>
+                    <a:ext uri="{9D8B030D-6E8A-4147-A177-3AD203B41FA5}">
+                      <a16:colId xmlns:a16="http://schemas.microsoft.com/office/drawing/2014/main" val="3495327596"/>
+                    </a:ext>
+                  </a:extLst>
+                </a:gridCol>
+                <a:gridCol w="2194560">
+                  <a:extLst>
+                    <a:ext uri="{9D8B030D-6E8A-4147-A177-3AD203B41FA5}">
+                      <a16:colId xmlns:a16="http://schemas.microsoft.com/office/drawing/2014/main" val="579613028"/>
+                    </a:ext>
+                  </a:extLst>
+                </a:gridCol>
+                <a:gridCol w="2294312">
+                  <a:extLst>
+                    <a:ext uri="{9D8B030D-6E8A-4147-A177-3AD203B41FA5}">
+                      <a16:colId xmlns:a16="http://schemas.microsoft.com/office/drawing/2014/main" val="173216226"/>
+                    </a:ext>
+                  </a:extLst>
+                </a:gridCol>
+              </a:tblGrid>
+              <a:tr h="209537">
+                <a:tc>
+                  <a:txBody>
+                    <a:bodyPr/>
+                    <a:lstStyle/>
+                    <a:p>
+                      <a:r>
+                        <a:rPr lang="en-US" sz="2000" dirty="0"/>
+                        <a:t>Parameters</a:t>
+                      </a:r>
+                    </a:p>
+                  </a:txBody>
+                  <a:tcPr/>
+                </a:tc>
+                <a:tc>
+                  <a:txBody>
+                    <a:bodyPr/>
+                    <a:lstStyle/>
+                    <a:p>
+                      <a:pPr algn="ctr"/>
+                      <a:r>
+                        <a:rPr lang="en-US" sz="2000" dirty="0"/>
+                        <a:t>Schematic</a:t>
+                      </a:r>
+                    </a:p>
+                  </a:txBody>
+                  <a:tcPr/>
+                </a:tc>
+                <a:tc>
+                  <a:txBody>
+                    <a:bodyPr/>
+                    <a:lstStyle/>
+                    <a:p>
+                      <a:pPr algn="ctr"/>
+                      <a:r>
+                        <a:rPr lang="en-US" sz="2000" dirty="0"/>
+                        <a:t>Manual Layout</a:t>
+                      </a:r>
+                    </a:p>
+                  </a:txBody>
+                  <a:tcPr/>
+                </a:tc>
+                <a:tc>
+                  <a:txBody>
+                    <a:bodyPr/>
+                    <a:lstStyle/>
+                    <a:p>
+                      <a:pPr algn="ctr"/>
+                      <a:r>
+                        <a:rPr lang="en-US" sz="2000" dirty="0"/>
+                        <a:t>ALIGN Layout</a:t>
+                      </a:r>
+                    </a:p>
+                  </a:txBody>
+                  <a:tcPr/>
+                </a:tc>
+                <a:extLst>
+                  <a:ext uri="{0D108BD9-81ED-4DB2-BD59-A6C34878D82A}">
+                    <a16:rowId xmlns:a16="http://schemas.microsoft.com/office/drawing/2014/main" val="619223116"/>
+                  </a:ext>
+                </a:extLst>
+              </a:tr>
+              <a:tr h="209537">
+                <a:tc>
+                  <a:txBody>
+                    <a:bodyPr/>
+                    <a:lstStyle/>
+                    <a:p>
+                      <a:r>
+                        <a:rPr lang="en-US" sz="2000" dirty="0"/>
+                        <a:t>Input Matching S</a:t>
+                      </a:r>
+                      <a:r>
+                        <a:rPr lang="en-US" sz="2000" baseline="-25000" dirty="0"/>
+                        <a:t>11</a:t>
+                      </a:r>
+                      <a:r>
+                        <a:rPr lang="en-US" sz="2000" dirty="0"/>
+                        <a:t> (dB)</a:t>
+                      </a:r>
+                    </a:p>
+                  </a:txBody>
+                  <a:tcPr/>
+                </a:tc>
+                <a:tc>
+                  <a:txBody>
+                    <a:bodyPr/>
+                    <a:lstStyle/>
+                    <a:p>
+                      <a:pPr algn="ctr"/>
+                      <a:r>
+                        <a:rPr lang="en-US" sz="2000" dirty="0"/>
+                        <a:t>-15.79 @ 960 MHz</a:t>
+                      </a:r>
+                    </a:p>
+                  </a:txBody>
+                  <a:tcPr/>
+                </a:tc>
+                <a:tc>
+                  <a:txBody>
+                    <a:bodyPr/>
+                    <a:lstStyle/>
+                    <a:p>
+                      <a:pPr algn="ctr"/>
+                      <a:r>
+                        <a:rPr lang="en-US" sz="2000" dirty="0"/>
+                        <a:t>-14.27 @ 960 MHz</a:t>
+                      </a:r>
+                    </a:p>
+                  </a:txBody>
+                  <a:tcPr/>
+                </a:tc>
+                <a:tc>
+                  <a:txBody>
+                    <a:bodyPr/>
+                    <a:lstStyle/>
+                    <a:p>
+                      <a:pPr algn="ctr"/>
+                      <a:r>
+                        <a:rPr lang="en-US" sz="2000" dirty="0"/>
+                        <a:t>-10.9 @ 960 MHz</a:t>
+                      </a:r>
+                    </a:p>
+                  </a:txBody>
+                  <a:tcPr/>
+                </a:tc>
+                <a:extLst>
+                  <a:ext uri="{0D108BD9-81ED-4DB2-BD59-A6C34878D82A}">
+                    <a16:rowId xmlns:a16="http://schemas.microsoft.com/office/drawing/2014/main" val="1702235607"/>
+                  </a:ext>
+                </a:extLst>
+              </a:tr>
+              <a:tr h="209537">
+                <a:tc>
+                  <a:txBody>
+                    <a:bodyPr/>
+                    <a:lstStyle/>
+                    <a:p>
+                      <a:r>
+                        <a:rPr lang="en-US" sz="2000" dirty="0"/>
+                        <a:t>Best S</a:t>
+                      </a:r>
+                      <a:r>
+                        <a:rPr lang="en-US" sz="2000" baseline="-25000" dirty="0"/>
+                        <a:t>11 </a:t>
+                      </a:r>
+                      <a:r>
+                        <a:rPr lang="en-US" sz="2000" baseline="0" dirty="0"/>
+                        <a:t>(dB)</a:t>
+                      </a:r>
+                      <a:endParaRPr lang="en-US" sz="2000" baseline="-25000" dirty="0"/>
+                    </a:p>
+                  </a:txBody>
+                  <a:tcPr/>
+                </a:tc>
+                <a:tc>
+                  <a:txBody>
+                    <a:bodyPr/>
+                    <a:lstStyle/>
+                    <a:p>
+                      <a:pPr marL="0" marR="0" lvl="0" indent="0" algn="ctr" defTabSz="914400" rtl="0" eaLnBrk="1" fontAlgn="auto" latinLnBrk="0" hangingPunct="1">
+                        <a:lnSpc>
+                          <a:spcPct val="100000"/>
+                        </a:lnSpc>
+                        <a:spcBef>
+                          <a:spcPts val="0"/>
+                        </a:spcBef>
+                        <a:spcAft>
+                          <a:spcPts val="0"/>
+                        </a:spcAft>
+                        <a:buClrTx/>
+                        <a:buSzTx/>
+                        <a:buFontTx/>
+                        <a:buNone/>
+                        <a:tabLst/>
+                        <a:defRPr/>
+                      </a:pPr>
+                      <a:r>
+                        <a:rPr lang="en-US" sz="2000" dirty="0"/>
+                        <a:t>-15.79 @ 960 MHz</a:t>
+                      </a:r>
+                    </a:p>
+                  </a:txBody>
+                  <a:tcPr/>
+                </a:tc>
+                <a:tc>
+                  <a:txBody>
+                    <a:bodyPr/>
+                    <a:lstStyle/>
+                    <a:p>
+                      <a:pPr marL="0" marR="0" lvl="0" indent="0" algn="ctr" defTabSz="914400" rtl="0" eaLnBrk="1" fontAlgn="auto" latinLnBrk="0" hangingPunct="1">
+                        <a:lnSpc>
+                          <a:spcPct val="100000"/>
+                        </a:lnSpc>
+                        <a:spcBef>
+                          <a:spcPts val="0"/>
+                        </a:spcBef>
+                        <a:spcAft>
+                          <a:spcPts val="0"/>
+                        </a:spcAft>
+                        <a:buClrTx/>
+                        <a:buSzTx/>
+                        <a:buFontTx/>
+                        <a:buNone/>
+                        <a:tabLst/>
+                        <a:defRPr/>
+                      </a:pPr>
+                      <a:r>
+                        <a:rPr lang="en-US" sz="2000" dirty="0"/>
+                        <a:t>-19.17 @ 940 MHz</a:t>
+                      </a:r>
+                    </a:p>
+                  </a:txBody>
+                  <a:tcPr/>
+                </a:tc>
+                <a:tc>
+                  <a:txBody>
+                    <a:bodyPr/>
+                    <a:lstStyle/>
+                    <a:p>
+                      <a:pPr algn="ctr"/>
+                      <a:r>
+                        <a:rPr lang="en-US" sz="2000" dirty="0"/>
+                        <a:t>-17.35 @ 920 MHz</a:t>
+                      </a:r>
+                    </a:p>
+                  </a:txBody>
+                  <a:tcPr/>
+                </a:tc>
+                <a:extLst>
+                  <a:ext uri="{0D108BD9-81ED-4DB2-BD59-A6C34878D82A}">
+                    <a16:rowId xmlns:a16="http://schemas.microsoft.com/office/drawing/2014/main" val="2296299093"/>
+                  </a:ext>
+                </a:extLst>
+              </a:tr>
+              <a:tr h="209537">
+                <a:tc>
+                  <a:txBody>
+                    <a:bodyPr/>
+                    <a:lstStyle/>
+                    <a:p>
+                      <a:r>
+                        <a:rPr lang="en-US" sz="2000" dirty="0"/>
+                        <a:t>IF Bandwidth (MHz)</a:t>
+                      </a:r>
+                    </a:p>
+                  </a:txBody>
+                  <a:tcPr/>
+                </a:tc>
+                <a:tc>
+                  <a:txBody>
+                    <a:bodyPr/>
+                    <a:lstStyle/>
+                    <a:p>
+                      <a:pPr algn="ctr"/>
+                      <a:r>
+                        <a:rPr lang="en-US" sz="2000" dirty="0"/>
+                        <a:t>118.5</a:t>
+                      </a:r>
+                    </a:p>
+                  </a:txBody>
+                  <a:tcPr/>
+                </a:tc>
+                <a:tc>
+                  <a:txBody>
+                    <a:bodyPr/>
+                    <a:lstStyle/>
+                    <a:p>
+                      <a:pPr algn="ctr"/>
+                      <a:r>
+                        <a:rPr lang="en-US" sz="2000" dirty="0"/>
+                        <a:t>107.78</a:t>
+                      </a:r>
+                    </a:p>
+                  </a:txBody>
+                  <a:tcPr/>
+                </a:tc>
+                <a:tc>
+                  <a:txBody>
+                    <a:bodyPr/>
+                    <a:lstStyle/>
+                    <a:p>
+                      <a:pPr algn="ctr"/>
+                      <a:r>
+                        <a:rPr lang="en-US" sz="2000" dirty="0"/>
+                        <a:t>114.45</a:t>
+                      </a:r>
+                    </a:p>
+                  </a:txBody>
+                  <a:tcPr/>
+                </a:tc>
+                <a:extLst>
+                  <a:ext uri="{0D108BD9-81ED-4DB2-BD59-A6C34878D82A}">
+                    <a16:rowId xmlns:a16="http://schemas.microsoft.com/office/drawing/2014/main" val="2417930131"/>
+                  </a:ext>
+                </a:extLst>
+              </a:tr>
+              <a:tr h="209537">
+                <a:tc>
+                  <a:txBody>
+                    <a:bodyPr/>
+                    <a:lstStyle/>
+                    <a:p>
+                      <a:r>
+                        <a:rPr lang="en-US" sz="2000" dirty="0"/>
+                        <a:t>Power Gain S</a:t>
+                      </a:r>
+                      <a:r>
+                        <a:rPr lang="en-US" sz="2000" baseline="-25000" dirty="0"/>
+                        <a:t>21</a:t>
+                      </a:r>
+                      <a:r>
+                        <a:rPr lang="en-US" sz="2000" dirty="0"/>
+                        <a:t> (dB)</a:t>
+                      </a:r>
+                    </a:p>
+                  </a:txBody>
+                  <a:tcPr/>
+                </a:tc>
+                <a:tc>
+                  <a:txBody>
+                    <a:bodyPr/>
+                    <a:lstStyle/>
+                    <a:p>
+                      <a:pPr algn="ctr"/>
+                      <a:r>
+                        <a:rPr lang="en-US" sz="2000" dirty="0"/>
+                        <a:t>18.12</a:t>
+                      </a:r>
+                    </a:p>
+                  </a:txBody>
+                  <a:tcPr/>
+                </a:tc>
+                <a:tc>
+                  <a:txBody>
+                    <a:bodyPr/>
+                    <a:lstStyle/>
+                    <a:p>
+                      <a:pPr algn="ctr"/>
+                      <a:r>
+                        <a:rPr lang="en-US" sz="2000" dirty="0"/>
+                        <a:t>15.22</a:t>
+                      </a:r>
+                    </a:p>
+                  </a:txBody>
+                  <a:tcPr/>
+                </a:tc>
+                <a:tc>
+                  <a:txBody>
+                    <a:bodyPr/>
+                    <a:lstStyle/>
+                    <a:p>
+                      <a:pPr algn="ctr"/>
+                      <a:r>
+                        <a:rPr lang="en-US" sz="2000" dirty="0"/>
+                        <a:t>15.23</a:t>
+                      </a:r>
+                    </a:p>
+                  </a:txBody>
+                  <a:tcPr/>
+                </a:tc>
+                <a:extLst>
+                  <a:ext uri="{0D108BD9-81ED-4DB2-BD59-A6C34878D82A}">
+                    <a16:rowId xmlns:a16="http://schemas.microsoft.com/office/drawing/2014/main" val="958951372"/>
+                  </a:ext>
+                </a:extLst>
+              </a:tr>
+              <a:tr h="209537">
+                <a:tc>
+                  <a:txBody>
+                    <a:bodyPr/>
+                    <a:lstStyle/>
+                    <a:p>
+                      <a:r>
+                        <a:rPr lang="en-US" sz="2000" dirty="0"/>
+                        <a:t>NF (dB)</a:t>
+                      </a:r>
+                    </a:p>
+                  </a:txBody>
+                  <a:tcPr/>
+                </a:tc>
+                <a:tc>
+                  <a:txBody>
+                    <a:bodyPr/>
+                    <a:lstStyle/>
+                    <a:p>
+                      <a:pPr algn="ctr"/>
+                      <a:r>
+                        <a:rPr lang="en-US" sz="2000" dirty="0"/>
+                        <a:t>8.21</a:t>
+                      </a:r>
+                    </a:p>
+                  </a:txBody>
+                  <a:tcPr/>
+                </a:tc>
+                <a:tc>
+                  <a:txBody>
+                    <a:bodyPr/>
+                    <a:lstStyle/>
+                    <a:p>
+                      <a:pPr algn="ctr"/>
+                      <a:r>
+                        <a:rPr lang="en-US" sz="2000" dirty="0"/>
+                        <a:t>11.94</a:t>
+                      </a:r>
+                    </a:p>
+                  </a:txBody>
+                  <a:tcPr/>
+                </a:tc>
+                <a:tc>
+                  <a:txBody>
+                    <a:bodyPr/>
+                    <a:lstStyle/>
+                    <a:p>
+                      <a:pPr algn="ctr"/>
+                      <a:r>
+                        <a:rPr lang="en-US" sz="2000" dirty="0"/>
+                        <a:t>11.51</a:t>
+                      </a:r>
+                    </a:p>
+                  </a:txBody>
+                  <a:tcPr/>
+                </a:tc>
+                <a:extLst>
+                  <a:ext uri="{0D108BD9-81ED-4DB2-BD59-A6C34878D82A}">
+                    <a16:rowId xmlns:a16="http://schemas.microsoft.com/office/drawing/2014/main" val="3866938866"/>
+                  </a:ext>
+                </a:extLst>
+              </a:tr>
+            </a:tbl>
+          </a:graphicData>
+        </a:graphic>
+      </p:graphicFrame>
       <p:sp>
         <p:nvSpPr>
           <p:cNvPr id="8" name="TextBox 7">
             <a:extLst>
               <a:ext uri="{FF2B5EF4-FFF2-40B4-BE49-F238E27FC236}">
-                <a16:creationId xmlns:a16="http://schemas.microsoft.com/office/drawing/2014/main" id="{53FCA07A-A17E-47A5-8198-D9D105C75754}"/>
+                <a16:creationId xmlns:a16="http://schemas.microsoft.com/office/drawing/2014/main" id="{71B361EA-066B-764B-8943-ED1E1D39F081}"/>
               </a:ext>
             </a:extLst>
           </p:cNvPr>
@@ -4912,8 +5306,8 @@
         </p:nvSpPr>
         <p:spPr>
           <a:xfrm>
-            <a:off x="9209478" y="903538"/>
-            <a:ext cx="1611082" cy="369332"/>
+            <a:off x="4349432" y="2067665"/>
+            <a:ext cx="3561360" cy="369332"/>
           </a:xfrm>
           <a:prstGeom prst="rect">
             <a:avLst/>
@@ -4926,332 +5320,9 @@
           </a:bodyPr>
           <a:lstStyle/>
           <a:p>
-            <a:pPr marL="0" marR="0" lvl="0" indent="0" algn="l" defTabSz="914400" rtl="0" eaLnBrk="1" fontAlgn="auto" latinLnBrk="0" hangingPunct="1">
-              <a:lnSpc>
-                <a:spcPct val="100000"/>
-              </a:lnSpc>
-              <a:spcBef>
-                <a:spcPts val="0"/>
-              </a:spcBef>
-              <a:spcAft>
-                <a:spcPts val="0"/>
-              </a:spcAft>
-              <a:buClrTx/>
-              <a:buSzTx/>
-              <a:buFontTx/>
-              <a:buNone/>
-              <a:tabLst/>
-              <a:defRPr/>
-            </a:pPr>
-            <a:r>
-              <a:rPr kumimoji="0" lang="en-US" sz="1800" b="1" i="0" u="none" strike="noStrike" kern="1200" cap="none" spc="0" normalizeH="0" baseline="0" noProof="0" dirty="0">
-                <a:ln>
-                  <a:noFill/>
-                </a:ln>
-                <a:solidFill>
-                  <a:srgbClr val="C00000"/>
-                </a:solidFill>
-                <a:effectLst/>
-                <a:uLnTx/>
-                <a:uFillTx/>
-                <a:latin typeface="Calibri" panose="020F0502020204030204"/>
-                <a:ea typeface="+mn-ea"/>
-                <a:cs typeface="+mn-cs"/>
-              </a:rPr>
-              <a:t>Manual Layout</a:t>
-            </a:r>
-          </a:p>
-        </p:txBody>
-      </p:sp>
-      <p:pic>
-        <p:nvPicPr>
-          <p:cNvPr id="6" name="Picture 5">
-            <a:extLst>
-              <a:ext uri="{FF2B5EF4-FFF2-40B4-BE49-F238E27FC236}">
-                <a16:creationId xmlns:a16="http://schemas.microsoft.com/office/drawing/2014/main" id="{9139E0CE-8B3C-4A29-A4CD-12B791AB3684}"/>
-              </a:ext>
-            </a:extLst>
-          </p:cNvPr>
-          <p:cNvPicPr>
-            <a:picLocks noChangeAspect="1"/>
-          </p:cNvPicPr>
-          <p:nvPr/>
-        </p:nvPicPr>
-        <p:blipFill>
-          <a:blip r:embed="rId4"/>
-          <a:stretch>
-            <a:fillRect/>
-          </a:stretch>
-        </p:blipFill>
-        <p:spPr>
-          <a:xfrm>
-            <a:off x="4979494" y="1272870"/>
-            <a:ext cx="2526111" cy="4749505"/>
-          </a:xfrm>
-          <a:prstGeom prst="rect">
-            <a:avLst/>
-          </a:prstGeom>
-        </p:spPr>
-      </p:pic>
-      <p:sp>
-        <p:nvSpPr>
-          <p:cNvPr id="9" name="TextBox 8">
-            <a:extLst>
-              <a:ext uri="{FF2B5EF4-FFF2-40B4-BE49-F238E27FC236}">
-                <a16:creationId xmlns:a16="http://schemas.microsoft.com/office/drawing/2014/main" id="{44E3D26E-20BF-4082-A89F-AF8C26BECA48}"/>
-              </a:ext>
-            </a:extLst>
-          </p:cNvPr>
-          <p:cNvSpPr txBox="1"/>
-          <p:nvPr/>
-        </p:nvSpPr>
-        <p:spPr>
-          <a:xfrm>
-            <a:off x="5437008" y="903538"/>
-            <a:ext cx="1476430" cy="369332"/>
-          </a:xfrm>
-          <a:prstGeom prst="rect">
-            <a:avLst/>
-          </a:prstGeom>
-          <a:noFill/>
-        </p:spPr>
-        <p:txBody>
-          <a:bodyPr wrap="none" rtlCol="0">
-            <a:spAutoFit/>
-          </a:bodyPr>
-          <a:lstStyle/>
-          <a:p>
-            <a:pPr marL="0" marR="0" lvl="0" indent="0" algn="l" defTabSz="914400" rtl="0" eaLnBrk="1" fontAlgn="auto" latinLnBrk="0" hangingPunct="1">
-              <a:lnSpc>
-                <a:spcPct val="100000"/>
-              </a:lnSpc>
-              <a:spcBef>
-                <a:spcPts val="0"/>
-              </a:spcBef>
-              <a:spcAft>
-                <a:spcPts val="0"/>
-              </a:spcAft>
-              <a:buClrTx/>
-              <a:buSzTx/>
-              <a:buFontTx/>
-              <a:buNone/>
-              <a:tabLst/>
-              <a:defRPr/>
-            </a:pPr>
-            <a:r>
-              <a:rPr kumimoji="0" lang="en-US" sz="1800" b="1" i="0" u="none" strike="noStrike" kern="1200" cap="none" spc="0" normalizeH="0" baseline="0" noProof="0" dirty="0">
-                <a:ln>
-                  <a:noFill/>
-                </a:ln>
-                <a:solidFill>
-                  <a:srgbClr val="C00000"/>
-                </a:solidFill>
-                <a:effectLst/>
-                <a:uLnTx/>
-                <a:uFillTx/>
-                <a:latin typeface="Calibri" panose="020F0502020204030204"/>
-                <a:ea typeface="+mn-ea"/>
-                <a:cs typeface="+mn-cs"/>
-              </a:rPr>
-              <a:t>ALIGN Layout</a:t>
-            </a:r>
-          </a:p>
-        </p:txBody>
-      </p:sp>
-      <p:sp>
-        <p:nvSpPr>
-          <p:cNvPr id="10" name="TextBox 9">
-            <a:extLst>
-              <a:ext uri="{FF2B5EF4-FFF2-40B4-BE49-F238E27FC236}">
-                <a16:creationId xmlns:a16="http://schemas.microsoft.com/office/drawing/2014/main" id="{9C80B746-773A-452B-9370-99DF0B8DB35A}"/>
-              </a:ext>
-            </a:extLst>
-          </p:cNvPr>
-          <p:cNvSpPr txBox="1"/>
-          <p:nvPr/>
-        </p:nvSpPr>
-        <p:spPr>
-          <a:xfrm>
-            <a:off x="4498323" y="6191652"/>
-            <a:ext cx="3353803" cy="369332"/>
-          </a:xfrm>
-          <a:prstGeom prst="rect">
-            <a:avLst/>
-          </a:prstGeom>
-          <a:noFill/>
-        </p:spPr>
-        <p:txBody>
-          <a:bodyPr wrap="none" rtlCol="0">
-            <a:spAutoFit/>
-          </a:bodyPr>
-          <a:lstStyle/>
-          <a:p>
-            <a:pPr marL="0" marR="0" lvl="0" indent="0" algn="ctr" defTabSz="914400" rtl="0" eaLnBrk="1" fontAlgn="auto" latinLnBrk="0" hangingPunct="1">
-              <a:lnSpc>
-                <a:spcPct val="100000"/>
-              </a:lnSpc>
-              <a:spcBef>
-                <a:spcPts val="0"/>
-              </a:spcBef>
-              <a:spcAft>
-                <a:spcPts val="0"/>
-              </a:spcAft>
-              <a:buClrTx/>
-              <a:buSzTx/>
-              <a:buFontTx/>
-              <a:buNone/>
-              <a:tabLst/>
-              <a:defRPr/>
-            </a:pPr>
-            <a:r>
-              <a:rPr kumimoji="0" lang="en-US" b="1" i="0" u="none" strike="noStrike" kern="1200" cap="none" spc="0" normalizeH="0" baseline="0" noProof="0" dirty="0">
-                <a:ln>
-                  <a:noFill/>
-                </a:ln>
-                <a:solidFill>
-                  <a:srgbClr val="C00000"/>
-                </a:solidFill>
-                <a:effectLst/>
-                <a:uLnTx/>
-                <a:uFillTx/>
-                <a:latin typeface="Calibri" panose="020F0502020204030204"/>
-                <a:ea typeface="+mn-ea"/>
-                <a:cs typeface="+mn-cs"/>
-              </a:rPr>
-              <a:t>145.6μm × 284μm = 41350.4μm</a:t>
-            </a:r>
-            <a:r>
-              <a:rPr kumimoji="0" lang="en-US" b="1" i="0" u="none" strike="noStrike" kern="1200" cap="none" spc="0" normalizeH="0" baseline="30000" noProof="0" dirty="0">
-                <a:ln>
-                  <a:noFill/>
-                </a:ln>
-                <a:solidFill>
-                  <a:srgbClr val="C00000"/>
-                </a:solidFill>
-                <a:effectLst/>
-                <a:uLnTx/>
-                <a:uFillTx/>
-                <a:latin typeface="Calibri" panose="020F0502020204030204"/>
-                <a:ea typeface="+mn-ea"/>
-                <a:cs typeface="+mn-cs"/>
-              </a:rPr>
-              <a:t>2</a:t>
-            </a:r>
-            <a:r>
-              <a:rPr kumimoji="0" lang="en-US" b="1" i="0" u="none" strike="noStrike" kern="1200" cap="none" spc="0" normalizeH="0" baseline="0" noProof="0" dirty="0">
-                <a:ln>
-                  <a:noFill/>
-                </a:ln>
-                <a:solidFill>
-                  <a:srgbClr val="C00000"/>
-                </a:solidFill>
-                <a:effectLst/>
-                <a:uLnTx/>
-                <a:uFillTx/>
-                <a:latin typeface="Calibri" panose="020F0502020204030204"/>
-                <a:ea typeface="+mn-ea"/>
-                <a:cs typeface="+mn-cs"/>
-              </a:rPr>
-              <a:t> </a:t>
-            </a:r>
-          </a:p>
-        </p:txBody>
-      </p:sp>
-      <p:sp>
-        <p:nvSpPr>
-          <p:cNvPr id="11" name="TextBox 10">
-            <a:extLst>
-              <a:ext uri="{FF2B5EF4-FFF2-40B4-BE49-F238E27FC236}">
-                <a16:creationId xmlns:a16="http://schemas.microsoft.com/office/drawing/2014/main" id="{840041B6-40CB-4009-B70C-76D46F680B70}"/>
-              </a:ext>
-            </a:extLst>
-          </p:cNvPr>
-          <p:cNvSpPr txBox="1"/>
-          <p:nvPr/>
-        </p:nvSpPr>
-        <p:spPr>
-          <a:xfrm>
-            <a:off x="8260647" y="6186349"/>
-            <a:ext cx="3882794" cy="369332"/>
-          </a:xfrm>
-          <a:prstGeom prst="rect">
-            <a:avLst/>
-          </a:prstGeom>
-          <a:noFill/>
-        </p:spPr>
-        <p:txBody>
-          <a:bodyPr wrap="none" rtlCol="0">
-            <a:spAutoFit/>
-          </a:bodyPr>
-          <a:lstStyle/>
-          <a:p>
-            <a:pPr marL="0" marR="0" lvl="0" indent="0" algn="ctr" defTabSz="914400" rtl="0" eaLnBrk="1" fontAlgn="auto" latinLnBrk="0" hangingPunct="1">
-              <a:lnSpc>
-                <a:spcPct val="100000"/>
-              </a:lnSpc>
-              <a:spcBef>
-                <a:spcPts val="0"/>
-              </a:spcBef>
-              <a:spcAft>
-                <a:spcPts val="0"/>
-              </a:spcAft>
-              <a:buClrTx/>
-              <a:buSzTx/>
-              <a:buFontTx/>
-              <a:buNone/>
-              <a:tabLst/>
-              <a:defRPr/>
-            </a:pPr>
-            <a:r>
-              <a:rPr kumimoji="0" lang="en-US" b="1" i="0" u="none" strike="noStrike" kern="1200" cap="none" spc="0" normalizeH="0" baseline="0" noProof="0" dirty="0">
-                <a:ln>
-                  <a:noFill/>
-                </a:ln>
-                <a:solidFill>
-                  <a:srgbClr val="C00000"/>
-                </a:solidFill>
-                <a:effectLst/>
-                <a:uLnTx/>
-                <a:uFillTx/>
-                <a:latin typeface="Calibri" panose="020F0502020204030204"/>
-                <a:ea typeface="+mn-ea"/>
-                <a:cs typeface="+mn-cs"/>
-              </a:rPr>
-              <a:t>156.94μm × 309.47μm = 48568.22μm</a:t>
-            </a:r>
-            <a:r>
-              <a:rPr kumimoji="0" lang="en-US" b="1" i="0" u="none" strike="noStrike" kern="1200" cap="none" spc="0" normalizeH="0" baseline="30000" noProof="0" dirty="0">
-                <a:ln>
-                  <a:noFill/>
-                </a:ln>
-                <a:solidFill>
-                  <a:srgbClr val="C00000"/>
-                </a:solidFill>
-                <a:effectLst/>
-                <a:uLnTx/>
-                <a:uFillTx/>
-                <a:latin typeface="Calibri" panose="020F0502020204030204"/>
-                <a:ea typeface="+mn-ea"/>
-                <a:cs typeface="+mn-cs"/>
-              </a:rPr>
-              <a:t>2</a:t>
-            </a:r>
-            <a:r>
-              <a:rPr kumimoji="0" lang="en-US" b="1" i="0" u="none" strike="noStrike" kern="1200" cap="none" spc="0" normalizeH="0" baseline="0" noProof="0" dirty="0">
-                <a:ln>
-                  <a:noFill/>
-                </a:ln>
-                <a:solidFill>
-                  <a:srgbClr val="C00000"/>
-                </a:solidFill>
-                <a:effectLst/>
-                <a:uLnTx/>
-                <a:uFillTx/>
-                <a:latin typeface="Calibri" panose="020F0502020204030204"/>
-                <a:ea typeface="+mn-ea"/>
-                <a:cs typeface="+mn-cs"/>
-              </a:rPr>
-              <a:t> </a:t>
+            <a:r>
+              <a:rPr lang="en-US" b="1" dirty="0"/>
+              <a:t>Simulated at LO frequency of 1 GHz</a:t>
             </a:r>
           </a:p>
         </p:txBody>
@@ -5259,7 +5330,7 @@
     </p:spTree>
     <p:extLst>
       <p:ext uri="{BB962C8B-B14F-4D97-AF65-F5344CB8AC3E}">
-        <p14:creationId xmlns:p14="http://schemas.microsoft.com/office/powerpoint/2010/main" val="1541307074"/>
+        <p14:creationId xmlns:p14="http://schemas.microsoft.com/office/powerpoint/2010/main" val="2108557823"/>
       </p:ext>
     </p:extLst>
   </p:cSld>
@@ -5291,7 +5362,7 @@
           <p:cNvPr id="3" name="Title 2">
             <a:extLst>
               <a:ext uri="{FF2B5EF4-FFF2-40B4-BE49-F238E27FC236}">
-                <a16:creationId xmlns:a16="http://schemas.microsoft.com/office/drawing/2014/main" id="{1884A9C3-C67F-45D0-8A9C-84BF13A7672C}"/>
+                <a16:creationId xmlns:a16="http://schemas.microsoft.com/office/drawing/2014/main" id="{42B2E4BA-E772-41B6-B8F5-D3EA2FABF26C}"/>
               </a:ext>
             </a:extLst>
           </p:cNvPr>
@@ -5309,17 +5380,17 @@
           <a:p>
             <a:r>
               <a:rPr lang="en-US" dirty="0"/>
-              <a:t>MIMO Layout</a:t>
+              <a:t>Spatial Filter Layout</a:t>
             </a:r>
           </a:p>
         </p:txBody>
       </p:sp>
       <p:pic>
         <p:nvPicPr>
-          <p:cNvPr id="5" name="Picture 4">
-            <a:extLst>
-              <a:ext uri="{FF2B5EF4-FFF2-40B4-BE49-F238E27FC236}">
-                <a16:creationId xmlns:a16="http://schemas.microsoft.com/office/drawing/2014/main" id="{FBD74F16-EC92-4753-BE0A-AFE3920D41B1}"/>
+          <p:cNvPr id="4" name="Picture 3">
+            <a:extLst>
+              <a:ext uri="{FF2B5EF4-FFF2-40B4-BE49-F238E27FC236}">
+                <a16:creationId xmlns:a16="http://schemas.microsoft.com/office/drawing/2014/main" id="{D1E76348-E8D2-482A-83BE-CCC5418A0D20}"/>
               </a:ext>
             </a:extLst>
           </p:cNvPr>
@@ -5336,8 +5407,8 @@
         </p:blipFill>
         <p:spPr>
           <a:xfrm>
-            <a:off x="5656237" y="1595006"/>
-            <a:ext cx="6210427" cy="4178038"/>
+            <a:off x="8786724" y="1272870"/>
+            <a:ext cx="2459291" cy="4749505"/>
           </a:xfrm>
           <a:prstGeom prst="rect">
             <a:avLst/>
@@ -5346,10 +5417,175 @@
       </p:pic>
       <p:pic>
         <p:nvPicPr>
-          <p:cNvPr id="6" name="Content Placeholder 4" descr="Diagram, schematic&#10;&#10;Description automatically generated">
-            <a:extLst>
-              <a:ext uri="{FF2B5EF4-FFF2-40B4-BE49-F238E27FC236}">
-                <a16:creationId xmlns:a16="http://schemas.microsoft.com/office/drawing/2014/main" id="{E7325860-EABD-42C7-9683-052388F696BF}"/>
+          <p:cNvPr id="5" name="Content Placeholder 4" descr="Diagram, schematic&#10;&#10;Description automatically generated">
+            <a:extLst>
+              <a:ext uri="{FF2B5EF4-FFF2-40B4-BE49-F238E27FC236}">
+                <a16:creationId xmlns:a16="http://schemas.microsoft.com/office/drawing/2014/main" id="{978FC1C3-EDA1-43DC-8B37-05249EE2FF63}"/>
+              </a:ext>
+            </a:extLst>
+          </p:cNvPr>
+          <p:cNvPicPr>
+            <a:picLocks noChangeAspect="1"/>
+          </p:cNvPicPr>
+          <p:nvPr/>
+        </p:nvPicPr>
+        <p:blipFill rotWithShape="1">
+          <a:blip r:embed="rId3">
+            <a:extLst>
+              <a:ext uri="{28A0092B-C50C-407E-A947-70E740481C1C}">
+                <a14:useLocalDpi xmlns:a14="http://schemas.microsoft.com/office/drawing/2010/main" val="0"/>
+              </a:ext>
+            </a:extLst>
+          </a:blip>
+          <a:srcRect l="74403" t="2395" b="28660"/>
+          <a:stretch/>
+        </p:blipFill>
+        <p:spPr>
+          <a:xfrm>
+            <a:off x="1337489" y="1272871"/>
+            <a:ext cx="2252509" cy="4967674"/>
+          </a:xfrm>
+          <a:prstGeom prst="rect">
+            <a:avLst/>
+          </a:prstGeom>
+        </p:spPr>
+      </p:pic>
+      <p:sp>
+        <p:nvSpPr>
+          <p:cNvPr id="7" name="TextBox 6">
+            <a:extLst>
+              <a:ext uri="{FF2B5EF4-FFF2-40B4-BE49-F238E27FC236}">
+                <a16:creationId xmlns:a16="http://schemas.microsoft.com/office/drawing/2014/main" id="{FC77FF22-2070-46C5-929F-A41A9C306A4C}"/>
+              </a:ext>
+            </a:extLst>
+          </p:cNvPr>
+          <p:cNvSpPr txBox="1"/>
+          <p:nvPr/>
+        </p:nvSpPr>
+        <p:spPr>
+          <a:xfrm>
+            <a:off x="1828800" y="903538"/>
+            <a:ext cx="1160382" cy="369332"/>
+          </a:xfrm>
+          <a:prstGeom prst="rect">
+            <a:avLst/>
+          </a:prstGeom>
+          <a:noFill/>
+        </p:spPr>
+        <p:txBody>
+          <a:bodyPr wrap="none" rtlCol="0">
+            <a:spAutoFit/>
+          </a:bodyPr>
+          <a:lstStyle/>
+          <a:p>
+            <a:pPr marL="0" marR="0" lvl="0" indent="0" algn="l" defTabSz="914400" rtl="0" eaLnBrk="1" fontAlgn="auto" latinLnBrk="0" hangingPunct="1">
+              <a:lnSpc>
+                <a:spcPct val="100000"/>
+              </a:lnSpc>
+              <a:spcBef>
+                <a:spcPts val="0"/>
+              </a:spcBef>
+              <a:spcAft>
+                <a:spcPts val="0"/>
+              </a:spcAft>
+              <a:buClrTx/>
+              <a:buSzTx/>
+              <a:buFontTx/>
+              <a:buNone/>
+              <a:tabLst/>
+              <a:defRPr/>
+            </a:pPr>
+            <a:r>
+              <a:rPr kumimoji="0" lang="en-US" sz="1800" b="1" i="0" u="none" strike="noStrike" kern="1200" cap="none" spc="0" normalizeH="0" baseline="0" noProof="0" dirty="0">
+                <a:ln>
+                  <a:noFill/>
+                </a:ln>
+                <a:solidFill>
+                  <a:srgbClr val="C00000"/>
+                </a:solidFill>
+                <a:effectLst/>
+                <a:uLnTx/>
+                <a:uFillTx/>
+                <a:latin typeface="Calibri" panose="020F0502020204030204"/>
+                <a:ea typeface="+mn-ea"/>
+                <a:cs typeface="+mn-cs"/>
+              </a:rPr>
+              <a:t>Schematic</a:t>
+            </a:r>
+          </a:p>
+        </p:txBody>
+      </p:sp>
+      <p:sp>
+        <p:nvSpPr>
+          <p:cNvPr id="8" name="TextBox 7">
+            <a:extLst>
+              <a:ext uri="{FF2B5EF4-FFF2-40B4-BE49-F238E27FC236}">
+                <a16:creationId xmlns:a16="http://schemas.microsoft.com/office/drawing/2014/main" id="{53FCA07A-A17E-47A5-8198-D9D105C75754}"/>
+              </a:ext>
+            </a:extLst>
+          </p:cNvPr>
+          <p:cNvSpPr txBox="1"/>
+          <p:nvPr/>
+        </p:nvSpPr>
+        <p:spPr>
+          <a:xfrm>
+            <a:off x="9209478" y="903538"/>
+            <a:ext cx="1611082" cy="369332"/>
+          </a:xfrm>
+          <a:prstGeom prst="rect">
+            <a:avLst/>
+          </a:prstGeom>
+          <a:noFill/>
+        </p:spPr>
+        <p:txBody>
+          <a:bodyPr wrap="none" rtlCol="0">
+            <a:spAutoFit/>
+          </a:bodyPr>
+          <a:lstStyle/>
+          <a:p>
+            <a:pPr marL="0" marR="0" lvl="0" indent="0" algn="l" defTabSz="914400" rtl="0" eaLnBrk="1" fontAlgn="auto" latinLnBrk="0" hangingPunct="1">
+              <a:lnSpc>
+                <a:spcPct val="100000"/>
+              </a:lnSpc>
+              <a:spcBef>
+                <a:spcPts val="0"/>
+              </a:spcBef>
+              <a:spcAft>
+                <a:spcPts val="0"/>
+              </a:spcAft>
+              <a:buClrTx/>
+              <a:buSzTx/>
+              <a:buFontTx/>
+              <a:buNone/>
+              <a:tabLst/>
+              <a:defRPr/>
+            </a:pPr>
+            <a:r>
+              <a:rPr kumimoji="0" lang="en-US" sz="1800" b="1" i="0" u="none" strike="noStrike" kern="1200" cap="none" spc="0" normalizeH="0" baseline="0" noProof="0" dirty="0">
+                <a:ln>
+                  <a:noFill/>
+                </a:ln>
+                <a:solidFill>
+                  <a:srgbClr val="C00000"/>
+                </a:solidFill>
+                <a:effectLst/>
+                <a:uLnTx/>
+                <a:uFillTx/>
+                <a:latin typeface="Calibri" panose="020F0502020204030204"/>
+                <a:ea typeface="+mn-ea"/>
+                <a:cs typeface="+mn-cs"/>
+              </a:rPr>
+              <a:t>Manual Layout</a:t>
+            </a:r>
+          </a:p>
+        </p:txBody>
+      </p:sp>
+      <p:pic>
+        <p:nvPicPr>
+          <p:cNvPr id="6" name="Picture 5">
+            <a:extLst>
+              <a:ext uri="{FF2B5EF4-FFF2-40B4-BE49-F238E27FC236}">
+                <a16:creationId xmlns:a16="http://schemas.microsoft.com/office/drawing/2014/main" id="{9139E0CE-8B3C-4A29-A4CD-12B791AB3684}"/>
               </a:ext>
             </a:extLst>
           </p:cNvPr>
@@ -5359,21 +5595,15 @@
           <p:nvPr/>
         </p:nvPicPr>
         <p:blipFill>
-          <a:blip r:embed="rId3">
-            <a:extLst>
-              <a:ext uri="{28A0092B-C50C-407E-A947-70E740481C1C}">
-                <a14:useLocalDpi xmlns:a14="http://schemas.microsoft.com/office/drawing/2010/main" val="0"/>
-              </a:ext>
-            </a:extLst>
-          </a:blip>
+          <a:blip r:embed="rId4"/>
           <a:stretch>
             <a:fillRect/>
           </a:stretch>
         </p:blipFill>
         <p:spPr>
           <a:xfrm>
-            <a:off x="226804" y="1704561"/>
-            <a:ext cx="4968823" cy="4068483"/>
+            <a:off x="4979494" y="1272870"/>
+            <a:ext cx="2526111" cy="4749505"/>
           </a:xfrm>
           <a:prstGeom prst="rect">
             <a:avLst/>
@@ -5382,10 +5612,10 @@
       </p:pic>
       <p:sp>
         <p:nvSpPr>
-          <p:cNvPr id="8" name="TextBox 7">
-            <a:extLst>
-              <a:ext uri="{FF2B5EF4-FFF2-40B4-BE49-F238E27FC236}">
-                <a16:creationId xmlns:a16="http://schemas.microsoft.com/office/drawing/2014/main" id="{682C9D73-A451-407B-9EA6-9291F98B6791}"/>
+          <p:cNvPr id="9" name="TextBox 8">
+            <a:extLst>
+              <a:ext uri="{FF2B5EF4-FFF2-40B4-BE49-F238E27FC236}">
+                <a16:creationId xmlns:a16="http://schemas.microsoft.com/office/drawing/2014/main" id="{44E3D26E-20BF-4082-A89F-AF8C26BECA48}"/>
               </a:ext>
             </a:extLst>
           </p:cNvPr>
@@ -5394,8 +5624,8 @@
         </p:nvSpPr>
         <p:spPr>
           <a:xfrm>
-            <a:off x="2075047" y="1130399"/>
-            <a:ext cx="1272336" cy="400110"/>
+            <a:off x="5437008" y="903538"/>
+            <a:ext cx="1476430" cy="369332"/>
           </a:xfrm>
           <a:prstGeom prst="rect">
             <a:avLst/>
@@ -5408,24 +5638,49 @@
           </a:bodyPr>
           <a:lstStyle/>
           <a:p>
-            <a:pPr algn="ctr"/>
-            <a:r>
-              <a:rPr lang="en-US" sz="2000" b="1" dirty="0">
+            <a:pPr marL="0" marR="0" lvl="0" indent="0" algn="l" defTabSz="914400" rtl="0" eaLnBrk="1" fontAlgn="auto" latinLnBrk="0" hangingPunct="1">
+              <a:lnSpc>
+                <a:spcPct val="100000"/>
+              </a:lnSpc>
+              <a:spcBef>
+                <a:spcPts val="0"/>
+              </a:spcBef>
+              <a:spcAft>
+                <a:spcPts val="0"/>
+              </a:spcAft>
+              <a:buClrTx/>
+              <a:buSzTx/>
+              <a:buFontTx/>
+              <a:buNone/>
+              <a:tabLst/>
+              <a:defRPr/>
+            </a:pPr>
+            <a:r>
+              <a:rPr kumimoji="0" lang="en-US" sz="1800" b="1" i="0" u="none" strike="noStrike" kern="1200" cap="none" spc="0" normalizeH="0" baseline="0" noProof="0" dirty="0">
+                <a:ln>
+                  <a:noFill/>
+                </a:ln>
                 <a:solidFill>
                   <a:srgbClr val="C00000"/>
                 </a:solidFill>
+                <a:effectLst/>
+                <a:uLnTx/>
+                <a:uFillTx/>
+                <a:latin typeface="Calibri" panose="020F0502020204030204"/>
+                <a:ea typeface="+mn-ea"/>
+                <a:cs typeface="+mn-cs"/>
               </a:rPr>
-              <a:t>Schematic</a:t>
-            </a:r>
-          </a:p>
-        </p:txBody>
-      </p:sp>
-      <p:sp>
-        <p:nvSpPr>
-          <p:cNvPr id="9" name="TextBox 8">
-            <a:extLst>
-              <a:ext uri="{FF2B5EF4-FFF2-40B4-BE49-F238E27FC236}">
-                <a16:creationId xmlns:a16="http://schemas.microsoft.com/office/drawing/2014/main" id="{FD363915-EED3-4A19-8E8C-E3313EEBCE9C}"/>
+              <a:t>ALIGN Layout</a:t>
+            </a:r>
+          </a:p>
+        </p:txBody>
+      </p:sp>
+      <p:sp>
+        <p:nvSpPr>
+          <p:cNvPr id="10" name="TextBox 9">
+            <a:extLst>
+              <a:ext uri="{FF2B5EF4-FFF2-40B4-BE49-F238E27FC236}">
+                <a16:creationId xmlns:a16="http://schemas.microsoft.com/office/drawing/2014/main" id="{9C80B746-773A-452B-9370-99DF0B8DB35A}"/>
               </a:ext>
             </a:extLst>
           </p:cNvPr>
@@ -5434,8 +5689,8 @@
         </p:nvSpPr>
         <p:spPr>
           <a:xfrm>
-            <a:off x="7958479" y="1130399"/>
-            <a:ext cx="1772280" cy="400110"/>
+            <a:off x="4498323" y="6191652"/>
+            <a:ext cx="3353803" cy="369332"/>
           </a:xfrm>
           <a:prstGeom prst="rect">
             <a:avLst/>
@@ -5448,14 +5703,172 @@
           </a:bodyPr>
           <a:lstStyle/>
           <a:p>
-            <a:pPr algn="ctr"/>
-            <a:r>
-              <a:rPr lang="en-US" sz="2000" b="1" dirty="0">
+            <a:pPr marL="0" marR="0" lvl="0" indent="0" algn="ctr" defTabSz="914400" rtl="0" eaLnBrk="1" fontAlgn="auto" latinLnBrk="0" hangingPunct="1">
+              <a:lnSpc>
+                <a:spcPct val="100000"/>
+              </a:lnSpc>
+              <a:spcBef>
+                <a:spcPts val="0"/>
+              </a:spcBef>
+              <a:spcAft>
+                <a:spcPts val="0"/>
+              </a:spcAft>
+              <a:buClrTx/>
+              <a:buSzTx/>
+              <a:buFontTx/>
+              <a:buNone/>
+              <a:tabLst/>
+              <a:defRPr/>
+            </a:pPr>
+            <a:r>
+              <a:rPr kumimoji="0" lang="en-US" b="1" i="0" u="none" strike="noStrike" kern="1200" cap="none" spc="0" normalizeH="0" baseline="0" noProof="0" dirty="0">
+                <a:ln>
+                  <a:noFill/>
+                </a:ln>
                 <a:solidFill>
                   <a:srgbClr val="C00000"/>
                 </a:solidFill>
+                <a:effectLst/>
+                <a:uLnTx/>
+                <a:uFillTx/>
+                <a:latin typeface="Calibri" panose="020F0502020204030204"/>
+                <a:ea typeface="+mn-ea"/>
+                <a:cs typeface="+mn-cs"/>
               </a:rPr>
-              <a:t>Manual Layout</a:t>
+              <a:t>145.6μm × 284μm = 41350.4μm</a:t>
+            </a:r>
+            <a:r>
+              <a:rPr kumimoji="0" lang="en-US" b="1" i="0" u="none" strike="noStrike" kern="1200" cap="none" spc="0" normalizeH="0" baseline="30000" noProof="0" dirty="0">
+                <a:ln>
+                  <a:noFill/>
+                </a:ln>
+                <a:solidFill>
+                  <a:srgbClr val="C00000"/>
+                </a:solidFill>
+                <a:effectLst/>
+                <a:uLnTx/>
+                <a:uFillTx/>
+                <a:latin typeface="Calibri" panose="020F0502020204030204"/>
+                <a:ea typeface="+mn-ea"/>
+                <a:cs typeface="+mn-cs"/>
+              </a:rPr>
+              <a:t>2</a:t>
+            </a:r>
+            <a:r>
+              <a:rPr kumimoji="0" lang="en-US" b="1" i="0" u="none" strike="noStrike" kern="1200" cap="none" spc="0" normalizeH="0" baseline="0" noProof="0" dirty="0">
+                <a:ln>
+                  <a:noFill/>
+                </a:ln>
+                <a:solidFill>
+                  <a:srgbClr val="C00000"/>
+                </a:solidFill>
+                <a:effectLst/>
+                <a:uLnTx/>
+                <a:uFillTx/>
+                <a:latin typeface="Calibri" panose="020F0502020204030204"/>
+                <a:ea typeface="+mn-ea"/>
+                <a:cs typeface="+mn-cs"/>
+              </a:rPr>
+              <a:t> </a:t>
+            </a:r>
+          </a:p>
+        </p:txBody>
+      </p:sp>
+      <p:sp>
+        <p:nvSpPr>
+          <p:cNvPr id="11" name="TextBox 10">
+            <a:extLst>
+              <a:ext uri="{FF2B5EF4-FFF2-40B4-BE49-F238E27FC236}">
+                <a16:creationId xmlns:a16="http://schemas.microsoft.com/office/drawing/2014/main" id="{840041B6-40CB-4009-B70C-76D46F680B70}"/>
+              </a:ext>
+            </a:extLst>
+          </p:cNvPr>
+          <p:cNvSpPr txBox="1"/>
+          <p:nvPr/>
+        </p:nvSpPr>
+        <p:spPr>
+          <a:xfrm>
+            <a:off x="8260647" y="6186349"/>
+            <a:ext cx="3882794" cy="369332"/>
+          </a:xfrm>
+          <a:prstGeom prst="rect">
+            <a:avLst/>
+          </a:prstGeom>
+          <a:noFill/>
+        </p:spPr>
+        <p:txBody>
+          <a:bodyPr wrap="none" rtlCol="0">
+            <a:spAutoFit/>
+          </a:bodyPr>
+          <a:lstStyle/>
+          <a:p>
+            <a:pPr marL="0" marR="0" lvl="0" indent="0" algn="ctr" defTabSz="914400" rtl="0" eaLnBrk="1" fontAlgn="auto" latinLnBrk="0" hangingPunct="1">
+              <a:lnSpc>
+                <a:spcPct val="100000"/>
+              </a:lnSpc>
+              <a:spcBef>
+                <a:spcPts val="0"/>
+              </a:spcBef>
+              <a:spcAft>
+                <a:spcPts val="0"/>
+              </a:spcAft>
+              <a:buClrTx/>
+              <a:buSzTx/>
+              <a:buFontTx/>
+              <a:buNone/>
+              <a:tabLst/>
+              <a:defRPr/>
+            </a:pPr>
+            <a:r>
+              <a:rPr kumimoji="0" lang="en-US" b="1" i="0" u="none" strike="noStrike" kern="1200" cap="none" spc="0" normalizeH="0" baseline="0" noProof="0" dirty="0">
+                <a:ln>
+                  <a:noFill/>
+                </a:ln>
+                <a:solidFill>
+                  <a:srgbClr val="C00000"/>
+                </a:solidFill>
+                <a:effectLst/>
+                <a:uLnTx/>
+                <a:uFillTx/>
+                <a:latin typeface="Calibri" panose="020F0502020204030204"/>
+                <a:ea typeface="+mn-ea"/>
+                <a:cs typeface="+mn-cs"/>
+              </a:rPr>
+              <a:t>156.94μm × 309.47μm = 48568.22μm</a:t>
+            </a:r>
+            <a:r>
+              <a:rPr kumimoji="0" lang="en-US" b="1" i="0" u="none" strike="noStrike" kern="1200" cap="none" spc="0" normalizeH="0" baseline="30000" noProof="0" dirty="0">
+                <a:ln>
+                  <a:noFill/>
+                </a:ln>
+                <a:solidFill>
+                  <a:srgbClr val="C00000"/>
+                </a:solidFill>
+                <a:effectLst/>
+                <a:uLnTx/>
+                <a:uFillTx/>
+                <a:latin typeface="Calibri" panose="020F0502020204030204"/>
+                <a:ea typeface="+mn-ea"/>
+                <a:cs typeface="+mn-cs"/>
+              </a:rPr>
+              <a:t>2</a:t>
+            </a:r>
+            <a:r>
+              <a:rPr kumimoji="0" lang="en-US" b="1" i="0" u="none" strike="noStrike" kern="1200" cap="none" spc="0" normalizeH="0" baseline="0" noProof="0" dirty="0">
+                <a:ln>
+                  <a:noFill/>
+                </a:ln>
+                <a:solidFill>
+                  <a:srgbClr val="C00000"/>
+                </a:solidFill>
+                <a:effectLst/>
+                <a:uLnTx/>
+                <a:uFillTx/>
+                <a:latin typeface="Calibri" panose="020F0502020204030204"/>
+                <a:ea typeface="+mn-ea"/>
+                <a:cs typeface="+mn-cs"/>
+              </a:rPr>
+              <a:t> </a:t>
             </a:r>
           </a:p>
         </p:txBody>
@@ -5463,7 +5876,7 @@
     </p:spTree>
     <p:extLst>
       <p:ext uri="{BB962C8B-B14F-4D97-AF65-F5344CB8AC3E}">
-        <p14:creationId xmlns:p14="http://schemas.microsoft.com/office/powerpoint/2010/main" val="4033081295"/>
+        <p14:creationId xmlns:p14="http://schemas.microsoft.com/office/powerpoint/2010/main" val="1541307074"/>
       </p:ext>
     </p:extLst>
   </p:cSld>
@@ -5548,55 +5961,79 @@
           </a:prstGeom>
         </p:spPr>
       </p:pic>
-      <p:sp>
-        <p:nvSpPr>
-          <p:cNvPr id="2" name="Rectangle: Rounded Corners 1">
-            <a:extLst>
-              <a:ext uri="{FF2B5EF4-FFF2-40B4-BE49-F238E27FC236}">
-                <a16:creationId xmlns:a16="http://schemas.microsoft.com/office/drawing/2014/main" id="{7F635857-5837-4B09-B0EE-ECF9F1483F57}"/>
-              </a:ext>
-            </a:extLst>
-          </p:cNvPr>
-          <p:cNvSpPr/>
+      <p:pic>
+        <p:nvPicPr>
+          <p:cNvPr id="6" name="Content Placeholder 4" descr="Diagram, schematic&#10;&#10;Description automatically generated">
+            <a:extLst>
+              <a:ext uri="{FF2B5EF4-FFF2-40B4-BE49-F238E27FC236}">
+                <a16:creationId xmlns:a16="http://schemas.microsoft.com/office/drawing/2014/main" id="{E7325860-EABD-42C7-9683-052388F696BF}"/>
+              </a:ext>
+            </a:extLst>
+          </p:cNvPr>
+          <p:cNvPicPr>
+            <a:picLocks noChangeAspect="1"/>
+          </p:cNvPicPr>
           <p:nvPr/>
-        </p:nvSpPr>
-        <p:spPr>
-          <a:xfrm>
-            <a:off x="5901179" y="1696825"/>
-            <a:ext cx="5882326" cy="1828800"/>
-          </a:xfrm>
-          <a:prstGeom prst="roundRect">
+        </p:nvPicPr>
+        <p:blipFill>
+          <a:blip r:embed="rId3">
+            <a:extLst>
+              <a:ext uri="{28A0092B-C50C-407E-A947-70E740481C1C}">
+                <a14:useLocalDpi xmlns:a14="http://schemas.microsoft.com/office/drawing/2010/main" val="0"/>
+              </a:ext>
+            </a:extLst>
+          </a:blip>
+          <a:stretch>
+            <a:fillRect/>
+          </a:stretch>
+        </p:blipFill>
+        <p:spPr>
+          <a:xfrm>
+            <a:off x="226804" y="1704561"/>
+            <a:ext cx="4968823" cy="4068483"/>
+          </a:xfrm>
+          <a:prstGeom prst="rect">
+            <a:avLst/>
+          </a:prstGeom>
+        </p:spPr>
+      </p:pic>
+      <p:sp>
+        <p:nvSpPr>
+          <p:cNvPr id="8" name="TextBox 7">
+            <a:extLst>
+              <a:ext uri="{FF2B5EF4-FFF2-40B4-BE49-F238E27FC236}">
+                <a16:creationId xmlns:a16="http://schemas.microsoft.com/office/drawing/2014/main" id="{682C9D73-A451-407B-9EA6-9291F98B6791}"/>
+              </a:ext>
+            </a:extLst>
+          </p:cNvPr>
+          <p:cNvSpPr txBox="1"/>
+          <p:nvPr/>
+        </p:nvSpPr>
+        <p:spPr>
+          <a:xfrm>
+            <a:off x="2075047" y="1130399"/>
+            <a:ext cx="1272336" cy="400110"/>
+          </a:xfrm>
+          <a:prstGeom prst="rect">
             <a:avLst/>
           </a:prstGeom>
           <a:noFill/>
-          <a:ln w="57150">
-            <a:solidFill>
-              <a:srgbClr val="0070C0"/>
-            </a:solidFill>
-          </a:ln>
-        </p:spPr>
-        <p:style>
-          <a:lnRef idx="2">
-            <a:schemeClr val="accent1">
-              <a:shade val="50000"/>
-            </a:schemeClr>
-          </a:lnRef>
-          <a:fillRef idx="1">
-            <a:schemeClr val="accent1"/>
-          </a:fillRef>
-          <a:effectRef idx="0">
-            <a:schemeClr val="accent1"/>
-          </a:effectRef>
-          <a:fontRef idx="minor">
-            <a:schemeClr val="lt1"/>
-          </a:fontRef>
-        </p:style>
-        <p:txBody>
-          <a:bodyPr rtlCol="0" anchor="ctr"/>
+        </p:spPr>
+        <p:txBody>
+          <a:bodyPr wrap="none" rtlCol="0">
+            <a:spAutoFit/>
+          </a:bodyPr>
           <a:lstStyle/>
           <a:p>
             <a:pPr algn="ctr"/>
-            <a:endParaRPr lang="en-US"/>
+            <a:r>
+              <a:rPr lang="en-US" sz="2000" b="1" dirty="0">
+                <a:solidFill>
+                  <a:srgbClr val="C00000"/>
+                </a:solidFill>
+              </a:rPr>
+              <a:t>Schematic</a:t>
+            </a:r>
           </a:p>
         </p:txBody>
       </p:sp>
@@ -5640,257 +6077,10 @@
           </a:p>
         </p:txBody>
       </p:sp>
-      <p:cxnSp>
-        <p:nvCxnSpPr>
-          <p:cNvPr id="7" name="Straight Arrow Connector 6">
-            <a:extLst>
-              <a:ext uri="{FF2B5EF4-FFF2-40B4-BE49-F238E27FC236}">
-                <a16:creationId xmlns:a16="http://schemas.microsoft.com/office/drawing/2014/main" id="{2CC44AF6-E329-47CA-B1AB-BD6BDA9E09E1}"/>
-              </a:ext>
-            </a:extLst>
-          </p:cNvPr>
-          <p:cNvCxnSpPr>
-            <a:cxnSpLocks/>
-          </p:cNvCxnSpPr>
-          <p:nvPr/>
-        </p:nvCxnSpPr>
-        <p:spPr>
-          <a:xfrm flipH="1">
-            <a:off x="4637987" y="2526383"/>
-            <a:ext cx="1263192" cy="0"/>
-          </a:xfrm>
-          <a:prstGeom prst="straightConnector1">
-            <a:avLst/>
-          </a:prstGeom>
-          <a:ln w="38100">
-            <a:tailEnd type="triangle"/>
-          </a:ln>
-        </p:spPr>
-        <p:style>
-          <a:lnRef idx="1">
-            <a:schemeClr val="accent1"/>
-          </a:lnRef>
-          <a:fillRef idx="0">
-            <a:schemeClr val="accent1"/>
-          </a:fillRef>
-          <a:effectRef idx="0">
-            <a:schemeClr val="accent1"/>
-          </a:effectRef>
-          <a:fontRef idx="minor">
-            <a:schemeClr val="tx1"/>
-          </a:fontRef>
-        </p:style>
-      </p:cxnSp>
-      <p:sp>
-        <p:nvSpPr>
-          <p:cNvPr id="11" name="Rectangle: Rounded Corners 10">
-            <a:extLst>
-              <a:ext uri="{FF2B5EF4-FFF2-40B4-BE49-F238E27FC236}">
-                <a16:creationId xmlns:a16="http://schemas.microsoft.com/office/drawing/2014/main" id="{6100C8E3-9DAB-4704-88A7-C3EB93902F60}"/>
-              </a:ext>
-            </a:extLst>
-          </p:cNvPr>
-          <p:cNvSpPr/>
-          <p:nvPr/>
-        </p:nvSpPr>
-        <p:spPr>
-          <a:xfrm>
-            <a:off x="5901179" y="3648173"/>
-            <a:ext cx="5882326" cy="2079398"/>
-          </a:xfrm>
-          <a:prstGeom prst="roundRect">
-            <a:avLst/>
-          </a:prstGeom>
-          <a:noFill/>
-          <a:ln w="57150">
-            <a:solidFill>
-              <a:srgbClr val="7030A0"/>
-            </a:solidFill>
-          </a:ln>
-        </p:spPr>
-        <p:style>
-          <a:lnRef idx="2">
-            <a:schemeClr val="accent1">
-              <a:shade val="50000"/>
-            </a:schemeClr>
-          </a:lnRef>
-          <a:fillRef idx="1">
-            <a:schemeClr val="accent1"/>
-          </a:fillRef>
-          <a:effectRef idx="0">
-            <a:schemeClr val="accent1"/>
-          </a:effectRef>
-          <a:fontRef idx="minor">
-            <a:schemeClr val="lt1"/>
-          </a:fontRef>
-        </p:style>
-        <p:txBody>
-          <a:bodyPr rtlCol="0" anchor="ctr"/>
-          <a:lstStyle/>
-          <a:p>
-            <a:pPr algn="ctr"/>
-            <a:endParaRPr lang="en-US"/>
-          </a:p>
-        </p:txBody>
-      </p:sp>
-      <p:cxnSp>
-        <p:nvCxnSpPr>
-          <p:cNvPr id="13" name="Straight Arrow Connector 12">
-            <a:extLst>
-              <a:ext uri="{FF2B5EF4-FFF2-40B4-BE49-F238E27FC236}">
-                <a16:creationId xmlns:a16="http://schemas.microsoft.com/office/drawing/2014/main" id="{A13770B0-B204-436F-B4D6-A362D6754E0C}"/>
-              </a:ext>
-            </a:extLst>
-          </p:cNvPr>
-          <p:cNvCxnSpPr>
-            <a:cxnSpLocks/>
-          </p:cNvCxnSpPr>
-          <p:nvPr/>
-        </p:nvCxnSpPr>
-        <p:spPr>
-          <a:xfrm flipH="1">
-            <a:off x="4637987" y="4601851"/>
-            <a:ext cx="1263192" cy="0"/>
-          </a:xfrm>
-          <a:prstGeom prst="straightConnector1">
-            <a:avLst/>
-          </a:prstGeom>
-          <a:ln w="38100">
-            <a:solidFill>
-              <a:srgbClr val="7030A0"/>
-            </a:solidFill>
-            <a:tailEnd type="triangle"/>
-          </a:ln>
-        </p:spPr>
-        <p:style>
-          <a:lnRef idx="1">
-            <a:schemeClr val="accent1"/>
-          </a:lnRef>
-          <a:fillRef idx="0">
-            <a:schemeClr val="accent1"/>
-          </a:fillRef>
-          <a:effectRef idx="0">
-            <a:schemeClr val="accent1"/>
-          </a:effectRef>
-          <a:fontRef idx="minor">
-            <a:schemeClr val="tx1"/>
-          </a:fontRef>
-        </p:style>
-      </p:cxnSp>
-      <p:sp>
-        <p:nvSpPr>
-          <p:cNvPr id="14" name="TextBox 13">
-            <a:extLst>
-              <a:ext uri="{FF2B5EF4-FFF2-40B4-BE49-F238E27FC236}">
-                <a16:creationId xmlns:a16="http://schemas.microsoft.com/office/drawing/2014/main" id="{56B306F7-D2AF-4819-A8E8-B932902357A7}"/>
-              </a:ext>
-            </a:extLst>
-          </p:cNvPr>
-          <p:cNvSpPr txBox="1"/>
-          <p:nvPr/>
-        </p:nvSpPr>
-        <p:spPr>
-          <a:xfrm>
-            <a:off x="2508661" y="2288059"/>
-            <a:ext cx="1521699" cy="646331"/>
-          </a:xfrm>
-          <a:prstGeom prst="rect">
-            <a:avLst/>
-          </a:prstGeom>
-          <a:noFill/>
-        </p:spPr>
-        <p:txBody>
-          <a:bodyPr wrap="none" rtlCol="0">
-            <a:spAutoFit/>
-          </a:bodyPr>
-          <a:lstStyle/>
-          <a:p>
-            <a:pPr algn="ctr"/>
-            <a:r>
-              <a:rPr lang="en-US" b="1" dirty="0">
-                <a:solidFill>
-                  <a:srgbClr val="0070C0"/>
-                </a:solidFill>
-              </a:rPr>
-              <a:t>Spectral filter </a:t>
-            </a:r>
-            <a:br>
-              <a:rPr lang="en-US" b="1" dirty="0">
-                <a:solidFill>
-                  <a:srgbClr val="0070C0"/>
-                </a:solidFill>
-              </a:rPr>
-            </a:br>
-            <a:r>
-              <a:rPr lang="en-US" b="1" dirty="0">
-                <a:solidFill>
-                  <a:srgbClr val="0070C0"/>
-                </a:solidFill>
-              </a:rPr>
-              <a:t>hierarchy</a:t>
-            </a:r>
-          </a:p>
-        </p:txBody>
-      </p:sp>
-      <p:sp>
-        <p:nvSpPr>
-          <p:cNvPr id="15" name="TextBox 14">
-            <a:extLst>
-              <a:ext uri="{FF2B5EF4-FFF2-40B4-BE49-F238E27FC236}">
-                <a16:creationId xmlns:a16="http://schemas.microsoft.com/office/drawing/2014/main" id="{DE700DAC-8C92-406D-AD9D-1A2519F1EC99}"/>
-              </a:ext>
-            </a:extLst>
-          </p:cNvPr>
-          <p:cNvSpPr txBox="1"/>
-          <p:nvPr/>
-        </p:nvSpPr>
-        <p:spPr>
-          <a:xfrm>
-            <a:off x="2225988" y="4364706"/>
-            <a:ext cx="2087046" cy="646331"/>
-          </a:xfrm>
-          <a:prstGeom prst="rect">
-            <a:avLst/>
-          </a:prstGeom>
-          <a:noFill/>
-        </p:spPr>
-        <p:txBody>
-          <a:bodyPr wrap="none" rtlCol="0">
-            <a:spAutoFit/>
-          </a:bodyPr>
-          <a:lstStyle/>
-          <a:p>
-            <a:pPr algn="ctr"/>
-            <a:r>
-              <a:rPr lang="en-US" b="1" dirty="0">
-                <a:solidFill>
-                  <a:srgbClr val="7030A0"/>
-                </a:solidFill>
-              </a:rPr>
-              <a:t>Spatial beamformer</a:t>
-            </a:r>
-            <a:br>
-              <a:rPr lang="en-US" b="1" dirty="0">
-                <a:solidFill>
-                  <a:srgbClr val="7030A0"/>
-                </a:solidFill>
-              </a:rPr>
-            </a:br>
-            <a:r>
-              <a:rPr lang="en-US" b="1" dirty="0">
-                <a:solidFill>
-                  <a:srgbClr val="7030A0"/>
-                </a:solidFill>
-              </a:rPr>
-              <a:t>hierarchy</a:t>
-            </a:r>
-          </a:p>
-        </p:txBody>
-      </p:sp>
     </p:spTree>
     <p:extLst>
       <p:ext uri="{BB962C8B-B14F-4D97-AF65-F5344CB8AC3E}">
-        <p14:creationId xmlns:p14="http://schemas.microsoft.com/office/powerpoint/2010/main" val="849043617"/>
+        <p14:creationId xmlns:p14="http://schemas.microsoft.com/office/powerpoint/2010/main" val="4033081295"/>
       </p:ext>
     </p:extLst>
   </p:cSld>
@@ -5919,69 +6109,10 @@
       </p:grpSpPr>
       <p:sp>
         <p:nvSpPr>
-          <p:cNvPr id="2" name="Content Placeholder 1">
-            <a:extLst>
-              <a:ext uri="{FF2B5EF4-FFF2-40B4-BE49-F238E27FC236}">
-                <a16:creationId xmlns:a16="http://schemas.microsoft.com/office/drawing/2014/main" id="{7D758810-2C09-44B5-AF92-111EC4318553}"/>
-              </a:ext>
-            </a:extLst>
-          </p:cNvPr>
-          <p:cNvSpPr>
-            <a:spLocks noGrp="1"/>
-          </p:cNvSpPr>
-          <p:nvPr>
-            <p:ph sz="quarter" idx="13"/>
-          </p:nvPr>
-        </p:nvSpPr>
-        <p:spPr>
-          <a:xfrm>
-            <a:off x="370264" y="1115260"/>
-            <a:ext cx="8531934" cy="1387136"/>
-          </a:xfrm>
-        </p:spPr>
-        <p:txBody>
-          <a:bodyPr>
-            <a:normAutofit/>
-          </a:bodyPr>
-          <a:lstStyle/>
-          <a:p>
-            <a:r>
-              <a:rPr lang="en-US" dirty="0"/>
-              <a:t>Spatial beamformer block contains</a:t>
-            </a:r>
-          </a:p>
-          <a:p>
-            <a:pPr lvl="1"/>
-            <a:r>
-              <a:rPr lang="en-US" dirty="0"/>
-              <a:t>8 Spatial filters</a:t>
-            </a:r>
-          </a:p>
-          <a:p>
-            <a:pPr lvl="1"/>
-            <a:r>
-              <a:rPr lang="en-US" dirty="0"/>
-              <a:t>2 CLK driver buffers (used as black box input)</a:t>
-            </a:r>
-          </a:p>
-          <a:p>
-            <a:pPr lvl="1"/>
-            <a:r>
-              <a:rPr lang="en-US" dirty="0"/>
-              <a:t>1 I/O CLK distribution block (used as black box input)</a:t>
-            </a:r>
-          </a:p>
-          <a:p>
-            <a:endParaRPr lang="en-US" dirty="0"/>
-          </a:p>
-        </p:txBody>
-      </p:sp>
-      <p:sp>
-        <p:nvSpPr>
           <p:cNvPr id="3" name="Title 2">
             <a:extLst>
               <a:ext uri="{FF2B5EF4-FFF2-40B4-BE49-F238E27FC236}">
-                <a16:creationId xmlns:a16="http://schemas.microsoft.com/office/drawing/2014/main" id="{192EAFE0-55EE-478A-A107-56876F8D2BC6}"/>
+                <a16:creationId xmlns:a16="http://schemas.microsoft.com/office/drawing/2014/main" id="{1884A9C3-C67F-45D0-8A9C-84BF13A7672C}"/>
               </a:ext>
             </a:extLst>
           </p:cNvPr>
@@ -5999,7 +6130,7 @@
           <a:p>
             <a:r>
               <a:rPr lang="en-US" dirty="0"/>
-              <a:t>MIMO Sub-Hierarchy: Spatial Beamformers</a:t>
+              <a:t>MIMO Layout</a:t>
             </a:r>
           </a:p>
         </p:txBody>
@@ -6009,7 +6140,7 @@
           <p:cNvPr id="5" name="Picture 4">
             <a:extLst>
               <a:ext uri="{FF2B5EF4-FFF2-40B4-BE49-F238E27FC236}">
-                <a16:creationId xmlns:a16="http://schemas.microsoft.com/office/drawing/2014/main" id="{1A637035-356D-488B-8D5C-9345D4FC0800}"/>
+                <a16:creationId xmlns:a16="http://schemas.microsoft.com/office/drawing/2014/main" id="{FBD74F16-EC92-4753-BE0A-AFE3920D41B1}"/>
               </a:ext>
             </a:extLst>
           </p:cNvPr>
@@ -6026,8 +6157,8 @@
         </p:blipFill>
         <p:spPr>
           <a:xfrm>
-            <a:off x="2053771" y="2698816"/>
-            <a:ext cx="8084457" cy="3258097"/>
+            <a:off x="5656237" y="1595006"/>
+            <a:ext cx="6210427" cy="4178038"/>
           </a:xfrm>
           <a:prstGeom prst="rect">
             <a:avLst/>
@@ -6036,10 +6167,10 @@
       </p:pic>
       <p:sp>
         <p:nvSpPr>
-          <p:cNvPr id="11" name="Rectangle: Rounded Corners 10">
-            <a:extLst>
-              <a:ext uri="{FF2B5EF4-FFF2-40B4-BE49-F238E27FC236}">
-                <a16:creationId xmlns:a16="http://schemas.microsoft.com/office/drawing/2014/main" id="{46CFD71C-4759-4C70-B890-0B846ED588B9}"/>
+          <p:cNvPr id="2" name="Rectangle: Rounded Corners 1">
+            <a:extLst>
+              <a:ext uri="{FF2B5EF4-FFF2-40B4-BE49-F238E27FC236}">
+                <a16:creationId xmlns:a16="http://schemas.microsoft.com/office/drawing/2014/main" id="{7F635857-5837-4B09-B0EE-ECF9F1483F57}"/>
               </a:ext>
             </a:extLst>
           </p:cNvPr>
@@ -6048,14 +6179,14 @@
         </p:nvSpPr>
         <p:spPr>
           <a:xfrm>
-            <a:off x="9090733" y="3844031"/>
-            <a:ext cx="887767" cy="2019442"/>
+            <a:off x="5901179" y="1696825"/>
+            <a:ext cx="5882326" cy="1828800"/>
           </a:xfrm>
           <a:prstGeom prst="roundRect">
             <a:avLst/>
           </a:prstGeom>
           <a:noFill/>
-          <a:ln w="38100">
+          <a:ln w="57150">
             <a:solidFill>
               <a:srgbClr val="0070C0"/>
             </a:solidFill>
@@ -6088,10 +6219,10 @@
       </p:sp>
       <p:sp>
         <p:nvSpPr>
-          <p:cNvPr id="15" name="TextBox 14">
-            <a:extLst>
-              <a:ext uri="{FF2B5EF4-FFF2-40B4-BE49-F238E27FC236}">
-                <a16:creationId xmlns:a16="http://schemas.microsoft.com/office/drawing/2014/main" id="{8372D635-7280-4C67-A9CE-13F36C768110}"/>
+          <p:cNvPr id="9" name="TextBox 8">
+            <a:extLst>
+              <a:ext uri="{FF2B5EF4-FFF2-40B4-BE49-F238E27FC236}">
+                <a16:creationId xmlns:a16="http://schemas.microsoft.com/office/drawing/2014/main" id="{FD363915-EED3-4A19-8E8C-E3313EEBCE9C}"/>
               </a:ext>
             </a:extLst>
           </p:cNvPr>
@@ -6100,8 +6231,8 @@
         </p:nvSpPr>
         <p:spPr>
           <a:xfrm>
-            <a:off x="10661813" y="4640346"/>
-            <a:ext cx="1348318" cy="369332"/>
+            <a:off x="7958479" y="1130399"/>
+            <a:ext cx="1772280" cy="400110"/>
           </a:xfrm>
           <a:prstGeom prst="rect">
             <a:avLst/>
@@ -6114,23 +6245,65 @@
           </a:bodyPr>
           <a:lstStyle/>
           <a:p>
-            <a:r>
-              <a:rPr lang="en-US" b="1" dirty="0">
+            <a:pPr algn="ctr"/>
+            <a:r>
+              <a:rPr lang="en-US" sz="2000" b="1" dirty="0">
                 <a:solidFill>
-                  <a:srgbClr val="0070C0"/>
+                  <a:srgbClr val="C00000"/>
                 </a:solidFill>
               </a:rPr>
-              <a:t>Spatial filter</a:t>
-            </a:r>
-          </a:p>
-        </p:txBody>
-      </p:sp>
-      <p:sp>
-        <p:nvSpPr>
-          <p:cNvPr id="19" name="Rectangle: Rounded Corners 18">
-            <a:extLst>
-              <a:ext uri="{FF2B5EF4-FFF2-40B4-BE49-F238E27FC236}">
-                <a16:creationId xmlns:a16="http://schemas.microsoft.com/office/drawing/2014/main" id="{88DAF112-FD01-4A49-9FB8-A92E7EA8D466}"/>
+              <a:t>Manual Layout</a:t>
+            </a:r>
+          </a:p>
+        </p:txBody>
+      </p:sp>
+      <p:cxnSp>
+        <p:nvCxnSpPr>
+          <p:cNvPr id="7" name="Straight Arrow Connector 6">
+            <a:extLst>
+              <a:ext uri="{FF2B5EF4-FFF2-40B4-BE49-F238E27FC236}">
+                <a16:creationId xmlns:a16="http://schemas.microsoft.com/office/drawing/2014/main" id="{2CC44AF6-E329-47CA-B1AB-BD6BDA9E09E1}"/>
+              </a:ext>
+            </a:extLst>
+          </p:cNvPr>
+          <p:cNvCxnSpPr>
+            <a:cxnSpLocks/>
+          </p:cNvCxnSpPr>
+          <p:nvPr/>
+        </p:nvCxnSpPr>
+        <p:spPr>
+          <a:xfrm flipH="1">
+            <a:off x="4637987" y="2526383"/>
+            <a:ext cx="1263192" cy="0"/>
+          </a:xfrm>
+          <a:prstGeom prst="straightConnector1">
+            <a:avLst/>
+          </a:prstGeom>
+          <a:ln w="38100">
+            <a:tailEnd type="triangle"/>
+          </a:ln>
+        </p:spPr>
+        <p:style>
+          <a:lnRef idx="1">
+            <a:schemeClr val="accent1"/>
+          </a:lnRef>
+          <a:fillRef idx="0">
+            <a:schemeClr val="accent1"/>
+          </a:fillRef>
+          <a:effectRef idx="0">
+            <a:schemeClr val="accent1"/>
+          </a:effectRef>
+          <a:fontRef idx="minor">
+            <a:schemeClr val="tx1"/>
+          </a:fontRef>
+        </p:style>
+      </p:cxnSp>
+      <p:sp>
+        <p:nvSpPr>
+          <p:cNvPr id="11" name="Rectangle: Rounded Corners 10">
+            <a:extLst>
+              <a:ext uri="{FF2B5EF4-FFF2-40B4-BE49-F238E27FC236}">
+                <a16:creationId xmlns:a16="http://schemas.microsoft.com/office/drawing/2014/main" id="{6100C8E3-9DAB-4704-88A7-C3EB93902F60}"/>
               </a:ext>
             </a:extLst>
           </p:cNvPr>
@@ -6139,16 +6312,16 @@
         </p:nvSpPr>
         <p:spPr>
           <a:xfrm>
-            <a:off x="5825231" y="3693111"/>
-            <a:ext cx="639080" cy="2263802"/>
+            <a:off x="5901179" y="3648173"/>
+            <a:ext cx="5882326" cy="2079398"/>
           </a:xfrm>
           <a:prstGeom prst="roundRect">
             <a:avLst/>
           </a:prstGeom>
           <a:noFill/>
-          <a:ln w="38100">
+          <a:ln w="57150">
             <a:solidFill>
-              <a:srgbClr val="C81F1F"/>
+              <a:srgbClr val="7030A0"/>
             </a:solidFill>
           </a:ln>
         </p:spPr>
@@ -6177,173 +6350,31 @@
           </a:p>
         </p:txBody>
       </p:sp>
-      <p:sp>
-        <p:nvSpPr>
-          <p:cNvPr id="23" name="TextBox 22">
-            <a:extLst>
-              <a:ext uri="{FF2B5EF4-FFF2-40B4-BE49-F238E27FC236}">
-                <a16:creationId xmlns:a16="http://schemas.microsoft.com/office/drawing/2014/main" id="{14A8A255-4E06-4FE4-836F-5FBDB388E805}"/>
-              </a:ext>
-            </a:extLst>
-          </p:cNvPr>
-          <p:cNvSpPr txBox="1"/>
-          <p:nvPr/>
-        </p:nvSpPr>
-        <p:spPr>
-          <a:xfrm>
-            <a:off x="8001468" y="2058725"/>
-            <a:ext cx="2660345" cy="369332"/>
-          </a:xfrm>
-          <a:prstGeom prst="rect">
-            <a:avLst/>
-          </a:prstGeom>
-          <a:noFill/>
-        </p:spPr>
-        <p:txBody>
-          <a:bodyPr wrap="none" rtlCol="0">
-            <a:spAutoFit/>
-          </a:bodyPr>
-          <a:lstStyle/>
-          <a:p>
-            <a:pPr algn="ctr"/>
-            <a:r>
-              <a:rPr lang="en-US" b="1" dirty="0">
-                <a:solidFill>
-                  <a:srgbClr val="C00000"/>
-                </a:solidFill>
-              </a:rPr>
-              <a:t>I/O CLK Distribution Block</a:t>
-            </a:r>
-          </a:p>
-        </p:txBody>
-      </p:sp>
-      <p:sp>
-        <p:nvSpPr>
-          <p:cNvPr id="25" name="Rectangle: Rounded Corners 24">
-            <a:extLst>
-              <a:ext uri="{FF2B5EF4-FFF2-40B4-BE49-F238E27FC236}">
-                <a16:creationId xmlns:a16="http://schemas.microsoft.com/office/drawing/2014/main" id="{2A542AB1-7F39-4337-8AA8-421693692357}"/>
-              </a:ext>
-            </a:extLst>
-          </p:cNvPr>
-          <p:cNvSpPr/>
-          <p:nvPr/>
-        </p:nvSpPr>
-        <p:spPr>
-          <a:xfrm>
-            <a:off x="4998128" y="2991775"/>
-            <a:ext cx="729562" cy="645680"/>
-          </a:xfrm>
-          <a:prstGeom prst="roundRect">
-            <a:avLst/>
-          </a:prstGeom>
-          <a:noFill/>
-          <a:ln w="38100">
-            <a:solidFill>
-              <a:srgbClr val="FF0000"/>
-            </a:solidFill>
-          </a:ln>
-        </p:spPr>
-        <p:style>
-          <a:lnRef idx="2">
-            <a:schemeClr val="accent1">
-              <a:shade val="50000"/>
-            </a:schemeClr>
-          </a:lnRef>
-          <a:fillRef idx="1">
-            <a:schemeClr val="accent1"/>
-          </a:fillRef>
-          <a:effectRef idx="0">
-            <a:schemeClr val="accent1"/>
-          </a:effectRef>
-          <a:fontRef idx="minor">
-            <a:schemeClr val="lt1"/>
-          </a:fontRef>
-        </p:style>
-        <p:txBody>
-          <a:bodyPr rtlCol="0" anchor="ctr"/>
-          <a:lstStyle/>
-          <a:p>
-            <a:pPr algn="ctr"/>
-            <a:endParaRPr lang="en-US"/>
-          </a:p>
-        </p:txBody>
-      </p:sp>
-      <p:sp>
-        <p:nvSpPr>
-          <p:cNvPr id="26" name="Rectangle: Rounded Corners 25">
-            <a:extLst>
-              <a:ext uri="{FF2B5EF4-FFF2-40B4-BE49-F238E27FC236}">
-                <a16:creationId xmlns:a16="http://schemas.microsoft.com/office/drawing/2014/main" id="{72BC4A51-A457-489D-8C99-3846C5CCCBC0}"/>
-              </a:ext>
-            </a:extLst>
-          </p:cNvPr>
-          <p:cNvSpPr/>
-          <p:nvPr/>
-        </p:nvSpPr>
-        <p:spPr>
-          <a:xfrm>
-            <a:off x="6471751" y="2892510"/>
-            <a:ext cx="729562" cy="645680"/>
-          </a:xfrm>
-          <a:prstGeom prst="roundRect">
-            <a:avLst/>
-          </a:prstGeom>
-          <a:noFill/>
-          <a:ln w="38100">
-            <a:solidFill>
-              <a:srgbClr val="FF0000"/>
-            </a:solidFill>
-          </a:ln>
-        </p:spPr>
-        <p:style>
-          <a:lnRef idx="2">
-            <a:schemeClr val="accent1">
-              <a:shade val="50000"/>
-            </a:schemeClr>
-          </a:lnRef>
-          <a:fillRef idx="1">
-            <a:schemeClr val="accent1"/>
-          </a:fillRef>
-          <a:effectRef idx="0">
-            <a:schemeClr val="accent1"/>
-          </a:effectRef>
-          <a:fontRef idx="minor">
-            <a:schemeClr val="lt1"/>
-          </a:fontRef>
-        </p:style>
-        <p:txBody>
-          <a:bodyPr rtlCol="0" anchor="ctr"/>
-          <a:lstStyle/>
-          <a:p>
-            <a:pPr algn="ctr"/>
-            <a:endParaRPr lang="en-US"/>
-          </a:p>
-        </p:txBody>
-      </p:sp>
       <p:cxnSp>
         <p:nvCxnSpPr>
-          <p:cNvPr id="30" name="Straight Arrow Connector 29">
-            <a:extLst>
-              <a:ext uri="{FF2B5EF4-FFF2-40B4-BE49-F238E27FC236}">
-                <a16:creationId xmlns:a16="http://schemas.microsoft.com/office/drawing/2014/main" id="{4C8086AF-BBEC-4FC8-B136-17198F3BB657}"/>
-              </a:ext>
-            </a:extLst>
-          </p:cNvPr>
-          <p:cNvCxnSpPr/>
+          <p:cNvPr id="13" name="Straight Arrow Connector 12">
+            <a:extLst>
+              <a:ext uri="{FF2B5EF4-FFF2-40B4-BE49-F238E27FC236}">
+                <a16:creationId xmlns:a16="http://schemas.microsoft.com/office/drawing/2014/main" id="{A13770B0-B204-436F-B4D6-A362D6754E0C}"/>
+              </a:ext>
+            </a:extLst>
+          </p:cNvPr>
+          <p:cNvCxnSpPr>
+            <a:cxnSpLocks/>
+          </p:cNvCxnSpPr>
           <p:nvPr/>
         </p:nvCxnSpPr>
         <p:spPr>
           <a:xfrm flipH="1">
-            <a:off x="5513033" y="2428057"/>
-            <a:ext cx="426128" cy="563718"/>
+            <a:off x="4637987" y="4601851"/>
+            <a:ext cx="1263192" cy="0"/>
           </a:xfrm>
           <a:prstGeom prst="straightConnector1">
             <a:avLst/>
           </a:prstGeom>
           <a:ln w="38100">
             <a:solidFill>
-              <a:srgbClr val="FF0000"/>
+              <a:srgbClr val="7030A0"/>
             </a:solidFill>
             <a:tailEnd type="triangle"/>
           </a:ln>
@@ -6363,56 +6394,12 @@
           </a:fontRef>
         </p:style>
       </p:cxnSp>
-      <p:cxnSp>
-        <p:nvCxnSpPr>
-          <p:cNvPr id="32" name="Straight Arrow Connector 31">
-            <a:extLst>
-              <a:ext uri="{FF2B5EF4-FFF2-40B4-BE49-F238E27FC236}">
-                <a16:creationId xmlns:a16="http://schemas.microsoft.com/office/drawing/2014/main" id="{1983470E-DBE8-498B-A89E-3EEA1A92D979}"/>
-              </a:ext>
-            </a:extLst>
-          </p:cNvPr>
-          <p:cNvCxnSpPr>
-            <a:endCxn id="26" idx="0"/>
-          </p:cNvCxnSpPr>
-          <p:nvPr/>
-        </p:nvCxnSpPr>
-        <p:spPr>
-          <a:xfrm>
-            <a:off x="6464311" y="2343705"/>
-            <a:ext cx="372221" cy="548805"/>
-          </a:xfrm>
-          <a:prstGeom prst="straightConnector1">
-            <a:avLst/>
-          </a:prstGeom>
-          <a:ln w="38100">
-            <a:solidFill>
-              <a:srgbClr val="FF0000"/>
-            </a:solidFill>
-            <a:tailEnd type="triangle"/>
-          </a:ln>
-        </p:spPr>
-        <p:style>
-          <a:lnRef idx="1">
-            <a:schemeClr val="accent1"/>
-          </a:lnRef>
-          <a:fillRef idx="0">
-            <a:schemeClr val="accent1"/>
-          </a:fillRef>
-          <a:effectRef idx="0">
-            <a:schemeClr val="accent1"/>
-          </a:effectRef>
-          <a:fontRef idx="minor">
-            <a:schemeClr val="tx1"/>
-          </a:fontRef>
-        </p:style>
-      </p:cxnSp>
-      <p:sp>
-        <p:nvSpPr>
-          <p:cNvPr id="34" name="TextBox 33">
-            <a:extLst>
-              <a:ext uri="{FF2B5EF4-FFF2-40B4-BE49-F238E27FC236}">
-                <a16:creationId xmlns:a16="http://schemas.microsoft.com/office/drawing/2014/main" id="{F96BF028-C3CA-440F-ADED-43D65BB1B197}"/>
+      <p:sp>
+        <p:nvSpPr>
+          <p:cNvPr id="14" name="TextBox 13">
+            <a:extLst>
+              <a:ext uri="{FF2B5EF4-FFF2-40B4-BE49-F238E27FC236}">
+                <a16:creationId xmlns:a16="http://schemas.microsoft.com/office/drawing/2014/main" id="{56B306F7-D2AF-4819-A8E8-B932902357A7}"/>
               </a:ext>
             </a:extLst>
           </p:cNvPr>
@@ -6421,8 +6408,8 @@
         </p:nvSpPr>
         <p:spPr>
           <a:xfrm>
-            <a:off x="5622861" y="1892861"/>
-            <a:ext cx="1260153" cy="369332"/>
+            <a:off x="2508661" y="2288059"/>
+            <a:ext cx="1521699" cy="646331"/>
           </a:xfrm>
           <a:prstGeom prst="rect">
             <a:avLst/>
@@ -6439,108 +6426,35 @@
             <a:r>
               <a:rPr lang="en-US" b="1" dirty="0">
                 <a:solidFill>
-                  <a:srgbClr val="FF2020"/>
+                  <a:srgbClr val="0070C0"/>
                 </a:solidFill>
               </a:rPr>
-              <a:t>CLK Drivers</a:t>
-            </a:r>
-          </a:p>
-        </p:txBody>
-      </p:sp>
-      <p:cxnSp>
-        <p:nvCxnSpPr>
-          <p:cNvPr id="6" name="Straight Arrow Connector 5">
-            <a:extLst>
-              <a:ext uri="{FF2B5EF4-FFF2-40B4-BE49-F238E27FC236}">
-                <a16:creationId xmlns:a16="http://schemas.microsoft.com/office/drawing/2014/main" id="{B32F5016-1A8B-45EE-8AF3-4A83AD368469}"/>
-              </a:ext>
-            </a:extLst>
-          </p:cNvPr>
-          <p:cNvCxnSpPr>
-            <a:cxnSpLocks/>
-          </p:cNvCxnSpPr>
-          <p:nvPr/>
-        </p:nvCxnSpPr>
-        <p:spPr>
-          <a:xfrm flipH="1">
-            <a:off x="9978500" y="4853752"/>
-            <a:ext cx="636081" cy="0"/>
-          </a:xfrm>
-          <a:prstGeom prst="straightConnector1">
-            <a:avLst/>
-          </a:prstGeom>
-          <a:ln w="38100">
-            <a:solidFill>
-              <a:schemeClr val="accent1"/>
-            </a:solidFill>
-            <a:tailEnd type="triangle"/>
-          </a:ln>
-        </p:spPr>
-        <p:style>
-          <a:lnRef idx="1">
-            <a:schemeClr val="accent1"/>
-          </a:lnRef>
-          <a:fillRef idx="0">
-            <a:schemeClr val="accent1"/>
-          </a:fillRef>
-          <a:effectRef idx="0">
-            <a:schemeClr val="accent1"/>
-          </a:effectRef>
-          <a:fontRef idx="minor">
-            <a:schemeClr val="tx1"/>
-          </a:fontRef>
-        </p:style>
-      </p:cxnSp>
-      <p:cxnSp>
-        <p:nvCxnSpPr>
-          <p:cNvPr id="24" name="Straight Arrow Connector 23">
-            <a:extLst>
-              <a:ext uri="{FF2B5EF4-FFF2-40B4-BE49-F238E27FC236}">
-                <a16:creationId xmlns:a16="http://schemas.microsoft.com/office/drawing/2014/main" id="{CD7B70C1-1713-405F-B72E-819C0A5E4EAC}"/>
-              </a:ext>
-            </a:extLst>
-          </p:cNvPr>
-          <p:cNvCxnSpPr>
-            <a:stCxn id="23" idx="2"/>
-          </p:cNvCxnSpPr>
-          <p:nvPr/>
-        </p:nvCxnSpPr>
-        <p:spPr>
-          <a:xfrm flipH="1">
-            <a:off x="6471751" y="2428057"/>
-            <a:ext cx="2859890" cy="2125089"/>
-          </a:xfrm>
-          <a:prstGeom prst="straightConnector1">
-            <a:avLst/>
-          </a:prstGeom>
-          <a:ln w="57150">
-            <a:solidFill>
-              <a:srgbClr val="C81F1F"/>
-            </a:solidFill>
-            <a:tailEnd type="triangle"/>
-          </a:ln>
-        </p:spPr>
-        <p:style>
-          <a:lnRef idx="1">
-            <a:schemeClr val="accent1"/>
-          </a:lnRef>
-          <a:fillRef idx="0">
-            <a:schemeClr val="accent1"/>
-          </a:fillRef>
-          <a:effectRef idx="0">
-            <a:schemeClr val="accent1"/>
-          </a:effectRef>
-          <a:fontRef idx="minor">
-            <a:schemeClr val="tx1"/>
-          </a:fontRef>
-        </p:style>
-      </p:cxnSp>
-      <p:sp>
-        <p:nvSpPr>
-          <p:cNvPr id="27" name="TextBox 26">
-            <a:extLst>
-              <a:ext uri="{FF2B5EF4-FFF2-40B4-BE49-F238E27FC236}">
-                <a16:creationId xmlns:a16="http://schemas.microsoft.com/office/drawing/2014/main" id="{C80ABFDA-42F1-4F12-AD9E-7DA1EA4C22A4}"/>
+              <a:t>Spectral filter </a:t>
+            </a:r>
+            <a:br>
+              <a:rPr lang="en-US" b="1" dirty="0">
+                <a:solidFill>
+                  <a:srgbClr val="0070C0"/>
+                </a:solidFill>
+              </a:rPr>
+            </a:br>
+            <a:r>
+              <a:rPr lang="en-US" b="1" dirty="0">
+                <a:solidFill>
+                  <a:srgbClr val="0070C0"/>
+                </a:solidFill>
+              </a:rPr>
+              <a:t>hierarchy</a:t>
+            </a:r>
+          </a:p>
+        </p:txBody>
+      </p:sp>
+      <p:sp>
+        <p:nvSpPr>
+          <p:cNvPr id="15" name="TextBox 14">
+            <a:extLst>
+              <a:ext uri="{FF2B5EF4-FFF2-40B4-BE49-F238E27FC236}">
+                <a16:creationId xmlns:a16="http://schemas.microsoft.com/office/drawing/2014/main" id="{DE700DAC-8C92-406D-AD9D-1A2519F1EC99}"/>
               </a:ext>
             </a:extLst>
           </p:cNvPr>
@@ -6549,8 +6463,8 @@
         </p:nvSpPr>
         <p:spPr>
           <a:xfrm>
-            <a:off x="5362909" y="6200865"/>
-            <a:ext cx="1611082" cy="369332"/>
+            <a:off x="2225988" y="4364706"/>
+            <a:ext cx="2087046" cy="646331"/>
           </a:xfrm>
           <a:prstGeom prst="rect">
             <a:avLst/>
@@ -6563,9 +6477,29 @@
           </a:bodyPr>
           <a:lstStyle/>
           <a:p>
-            <a:r>
-              <a:rPr lang="en-US" b="1" dirty="0"/>
-              <a:t>Manual Layout</a:t>
+            <a:pPr algn="ctr"/>
+            <a:r>
+              <a:rPr lang="en-US" b="1" dirty="0">
+                <a:solidFill>
+                  <a:srgbClr val="7030A0"/>
+                </a:solidFill>
+              </a:rPr>
+              <a:t>Spatial beamformer</a:t>
+            </a:r>
+            <a:br>
+              <a:rPr lang="en-US" b="1" dirty="0">
+                <a:solidFill>
+                  <a:srgbClr val="7030A0"/>
+                </a:solidFill>
+              </a:rPr>
+            </a:br>
+            <a:r>
+              <a:rPr lang="en-US" b="1" dirty="0">
+                <a:solidFill>
+                  <a:srgbClr val="7030A0"/>
+                </a:solidFill>
+              </a:rPr>
+              <a:t>hierarchy</a:t>
             </a:r>
           </a:p>
         </p:txBody>
@@ -6573,7 +6507,7 @@
     </p:spTree>
     <p:extLst>
       <p:ext uri="{BB962C8B-B14F-4D97-AF65-F5344CB8AC3E}">
-        <p14:creationId xmlns:p14="http://schemas.microsoft.com/office/powerpoint/2010/main" val="1088984512"/>
+        <p14:creationId xmlns:p14="http://schemas.microsoft.com/office/powerpoint/2010/main" val="849043617"/>
       </p:ext>
     </p:extLst>
   </p:cSld>
@@ -6602,10 +6536,69 @@
       </p:grpSpPr>
       <p:sp>
         <p:nvSpPr>
+          <p:cNvPr id="2" name="Content Placeholder 1">
+            <a:extLst>
+              <a:ext uri="{FF2B5EF4-FFF2-40B4-BE49-F238E27FC236}">
+                <a16:creationId xmlns:a16="http://schemas.microsoft.com/office/drawing/2014/main" id="{7D758810-2C09-44B5-AF92-111EC4318553}"/>
+              </a:ext>
+            </a:extLst>
+          </p:cNvPr>
+          <p:cNvSpPr>
+            <a:spLocks noGrp="1"/>
+          </p:cNvSpPr>
+          <p:nvPr>
+            <p:ph sz="quarter" idx="13"/>
+          </p:nvPr>
+        </p:nvSpPr>
+        <p:spPr>
+          <a:xfrm>
+            <a:off x="370264" y="1115260"/>
+            <a:ext cx="8531934" cy="1387136"/>
+          </a:xfrm>
+        </p:spPr>
+        <p:txBody>
+          <a:bodyPr>
+            <a:normAutofit/>
+          </a:bodyPr>
+          <a:lstStyle/>
+          <a:p>
+            <a:r>
+              <a:rPr lang="en-US" dirty="0"/>
+              <a:t>Spatial beamformer block contains</a:t>
+            </a:r>
+          </a:p>
+          <a:p>
+            <a:pPr lvl="1"/>
+            <a:r>
+              <a:rPr lang="en-US" dirty="0"/>
+              <a:t>8 Spatial filters</a:t>
+            </a:r>
+          </a:p>
+          <a:p>
+            <a:pPr lvl="1"/>
+            <a:r>
+              <a:rPr lang="en-US" dirty="0"/>
+              <a:t>2 CLK driver buffers (used as black box input)</a:t>
+            </a:r>
+          </a:p>
+          <a:p>
+            <a:pPr lvl="1"/>
+            <a:r>
+              <a:rPr lang="en-US" dirty="0"/>
+              <a:t>1 I/O CLK distribution block (used as black box input)</a:t>
+            </a:r>
+          </a:p>
+          <a:p>
+            <a:endParaRPr lang="en-US" dirty="0"/>
+          </a:p>
+        </p:txBody>
+      </p:sp>
+      <p:sp>
+        <p:nvSpPr>
           <p:cNvPr id="3" name="Title 2">
             <a:extLst>
               <a:ext uri="{FF2B5EF4-FFF2-40B4-BE49-F238E27FC236}">
-                <a16:creationId xmlns:a16="http://schemas.microsoft.com/office/drawing/2014/main" id="{70FB6E59-D70A-4116-A50B-525D95482C1E}"/>
+                <a16:creationId xmlns:a16="http://schemas.microsoft.com/office/drawing/2014/main" id="{192EAFE0-55EE-478A-A107-56876F8D2BC6}"/>
               </a:ext>
             </a:extLst>
           </p:cNvPr>
@@ -6628,51 +6621,12 @@
           </a:p>
         </p:txBody>
       </p:sp>
-      <p:sp>
-        <p:nvSpPr>
-          <p:cNvPr id="6" name="TextBox 5">
-            <a:extLst>
-              <a:ext uri="{FF2B5EF4-FFF2-40B4-BE49-F238E27FC236}">
-                <a16:creationId xmlns:a16="http://schemas.microsoft.com/office/drawing/2014/main" id="{9BB479A6-9A33-4393-BF55-9FCAE16D2723}"/>
-              </a:ext>
-            </a:extLst>
-          </p:cNvPr>
-          <p:cNvSpPr txBox="1"/>
-          <p:nvPr/>
-        </p:nvSpPr>
-        <p:spPr>
-          <a:xfrm>
-            <a:off x="2197984" y="1485091"/>
-            <a:ext cx="1646348" cy="369332"/>
-          </a:xfrm>
-          <a:prstGeom prst="rect">
-            <a:avLst/>
-          </a:prstGeom>
-          <a:noFill/>
-        </p:spPr>
-        <p:txBody>
-          <a:bodyPr wrap="none" rtlCol="0">
-            <a:spAutoFit/>
-          </a:bodyPr>
-          <a:lstStyle/>
-          <a:p>
-            <a:r>
-              <a:rPr lang="en-US" b="1" dirty="0">
-                <a:solidFill>
-                  <a:srgbClr val="C00000"/>
-                </a:solidFill>
-              </a:rPr>
-              <a:t>ALIGN Layout 1</a:t>
-            </a:r>
-          </a:p>
-        </p:txBody>
-      </p:sp>
       <p:pic>
         <p:nvPicPr>
-          <p:cNvPr id="9" name="Picture 8">
-            <a:extLst>
-              <a:ext uri="{FF2B5EF4-FFF2-40B4-BE49-F238E27FC236}">
-                <a16:creationId xmlns:a16="http://schemas.microsoft.com/office/drawing/2014/main" id="{1B0DE79A-A79B-48F2-B55F-F1FF3F7AE90F}"/>
+          <p:cNvPr id="5" name="Picture 4">
+            <a:extLst>
+              <a:ext uri="{FF2B5EF4-FFF2-40B4-BE49-F238E27FC236}">
+                <a16:creationId xmlns:a16="http://schemas.microsoft.com/office/drawing/2014/main" id="{1A637035-356D-488B-8D5C-9345D4FC0800}"/>
               </a:ext>
             </a:extLst>
           </p:cNvPr>
@@ -6689,8 +6643,8 @@
         </p:blipFill>
         <p:spPr>
           <a:xfrm>
-            <a:off x="5942417" y="1960155"/>
-            <a:ext cx="6249583" cy="2518629"/>
+            <a:off x="2053771" y="2698816"/>
+            <a:ext cx="8084457" cy="3258097"/>
           </a:xfrm>
           <a:prstGeom prst="rect">
             <a:avLst/>
@@ -6699,10 +6653,62 @@
       </p:pic>
       <p:sp>
         <p:nvSpPr>
-          <p:cNvPr id="10" name="TextBox 9">
-            <a:extLst>
-              <a:ext uri="{FF2B5EF4-FFF2-40B4-BE49-F238E27FC236}">
-                <a16:creationId xmlns:a16="http://schemas.microsoft.com/office/drawing/2014/main" id="{B7015678-1D83-45C0-8B3B-6E316E1CA582}"/>
+          <p:cNvPr id="11" name="Rectangle: Rounded Corners 10">
+            <a:extLst>
+              <a:ext uri="{FF2B5EF4-FFF2-40B4-BE49-F238E27FC236}">
+                <a16:creationId xmlns:a16="http://schemas.microsoft.com/office/drawing/2014/main" id="{46CFD71C-4759-4C70-B890-0B846ED588B9}"/>
+              </a:ext>
+            </a:extLst>
+          </p:cNvPr>
+          <p:cNvSpPr/>
+          <p:nvPr/>
+        </p:nvSpPr>
+        <p:spPr>
+          <a:xfrm>
+            <a:off x="9090733" y="3844031"/>
+            <a:ext cx="887767" cy="2019442"/>
+          </a:xfrm>
+          <a:prstGeom prst="roundRect">
+            <a:avLst/>
+          </a:prstGeom>
+          <a:noFill/>
+          <a:ln w="38100">
+            <a:solidFill>
+              <a:srgbClr val="0070C0"/>
+            </a:solidFill>
+          </a:ln>
+        </p:spPr>
+        <p:style>
+          <a:lnRef idx="2">
+            <a:schemeClr val="accent1">
+              <a:shade val="50000"/>
+            </a:schemeClr>
+          </a:lnRef>
+          <a:fillRef idx="1">
+            <a:schemeClr val="accent1"/>
+          </a:fillRef>
+          <a:effectRef idx="0">
+            <a:schemeClr val="accent1"/>
+          </a:effectRef>
+          <a:fontRef idx="minor">
+            <a:schemeClr val="lt1"/>
+          </a:fontRef>
+        </p:style>
+        <p:txBody>
+          <a:bodyPr rtlCol="0" anchor="ctr"/>
+          <a:lstStyle/>
+          <a:p>
+            <a:pPr algn="ctr"/>
+            <a:endParaRPr lang="en-US"/>
+          </a:p>
+        </p:txBody>
+      </p:sp>
+      <p:sp>
+        <p:nvSpPr>
+          <p:cNvPr id="15" name="TextBox 14">
+            <a:extLst>
+              <a:ext uri="{FF2B5EF4-FFF2-40B4-BE49-F238E27FC236}">
+                <a16:creationId xmlns:a16="http://schemas.microsoft.com/office/drawing/2014/main" id="{8372D635-7280-4C67-A9CE-13F36C768110}"/>
               </a:ext>
             </a:extLst>
           </p:cNvPr>
@@ -6711,8 +6717,8 @@
         </p:nvSpPr>
         <p:spPr>
           <a:xfrm>
-            <a:off x="8415314" y="1485091"/>
-            <a:ext cx="1611082" cy="369332"/>
+            <a:off x="10661813" y="4640346"/>
+            <a:ext cx="1348318" cy="369332"/>
           </a:xfrm>
           <a:prstGeom prst="rect">
             <a:avLst/>
@@ -6725,51 +6731,466 @@
           </a:bodyPr>
           <a:lstStyle/>
           <a:p>
+            <a:r>
+              <a:rPr lang="en-US" b="1" dirty="0">
+                <a:solidFill>
+                  <a:srgbClr val="0070C0"/>
+                </a:solidFill>
+              </a:rPr>
+              <a:t>Spatial filter</a:t>
+            </a:r>
+          </a:p>
+        </p:txBody>
+      </p:sp>
+      <p:sp>
+        <p:nvSpPr>
+          <p:cNvPr id="19" name="Rectangle: Rounded Corners 18">
+            <a:extLst>
+              <a:ext uri="{FF2B5EF4-FFF2-40B4-BE49-F238E27FC236}">
+                <a16:creationId xmlns:a16="http://schemas.microsoft.com/office/drawing/2014/main" id="{88DAF112-FD01-4A49-9FB8-A92E7EA8D466}"/>
+              </a:ext>
+            </a:extLst>
+          </p:cNvPr>
+          <p:cNvSpPr/>
+          <p:nvPr/>
+        </p:nvSpPr>
+        <p:spPr>
+          <a:xfrm>
+            <a:off x="5825231" y="3693111"/>
+            <a:ext cx="639080" cy="2263802"/>
+          </a:xfrm>
+          <a:prstGeom prst="roundRect">
+            <a:avLst/>
+          </a:prstGeom>
+          <a:noFill/>
+          <a:ln w="38100">
+            <a:solidFill>
+              <a:srgbClr val="C81F1F"/>
+            </a:solidFill>
+          </a:ln>
+        </p:spPr>
+        <p:style>
+          <a:lnRef idx="2">
+            <a:schemeClr val="accent1">
+              <a:shade val="50000"/>
+            </a:schemeClr>
+          </a:lnRef>
+          <a:fillRef idx="1">
+            <a:schemeClr val="accent1"/>
+          </a:fillRef>
+          <a:effectRef idx="0">
+            <a:schemeClr val="accent1"/>
+          </a:effectRef>
+          <a:fontRef idx="minor">
+            <a:schemeClr val="lt1"/>
+          </a:fontRef>
+        </p:style>
+        <p:txBody>
+          <a:bodyPr rtlCol="0" anchor="ctr"/>
+          <a:lstStyle/>
+          <a:p>
+            <a:pPr algn="ctr"/>
+            <a:endParaRPr lang="en-US"/>
+          </a:p>
+        </p:txBody>
+      </p:sp>
+      <p:sp>
+        <p:nvSpPr>
+          <p:cNvPr id="23" name="TextBox 22">
+            <a:extLst>
+              <a:ext uri="{FF2B5EF4-FFF2-40B4-BE49-F238E27FC236}">
+                <a16:creationId xmlns:a16="http://schemas.microsoft.com/office/drawing/2014/main" id="{14A8A255-4E06-4FE4-836F-5FBDB388E805}"/>
+              </a:ext>
+            </a:extLst>
+          </p:cNvPr>
+          <p:cNvSpPr txBox="1"/>
+          <p:nvPr/>
+        </p:nvSpPr>
+        <p:spPr>
+          <a:xfrm>
+            <a:off x="8001468" y="2058725"/>
+            <a:ext cx="2660345" cy="369332"/>
+          </a:xfrm>
+          <a:prstGeom prst="rect">
+            <a:avLst/>
+          </a:prstGeom>
+          <a:noFill/>
+        </p:spPr>
+        <p:txBody>
+          <a:bodyPr wrap="none" rtlCol="0">
+            <a:spAutoFit/>
+          </a:bodyPr>
+          <a:lstStyle/>
+          <a:p>
+            <a:pPr algn="ctr"/>
             <a:r>
               <a:rPr lang="en-US" b="1" dirty="0">
                 <a:solidFill>
                   <a:srgbClr val="C00000"/>
                 </a:solidFill>
               </a:rPr>
-              <a:t>Manual Layout</a:t>
-            </a:r>
-          </a:p>
-        </p:txBody>
-      </p:sp>
-      <p:pic>
-        <p:nvPicPr>
-          <p:cNvPr id="5" name="Picture 4">
-            <a:extLst>
-              <a:ext uri="{FF2B5EF4-FFF2-40B4-BE49-F238E27FC236}">
-                <a16:creationId xmlns:a16="http://schemas.microsoft.com/office/drawing/2014/main" id="{6707C054-7A0A-4CC6-B19C-B701990F73B7}"/>
-              </a:ext>
-            </a:extLst>
-          </p:cNvPr>
-          <p:cNvPicPr>
-            <a:picLocks noChangeAspect="1"/>
-          </p:cNvPicPr>
+              <a:t>I/O CLK Distribution Block</a:t>
+            </a:r>
+          </a:p>
+        </p:txBody>
+      </p:sp>
+      <p:sp>
+        <p:nvSpPr>
+          <p:cNvPr id="25" name="Rectangle: Rounded Corners 24">
+            <a:extLst>
+              <a:ext uri="{FF2B5EF4-FFF2-40B4-BE49-F238E27FC236}">
+                <a16:creationId xmlns:a16="http://schemas.microsoft.com/office/drawing/2014/main" id="{2A542AB1-7F39-4337-8AA8-421693692357}"/>
+              </a:ext>
+            </a:extLst>
+          </p:cNvPr>
+          <p:cNvSpPr/>
           <p:nvPr/>
-        </p:nvPicPr>
-        <p:blipFill>
-          <a:blip r:embed="rId3"/>
-          <a:stretch>
-            <a:fillRect/>
-          </a:stretch>
-        </p:blipFill>
-        <p:spPr>
-          <a:xfrm>
-            <a:off x="177646" y="2575449"/>
-            <a:ext cx="5657850" cy="1876425"/>
+        </p:nvSpPr>
+        <p:spPr>
+          <a:xfrm>
+            <a:off x="4998128" y="2991775"/>
+            <a:ext cx="729562" cy="645680"/>
+          </a:xfrm>
+          <a:prstGeom prst="roundRect">
+            <a:avLst/>
+          </a:prstGeom>
+          <a:noFill/>
+          <a:ln w="38100">
+            <a:solidFill>
+              <a:srgbClr val="FF0000"/>
+            </a:solidFill>
+          </a:ln>
+        </p:spPr>
+        <p:style>
+          <a:lnRef idx="2">
+            <a:schemeClr val="accent1">
+              <a:shade val="50000"/>
+            </a:schemeClr>
+          </a:lnRef>
+          <a:fillRef idx="1">
+            <a:schemeClr val="accent1"/>
+          </a:fillRef>
+          <a:effectRef idx="0">
+            <a:schemeClr val="accent1"/>
+          </a:effectRef>
+          <a:fontRef idx="minor">
+            <a:schemeClr val="lt1"/>
+          </a:fontRef>
+        </p:style>
+        <p:txBody>
+          <a:bodyPr rtlCol="0" anchor="ctr"/>
+          <a:lstStyle/>
+          <a:p>
+            <a:pPr algn="ctr"/>
+            <a:endParaRPr lang="en-US"/>
+          </a:p>
+        </p:txBody>
+      </p:sp>
+      <p:sp>
+        <p:nvSpPr>
+          <p:cNvPr id="26" name="Rectangle: Rounded Corners 25">
+            <a:extLst>
+              <a:ext uri="{FF2B5EF4-FFF2-40B4-BE49-F238E27FC236}">
+                <a16:creationId xmlns:a16="http://schemas.microsoft.com/office/drawing/2014/main" id="{72BC4A51-A457-489D-8C99-3846C5CCCBC0}"/>
+              </a:ext>
+            </a:extLst>
+          </p:cNvPr>
+          <p:cNvSpPr/>
+          <p:nvPr/>
+        </p:nvSpPr>
+        <p:spPr>
+          <a:xfrm>
+            <a:off x="6471751" y="2892510"/>
+            <a:ext cx="729562" cy="645680"/>
+          </a:xfrm>
+          <a:prstGeom prst="roundRect">
+            <a:avLst/>
+          </a:prstGeom>
+          <a:noFill/>
+          <a:ln w="38100">
+            <a:solidFill>
+              <a:srgbClr val="FF0000"/>
+            </a:solidFill>
+          </a:ln>
+        </p:spPr>
+        <p:style>
+          <a:lnRef idx="2">
+            <a:schemeClr val="accent1">
+              <a:shade val="50000"/>
+            </a:schemeClr>
+          </a:lnRef>
+          <a:fillRef idx="1">
+            <a:schemeClr val="accent1"/>
+          </a:fillRef>
+          <a:effectRef idx="0">
+            <a:schemeClr val="accent1"/>
+          </a:effectRef>
+          <a:fontRef idx="minor">
+            <a:schemeClr val="lt1"/>
+          </a:fontRef>
+        </p:style>
+        <p:txBody>
+          <a:bodyPr rtlCol="0" anchor="ctr"/>
+          <a:lstStyle/>
+          <a:p>
+            <a:pPr algn="ctr"/>
+            <a:endParaRPr lang="en-US"/>
+          </a:p>
+        </p:txBody>
+      </p:sp>
+      <p:cxnSp>
+        <p:nvCxnSpPr>
+          <p:cNvPr id="30" name="Straight Arrow Connector 29">
+            <a:extLst>
+              <a:ext uri="{FF2B5EF4-FFF2-40B4-BE49-F238E27FC236}">
+                <a16:creationId xmlns:a16="http://schemas.microsoft.com/office/drawing/2014/main" id="{4C8086AF-BBEC-4FC8-B136-17198F3BB657}"/>
+              </a:ext>
+            </a:extLst>
+          </p:cNvPr>
+          <p:cNvCxnSpPr/>
+          <p:nvPr/>
+        </p:nvCxnSpPr>
+        <p:spPr>
+          <a:xfrm flipH="1">
+            <a:off x="5513033" y="2428057"/>
+            <a:ext cx="426128" cy="563718"/>
+          </a:xfrm>
+          <a:prstGeom prst="straightConnector1">
+            <a:avLst/>
+          </a:prstGeom>
+          <a:ln w="38100">
+            <a:solidFill>
+              <a:srgbClr val="FF0000"/>
+            </a:solidFill>
+            <a:tailEnd type="triangle"/>
+          </a:ln>
+        </p:spPr>
+        <p:style>
+          <a:lnRef idx="1">
+            <a:schemeClr val="accent1"/>
+          </a:lnRef>
+          <a:fillRef idx="0">
+            <a:schemeClr val="accent1"/>
+          </a:fillRef>
+          <a:effectRef idx="0">
+            <a:schemeClr val="accent1"/>
+          </a:effectRef>
+          <a:fontRef idx="minor">
+            <a:schemeClr val="tx1"/>
+          </a:fontRef>
+        </p:style>
+      </p:cxnSp>
+      <p:cxnSp>
+        <p:nvCxnSpPr>
+          <p:cNvPr id="32" name="Straight Arrow Connector 31">
+            <a:extLst>
+              <a:ext uri="{FF2B5EF4-FFF2-40B4-BE49-F238E27FC236}">
+                <a16:creationId xmlns:a16="http://schemas.microsoft.com/office/drawing/2014/main" id="{1983470E-DBE8-498B-A89E-3EEA1A92D979}"/>
+              </a:ext>
+            </a:extLst>
+          </p:cNvPr>
+          <p:cNvCxnSpPr>
+            <a:endCxn id="26" idx="0"/>
+          </p:cNvCxnSpPr>
+          <p:nvPr/>
+        </p:nvCxnSpPr>
+        <p:spPr>
+          <a:xfrm>
+            <a:off x="6464311" y="2343705"/>
+            <a:ext cx="372221" cy="548805"/>
+          </a:xfrm>
+          <a:prstGeom prst="straightConnector1">
+            <a:avLst/>
+          </a:prstGeom>
+          <a:ln w="38100">
+            <a:solidFill>
+              <a:srgbClr val="FF0000"/>
+            </a:solidFill>
+            <a:tailEnd type="triangle"/>
+          </a:ln>
+        </p:spPr>
+        <p:style>
+          <a:lnRef idx="1">
+            <a:schemeClr val="accent1"/>
+          </a:lnRef>
+          <a:fillRef idx="0">
+            <a:schemeClr val="accent1"/>
+          </a:fillRef>
+          <a:effectRef idx="0">
+            <a:schemeClr val="accent1"/>
+          </a:effectRef>
+          <a:fontRef idx="minor">
+            <a:schemeClr val="tx1"/>
+          </a:fontRef>
+        </p:style>
+      </p:cxnSp>
+      <p:sp>
+        <p:nvSpPr>
+          <p:cNvPr id="34" name="TextBox 33">
+            <a:extLst>
+              <a:ext uri="{FF2B5EF4-FFF2-40B4-BE49-F238E27FC236}">
+                <a16:creationId xmlns:a16="http://schemas.microsoft.com/office/drawing/2014/main" id="{F96BF028-C3CA-440F-ADED-43D65BB1B197}"/>
+              </a:ext>
+            </a:extLst>
+          </p:cNvPr>
+          <p:cNvSpPr txBox="1"/>
+          <p:nvPr/>
+        </p:nvSpPr>
+        <p:spPr>
+          <a:xfrm>
+            <a:off x="5622861" y="1892861"/>
+            <a:ext cx="1260153" cy="369332"/>
           </a:xfrm>
           <a:prstGeom prst="rect">
             <a:avLst/>
           </a:prstGeom>
-        </p:spPr>
-      </p:pic>
+          <a:noFill/>
+        </p:spPr>
+        <p:txBody>
+          <a:bodyPr wrap="none" rtlCol="0">
+            <a:spAutoFit/>
+          </a:bodyPr>
+          <a:lstStyle/>
+          <a:p>
+            <a:pPr algn="ctr"/>
+            <a:r>
+              <a:rPr lang="en-US" b="1" dirty="0">
+                <a:solidFill>
+                  <a:srgbClr val="FF2020"/>
+                </a:solidFill>
+              </a:rPr>
+              <a:t>CLK Drivers</a:t>
+            </a:r>
+          </a:p>
+        </p:txBody>
+      </p:sp>
+      <p:cxnSp>
+        <p:nvCxnSpPr>
+          <p:cNvPr id="6" name="Straight Arrow Connector 5">
+            <a:extLst>
+              <a:ext uri="{FF2B5EF4-FFF2-40B4-BE49-F238E27FC236}">
+                <a16:creationId xmlns:a16="http://schemas.microsoft.com/office/drawing/2014/main" id="{B32F5016-1A8B-45EE-8AF3-4A83AD368469}"/>
+              </a:ext>
+            </a:extLst>
+          </p:cNvPr>
+          <p:cNvCxnSpPr>
+            <a:cxnSpLocks/>
+          </p:cNvCxnSpPr>
+          <p:nvPr/>
+        </p:nvCxnSpPr>
+        <p:spPr>
+          <a:xfrm flipH="1">
+            <a:off x="9978500" y="4853752"/>
+            <a:ext cx="636081" cy="0"/>
+          </a:xfrm>
+          <a:prstGeom prst="straightConnector1">
+            <a:avLst/>
+          </a:prstGeom>
+          <a:ln w="38100">
+            <a:solidFill>
+              <a:schemeClr val="accent1"/>
+            </a:solidFill>
+            <a:tailEnd type="triangle"/>
+          </a:ln>
+        </p:spPr>
+        <p:style>
+          <a:lnRef idx="1">
+            <a:schemeClr val="accent1"/>
+          </a:lnRef>
+          <a:fillRef idx="0">
+            <a:schemeClr val="accent1"/>
+          </a:fillRef>
+          <a:effectRef idx="0">
+            <a:schemeClr val="accent1"/>
+          </a:effectRef>
+          <a:fontRef idx="minor">
+            <a:schemeClr val="tx1"/>
+          </a:fontRef>
+        </p:style>
+      </p:cxnSp>
+      <p:cxnSp>
+        <p:nvCxnSpPr>
+          <p:cNvPr id="24" name="Straight Arrow Connector 23">
+            <a:extLst>
+              <a:ext uri="{FF2B5EF4-FFF2-40B4-BE49-F238E27FC236}">
+                <a16:creationId xmlns:a16="http://schemas.microsoft.com/office/drawing/2014/main" id="{CD7B70C1-1713-405F-B72E-819C0A5E4EAC}"/>
+              </a:ext>
+            </a:extLst>
+          </p:cNvPr>
+          <p:cNvCxnSpPr>
+            <a:stCxn id="23" idx="2"/>
+          </p:cNvCxnSpPr>
+          <p:nvPr/>
+        </p:nvCxnSpPr>
+        <p:spPr>
+          <a:xfrm flipH="1">
+            <a:off x="6471751" y="2428057"/>
+            <a:ext cx="2859890" cy="2125089"/>
+          </a:xfrm>
+          <a:prstGeom prst="straightConnector1">
+            <a:avLst/>
+          </a:prstGeom>
+          <a:ln w="57150">
+            <a:solidFill>
+              <a:srgbClr val="C81F1F"/>
+            </a:solidFill>
+            <a:tailEnd type="triangle"/>
+          </a:ln>
+        </p:spPr>
+        <p:style>
+          <a:lnRef idx="1">
+            <a:schemeClr val="accent1"/>
+          </a:lnRef>
+          <a:fillRef idx="0">
+            <a:schemeClr val="accent1"/>
+          </a:fillRef>
+          <a:effectRef idx="0">
+            <a:schemeClr val="accent1"/>
+          </a:effectRef>
+          <a:fontRef idx="minor">
+            <a:schemeClr val="tx1"/>
+          </a:fontRef>
+        </p:style>
+      </p:cxnSp>
+      <p:sp>
+        <p:nvSpPr>
+          <p:cNvPr id="27" name="TextBox 26">
+            <a:extLst>
+              <a:ext uri="{FF2B5EF4-FFF2-40B4-BE49-F238E27FC236}">
+                <a16:creationId xmlns:a16="http://schemas.microsoft.com/office/drawing/2014/main" id="{C80ABFDA-42F1-4F12-AD9E-7DA1EA4C22A4}"/>
+              </a:ext>
+            </a:extLst>
+          </p:cNvPr>
+          <p:cNvSpPr txBox="1"/>
+          <p:nvPr/>
+        </p:nvSpPr>
+        <p:spPr>
+          <a:xfrm>
+            <a:off x="5362909" y="6200865"/>
+            <a:ext cx="1611082" cy="369332"/>
+          </a:xfrm>
+          <a:prstGeom prst="rect">
+            <a:avLst/>
+          </a:prstGeom>
+          <a:noFill/>
+        </p:spPr>
+        <p:txBody>
+          <a:bodyPr wrap="none" rtlCol="0">
+            <a:spAutoFit/>
+          </a:bodyPr>
+          <a:lstStyle/>
+          <a:p>
+            <a:r>
+              <a:rPr lang="en-US" b="1" dirty="0"/>
+              <a:t>Manual Layout</a:t>
+            </a:r>
+          </a:p>
+        </p:txBody>
+      </p:sp>
     </p:spTree>
     <p:extLst>
       <p:ext uri="{BB962C8B-B14F-4D97-AF65-F5344CB8AC3E}">
-        <p14:creationId xmlns:p14="http://schemas.microsoft.com/office/powerpoint/2010/main" val="153511221"/>
+        <p14:creationId xmlns:p14="http://schemas.microsoft.com/office/powerpoint/2010/main" val="1088984512"/>
       </p:ext>
     </p:extLst>
   </p:cSld>
@@ -6838,7 +7259,7 @@
         </p:nvSpPr>
         <p:spPr>
           <a:xfrm>
-            <a:off x="2121254" y="1484293"/>
+            <a:off x="2197984" y="1485091"/>
             <a:ext cx="1646348" cy="369332"/>
           </a:xfrm>
           <a:prstGeom prst="rect">
@@ -6858,7 +7279,7 @@
                   <a:srgbClr val="C00000"/>
                 </a:solidFill>
               </a:rPr>
-              <a:t>ALIGN Layout 2</a:t>
+              <a:t>ALIGN Layout 1</a:t>
             </a:r>
           </a:p>
         </p:txBody>
@@ -6907,7 +7328,7 @@
         </p:nvSpPr>
         <p:spPr>
           <a:xfrm>
-            <a:off x="8277857" y="1484293"/>
+            <a:off x="8415314" y="1485091"/>
             <a:ext cx="1611082" cy="369332"/>
           </a:xfrm>
           <a:prstGeom prst="rect">
@@ -6934,10 +7355,10 @@
       </p:sp>
       <p:pic>
         <p:nvPicPr>
-          <p:cNvPr id="7" name="Picture 6">
-            <a:extLst>
-              <a:ext uri="{FF2B5EF4-FFF2-40B4-BE49-F238E27FC236}">
-                <a16:creationId xmlns:a16="http://schemas.microsoft.com/office/drawing/2014/main" id="{62E2A171-7056-458D-8DCB-A913AF075002}"/>
+          <p:cNvPr id="5" name="Picture 4">
+            <a:extLst>
+              <a:ext uri="{FF2B5EF4-FFF2-40B4-BE49-F238E27FC236}">
+                <a16:creationId xmlns:a16="http://schemas.microsoft.com/office/drawing/2014/main" id="{6707C054-7A0A-4CC6-B19C-B701990F73B7}"/>
               </a:ext>
             </a:extLst>
           </p:cNvPr>
@@ -6954,8 +7375,8 @@
         </p:blipFill>
         <p:spPr>
           <a:xfrm>
-            <a:off x="86928" y="2346849"/>
-            <a:ext cx="5715000" cy="2105025"/>
+            <a:off x="177646" y="2575449"/>
+            <a:ext cx="5657850" cy="1876425"/>
           </a:xfrm>
           <a:prstGeom prst="rect">
             <a:avLst/>
@@ -6965,7 +7386,7 @@
     </p:spTree>
     <p:extLst>
       <p:ext uri="{BB962C8B-B14F-4D97-AF65-F5344CB8AC3E}">
-        <p14:creationId xmlns:p14="http://schemas.microsoft.com/office/powerpoint/2010/main" val="881811660"/>
+        <p14:creationId xmlns:p14="http://schemas.microsoft.com/office/powerpoint/2010/main" val="153511221"/>
       </p:ext>
     </p:extLst>
   </p:cSld>
@@ -6992,12 +7413,148 @@
           <a:chExt cx="0" cy="0"/>
         </a:xfrm>
       </p:grpSpPr>
+      <p:sp>
+        <p:nvSpPr>
+          <p:cNvPr id="3" name="Title 2">
+            <a:extLst>
+              <a:ext uri="{FF2B5EF4-FFF2-40B4-BE49-F238E27FC236}">
+                <a16:creationId xmlns:a16="http://schemas.microsoft.com/office/drawing/2014/main" id="{70FB6E59-D70A-4116-A50B-525D95482C1E}"/>
+              </a:ext>
+            </a:extLst>
+          </p:cNvPr>
+          <p:cNvSpPr>
+            <a:spLocks noGrp="1"/>
+          </p:cNvSpPr>
+          <p:nvPr>
+            <p:ph type="ctrTitle"/>
+          </p:nvPr>
+        </p:nvSpPr>
+        <p:spPr/>
+        <p:txBody>
+          <a:bodyPr/>
+          <a:lstStyle/>
+          <a:p>
+            <a:r>
+              <a:rPr lang="en-US" dirty="0"/>
+              <a:t>MIMO Sub-Hierarchy: Spatial Beamformers</a:t>
+            </a:r>
+          </a:p>
+        </p:txBody>
+      </p:sp>
+      <p:sp>
+        <p:nvSpPr>
+          <p:cNvPr id="6" name="TextBox 5">
+            <a:extLst>
+              <a:ext uri="{FF2B5EF4-FFF2-40B4-BE49-F238E27FC236}">
+                <a16:creationId xmlns:a16="http://schemas.microsoft.com/office/drawing/2014/main" id="{9BB479A6-9A33-4393-BF55-9FCAE16D2723}"/>
+              </a:ext>
+            </a:extLst>
+          </p:cNvPr>
+          <p:cNvSpPr txBox="1"/>
+          <p:nvPr/>
+        </p:nvSpPr>
+        <p:spPr>
+          <a:xfrm>
+            <a:off x="2121254" y="1484293"/>
+            <a:ext cx="1646348" cy="369332"/>
+          </a:xfrm>
+          <a:prstGeom prst="rect">
+            <a:avLst/>
+          </a:prstGeom>
+          <a:noFill/>
+        </p:spPr>
+        <p:txBody>
+          <a:bodyPr wrap="none" rtlCol="0">
+            <a:spAutoFit/>
+          </a:bodyPr>
+          <a:lstStyle/>
+          <a:p>
+            <a:r>
+              <a:rPr lang="en-US" b="1" dirty="0">
+                <a:solidFill>
+                  <a:srgbClr val="C00000"/>
+                </a:solidFill>
+              </a:rPr>
+              <a:t>ALIGN Layout 2</a:t>
+            </a:r>
+          </a:p>
+        </p:txBody>
+      </p:sp>
       <p:pic>
         <p:nvPicPr>
-          <p:cNvPr id="4" name="Picture 3">
-            <a:extLst>
-              <a:ext uri="{FF2B5EF4-FFF2-40B4-BE49-F238E27FC236}">
-                <a16:creationId xmlns:a16="http://schemas.microsoft.com/office/drawing/2014/main" id="{824F8E2B-1697-4AF7-A79D-6C7B10E9C1A4}"/>
+          <p:cNvPr id="9" name="Picture 8">
+            <a:extLst>
+              <a:ext uri="{FF2B5EF4-FFF2-40B4-BE49-F238E27FC236}">
+                <a16:creationId xmlns:a16="http://schemas.microsoft.com/office/drawing/2014/main" id="{1B0DE79A-A79B-48F2-B55F-F1FF3F7AE90F}"/>
+              </a:ext>
+            </a:extLst>
+          </p:cNvPr>
+          <p:cNvPicPr>
+            <a:picLocks noChangeAspect="1"/>
+          </p:cNvPicPr>
+          <p:nvPr/>
+        </p:nvPicPr>
+        <p:blipFill>
+          <a:blip r:embed="rId2"/>
+          <a:stretch>
+            <a:fillRect/>
+          </a:stretch>
+        </p:blipFill>
+        <p:spPr>
+          <a:xfrm>
+            <a:off x="5942417" y="1960155"/>
+            <a:ext cx="6249583" cy="2518629"/>
+          </a:xfrm>
+          <a:prstGeom prst="rect">
+            <a:avLst/>
+          </a:prstGeom>
+        </p:spPr>
+      </p:pic>
+      <p:sp>
+        <p:nvSpPr>
+          <p:cNvPr id="10" name="TextBox 9">
+            <a:extLst>
+              <a:ext uri="{FF2B5EF4-FFF2-40B4-BE49-F238E27FC236}">
+                <a16:creationId xmlns:a16="http://schemas.microsoft.com/office/drawing/2014/main" id="{B7015678-1D83-45C0-8B3B-6E316E1CA582}"/>
+              </a:ext>
+            </a:extLst>
+          </p:cNvPr>
+          <p:cNvSpPr txBox="1"/>
+          <p:nvPr/>
+        </p:nvSpPr>
+        <p:spPr>
+          <a:xfrm>
+            <a:off x="8277857" y="1484293"/>
+            <a:ext cx="1611082" cy="369332"/>
+          </a:xfrm>
+          <a:prstGeom prst="rect">
+            <a:avLst/>
+          </a:prstGeom>
+          <a:noFill/>
+        </p:spPr>
+        <p:txBody>
+          <a:bodyPr wrap="none" rtlCol="0">
+            <a:spAutoFit/>
+          </a:bodyPr>
+          <a:lstStyle/>
+          <a:p>
+            <a:r>
+              <a:rPr lang="en-US" b="1" dirty="0">
+                <a:solidFill>
+                  <a:srgbClr val="C00000"/>
+                </a:solidFill>
+              </a:rPr>
+              <a:t>Manual Layout</a:t>
+            </a:r>
+          </a:p>
+        </p:txBody>
+      </p:sp>
+      <p:pic>
+        <p:nvPicPr>
+          <p:cNvPr id="7" name="Picture 6">
+            <a:extLst>
+              <a:ext uri="{FF2B5EF4-FFF2-40B4-BE49-F238E27FC236}">
+                <a16:creationId xmlns:a16="http://schemas.microsoft.com/office/drawing/2014/main" id="{62E2A171-7056-458D-8DCB-A913AF075002}"/>
               </a:ext>
             </a:extLst>
           </p:cNvPr>
@@ -7014,348 +7571,18 @@
         </p:blipFill>
         <p:spPr>
           <a:xfrm>
-            <a:off x="7900247" y="1507957"/>
-            <a:ext cx="4118602" cy="4131803"/>
+            <a:off x="86928" y="2346849"/>
+            <a:ext cx="5715000" cy="2105025"/>
           </a:xfrm>
           <a:prstGeom prst="rect">
             <a:avLst/>
           </a:prstGeom>
-        </p:spPr>
-      </p:pic>
-      <p:sp>
-        <p:nvSpPr>
-          <p:cNvPr id="3" name="Title 2">
-            <a:extLst>
-              <a:ext uri="{FF2B5EF4-FFF2-40B4-BE49-F238E27FC236}">
-                <a16:creationId xmlns:a16="http://schemas.microsoft.com/office/drawing/2014/main" id="{26D09C98-4D45-4B48-8092-9F5E258B2E7F}"/>
-              </a:ext>
-            </a:extLst>
-          </p:cNvPr>
-          <p:cNvSpPr>
-            <a:spLocks noGrp="1"/>
-          </p:cNvSpPr>
-          <p:nvPr>
-            <p:ph type="ctrTitle"/>
-          </p:nvPr>
-        </p:nvSpPr>
-        <p:spPr/>
-        <p:txBody>
-          <a:bodyPr/>
-          <a:lstStyle/>
-          <a:p>
-            <a:r>
-              <a:rPr lang="en-US" dirty="0"/>
-              <a:t>TIA Layout</a:t>
-            </a:r>
-          </a:p>
-        </p:txBody>
-      </p:sp>
-      <p:sp>
-        <p:nvSpPr>
-          <p:cNvPr id="6" name="TextBox 5">
-            <a:extLst>
-              <a:ext uri="{FF2B5EF4-FFF2-40B4-BE49-F238E27FC236}">
-                <a16:creationId xmlns:a16="http://schemas.microsoft.com/office/drawing/2014/main" id="{CEBBFA20-FB62-485C-B48C-91ED4F3FC258}"/>
-              </a:ext>
-            </a:extLst>
-          </p:cNvPr>
-          <p:cNvSpPr txBox="1"/>
-          <p:nvPr/>
-        </p:nvSpPr>
-        <p:spPr>
-          <a:xfrm>
-            <a:off x="9084316" y="1055834"/>
-            <a:ext cx="1772280" cy="400110"/>
-          </a:xfrm>
-          <a:prstGeom prst="rect">
-            <a:avLst/>
-          </a:prstGeom>
-          <a:noFill/>
-        </p:spPr>
-        <p:txBody>
-          <a:bodyPr wrap="none" rtlCol="0">
-            <a:spAutoFit/>
-          </a:bodyPr>
-          <a:lstStyle/>
-          <a:p>
-            <a:pPr algn="ctr"/>
-            <a:r>
-              <a:rPr lang="en-US" sz="2000" b="1" dirty="0">
-                <a:solidFill>
-                  <a:srgbClr val="C00000"/>
-                </a:solidFill>
-              </a:rPr>
-              <a:t>Manual Layout</a:t>
-            </a:r>
-          </a:p>
-        </p:txBody>
-      </p:sp>
-      <p:sp>
-        <p:nvSpPr>
-          <p:cNvPr id="7" name="TextBox 6">
-            <a:extLst>
-              <a:ext uri="{FF2B5EF4-FFF2-40B4-BE49-F238E27FC236}">
-                <a16:creationId xmlns:a16="http://schemas.microsoft.com/office/drawing/2014/main" id="{9DA42610-4D2A-42C1-905E-7D839C63892B}"/>
-              </a:ext>
-            </a:extLst>
-          </p:cNvPr>
-          <p:cNvSpPr txBox="1"/>
-          <p:nvPr/>
-        </p:nvSpPr>
-        <p:spPr>
-          <a:xfrm>
-            <a:off x="5042099" y="1055834"/>
-            <a:ext cx="1621598" cy="400110"/>
-          </a:xfrm>
-          <a:prstGeom prst="rect">
-            <a:avLst/>
-          </a:prstGeom>
-          <a:noFill/>
-        </p:spPr>
-        <p:txBody>
-          <a:bodyPr wrap="none" rtlCol="0">
-            <a:spAutoFit/>
-          </a:bodyPr>
-          <a:lstStyle/>
-          <a:p>
-            <a:pPr algn="ctr"/>
-            <a:r>
-              <a:rPr lang="en-US" sz="2000" b="1" dirty="0">
-                <a:solidFill>
-                  <a:srgbClr val="C00000"/>
-                </a:solidFill>
-              </a:rPr>
-              <a:t>ALIGN Layout</a:t>
-            </a:r>
-          </a:p>
-        </p:txBody>
-      </p:sp>
-      <p:pic>
-        <p:nvPicPr>
-          <p:cNvPr id="8" name="Picture 7">
-            <a:extLst>
-              <a:ext uri="{FF2B5EF4-FFF2-40B4-BE49-F238E27FC236}">
-                <a16:creationId xmlns:a16="http://schemas.microsoft.com/office/drawing/2014/main" id="{816C2A2A-5E82-4C35-96B0-1A3DF4BB1E20}"/>
-              </a:ext>
-            </a:extLst>
-          </p:cNvPr>
-          <p:cNvPicPr>
-            <a:picLocks noChangeAspect="1"/>
-          </p:cNvPicPr>
-          <p:nvPr/>
-        </p:nvPicPr>
-        <p:blipFill>
-          <a:blip r:embed="rId4"/>
-          <a:stretch>
-            <a:fillRect/>
-          </a:stretch>
-        </p:blipFill>
-        <p:spPr>
-          <a:xfrm>
-            <a:off x="4059112" y="1507957"/>
-            <a:ext cx="3587571" cy="4148353"/>
-          </a:xfrm>
-          <a:prstGeom prst="rect">
-            <a:avLst/>
-          </a:prstGeom>
-        </p:spPr>
-      </p:pic>
-      <p:sp>
-        <p:nvSpPr>
-          <p:cNvPr id="9" name="TextBox 8">
-            <a:extLst>
-              <a:ext uri="{FF2B5EF4-FFF2-40B4-BE49-F238E27FC236}">
-                <a16:creationId xmlns:a16="http://schemas.microsoft.com/office/drawing/2014/main" id="{85800282-1E5F-4783-BD77-DD71A8696B96}"/>
-              </a:ext>
-            </a:extLst>
-          </p:cNvPr>
-          <p:cNvSpPr txBox="1"/>
-          <p:nvPr/>
-        </p:nvSpPr>
-        <p:spPr>
-          <a:xfrm>
-            <a:off x="4033327" y="5720682"/>
-            <a:ext cx="3639138" cy="369332"/>
-          </a:xfrm>
-          <a:prstGeom prst="rect">
-            <a:avLst/>
-          </a:prstGeom>
-          <a:noFill/>
-        </p:spPr>
-        <p:txBody>
-          <a:bodyPr wrap="none" rtlCol="0">
-            <a:spAutoFit/>
-          </a:bodyPr>
-          <a:lstStyle/>
-          <a:p>
-            <a:pPr algn="ctr"/>
-            <a:r>
-              <a:rPr lang="en-US" b="1" dirty="0">
-                <a:solidFill>
-                  <a:srgbClr val="C00000"/>
-                </a:solidFill>
-              </a:rPr>
-              <a:t>41.68μm × 48.585μm = 2025.02μm</a:t>
-            </a:r>
-            <a:r>
-              <a:rPr lang="en-US" b="1" baseline="30000" dirty="0">
-                <a:solidFill>
-                  <a:srgbClr val="C00000"/>
-                </a:solidFill>
-              </a:rPr>
-              <a:t>2</a:t>
-            </a:r>
-            <a:r>
-              <a:rPr lang="en-US" b="1" dirty="0">
-                <a:solidFill>
-                  <a:srgbClr val="C00000"/>
-                </a:solidFill>
-              </a:rPr>
-              <a:t> </a:t>
-            </a:r>
-          </a:p>
-        </p:txBody>
-      </p:sp>
-      <p:sp>
-        <p:nvSpPr>
-          <p:cNvPr id="10" name="TextBox 9">
-            <a:extLst>
-              <a:ext uri="{FF2B5EF4-FFF2-40B4-BE49-F238E27FC236}">
-                <a16:creationId xmlns:a16="http://schemas.microsoft.com/office/drawing/2014/main" id="{5E1CE121-4158-4F6D-A702-67C2FD27DA3D}"/>
-              </a:ext>
-            </a:extLst>
-          </p:cNvPr>
-          <p:cNvSpPr txBox="1"/>
-          <p:nvPr/>
-        </p:nvSpPr>
-        <p:spPr>
-          <a:xfrm>
-            <a:off x="8093178" y="5720682"/>
-            <a:ext cx="3754554" cy="369332"/>
-          </a:xfrm>
-          <a:prstGeom prst="rect">
-            <a:avLst/>
-          </a:prstGeom>
-          <a:noFill/>
-        </p:spPr>
-        <p:txBody>
-          <a:bodyPr wrap="none" rtlCol="0">
-            <a:spAutoFit/>
-          </a:bodyPr>
-          <a:lstStyle/>
-          <a:p>
-            <a:pPr algn="ctr"/>
-            <a:r>
-              <a:rPr lang="en-US" b="1" dirty="0">
-                <a:solidFill>
-                  <a:srgbClr val="C00000"/>
-                </a:solidFill>
-              </a:rPr>
-              <a:t>46.355μm × 48.18μm = 2233.38μm</a:t>
-            </a:r>
-            <a:r>
-              <a:rPr lang="en-US" b="1" baseline="30000" dirty="0">
-                <a:solidFill>
-                  <a:srgbClr val="C00000"/>
-                </a:solidFill>
-              </a:rPr>
-              <a:t>2</a:t>
-            </a:r>
-            <a:r>
-              <a:rPr lang="en-US" b="1" dirty="0">
-                <a:solidFill>
-                  <a:srgbClr val="C00000"/>
-                </a:solidFill>
-              </a:rPr>
-              <a:t> </a:t>
-            </a:r>
-          </a:p>
-        </p:txBody>
-      </p:sp>
-      <p:sp>
-        <p:nvSpPr>
-          <p:cNvPr id="12" name="TextBox 11">
-            <a:extLst>
-              <a:ext uri="{FF2B5EF4-FFF2-40B4-BE49-F238E27FC236}">
-                <a16:creationId xmlns:a16="http://schemas.microsoft.com/office/drawing/2014/main" id="{CB732814-69AE-AA47-8B10-8A7F624C7C26}"/>
-              </a:ext>
-            </a:extLst>
-          </p:cNvPr>
-          <p:cNvSpPr txBox="1"/>
-          <p:nvPr/>
-        </p:nvSpPr>
-        <p:spPr>
-          <a:xfrm>
-            <a:off x="1289573" y="1913322"/>
-            <a:ext cx="1272336" cy="400110"/>
-          </a:xfrm>
-          <a:prstGeom prst="rect">
-            <a:avLst/>
-          </a:prstGeom>
-          <a:noFill/>
-        </p:spPr>
-        <p:txBody>
-          <a:bodyPr wrap="none" rtlCol="0">
-            <a:spAutoFit/>
-          </a:bodyPr>
-          <a:lstStyle/>
-          <a:p>
-            <a:pPr algn="ctr"/>
-            <a:r>
-              <a:rPr lang="en-US" sz="2000" b="1" dirty="0">
-                <a:solidFill>
-                  <a:srgbClr val="C00000"/>
-                </a:solidFill>
-              </a:rPr>
-              <a:t>Schematic</a:t>
-            </a:r>
-          </a:p>
-        </p:txBody>
-      </p:sp>
-      <p:pic>
-        <p:nvPicPr>
-          <p:cNvPr id="18" name="Content Placeholder 17" descr="Diagram, schematic&#10;&#10;Description automatically generated">
-            <a:extLst>
-              <a:ext uri="{FF2B5EF4-FFF2-40B4-BE49-F238E27FC236}">
-                <a16:creationId xmlns:a16="http://schemas.microsoft.com/office/drawing/2014/main" id="{183A35EF-13E6-4FFC-8017-E94DD83D92A0}"/>
-              </a:ext>
-            </a:extLst>
-          </p:cNvPr>
-          <p:cNvPicPr>
-            <a:picLocks noGrp="1" noChangeAspect="1"/>
-          </p:cNvPicPr>
-          <p:nvPr>
-            <p:ph sz="quarter" idx="13"/>
-          </p:nvPr>
-        </p:nvPicPr>
-        <p:blipFill>
-          <a:blip r:embed="rId5">
-            <a:extLst>
-              <a:ext uri="{28A0092B-C50C-407E-A947-70E740481C1C}">
-                <a14:useLocalDpi xmlns:a14="http://schemas.microsoft.com/office/drawing/2010/main" val="0"/>
-              </a:ext>
-            </a:extLst>
-          </a:blip>
-          <a:stretch>
-            <a:fillRect/>
-          </a:stretch>
-        </p:blipFill>
-        <p:spPr>
-          <a:xfrm>
-            <a:off x="89561" y="2313432"/>
-            <a:ext cx="3715987" cy="2595344"/>
-          </a:xfrm>
-          <a:ln w="28575">
-            <a:solidFill>
-              <a:srgbClr val="0070C0"/>
-            </a:solidFill>
-          </a:ln>
         </p:spPr>
       </p:pic>
     </p:spTree>
     <p:extLst>
       <p:ext uri="{BB962C8B-B14F-4D97-AF65-F5344CB8AC3E}">
-        <p14:creationId xmlns:p14="http://schemas.microsoft.com/office/powerpoint/2010/main" val="2429000110"/>
+        <p14:creationId xmlns:p14="http://schemas.microsoft.com/office/powerpoint/2010/main" val="881811660"/>
       </p:ext>
     </p:extLst>
   </p:cSld>
@@ -7435,6 +7662,396 @@
           <a:p>
             <a:r>
               <a:rPr lang="en-US" dirty="0"/>
+              <a:t>TIA Layout</a:t>
+            </a:r>
+          </a:p>
+        </p:txBody>
+      </p:sp>
+      <p:sp>
+        <p:nvSpPr>
+          <p:cNvPr id="6" name="TextBox 5">
+            <a:extLst>
+              <a:ext uri="{FF2B5EF4-FFF2-40B4-BE49-F238E27FC236}">
+                <a16:creationId xmlns:a16="http://schemas.microsoft.com/office/drawing/2014/main" id="{CEBBFA20-FB62-485C-B48C-91ED4F3FC258}"/>
+              </a:ext>
+            </a:extLst>
+          </p:cNvPr>
+          <p:cNvSpPr txBox="1"/>
+          <p:nvPr/>
+        </p:nvSpPr>
+        <p:spPr>
+          <a:xfrm>
+            <a:off x="9084316" y="1055834"/>
+            <a:ext cx="1772280" cy="400110"/>
+          </a:xfrm>
+          <a:prstGeom prst="rect">
+            <a:avLst/>
+          </a:prstGeom>
+          <a:noFill/>
+        </p:spPr>
+        <p:txBody>
+          <a:bodyPr wrap="none" rtlCol="0">
+            <a:spAutoFit/>
+          </a:bodyPr>
+          <a:lstStyle/>
+          <a:p>
+            <a:pPr algn="ctr"/>
+            <a:r>
+              <a:rPr lang="en-US" sz="2000" b="1" dirty="0">
+                <a:solidFill>
+                  <a:srgbClr val="C00000"/>
+                </a:solidFill>
+              </a:rPr>
+              <a:t>Manual Layout</a:t>
+            </a:r>
+          </a:p>
+        </p:txBody>
+      </p:sp>
+      <p:sp>
+        <p:nvSpPr>
+          <p:cNvPr id="7" name="TextBox 6">
+            <a:extLst>
+              <a:ext uri="{FF2B5EF4-FFF2-40B4-BE49-F238E27FC236}">
+                <a16:creationId xmlns:a16="http://schemas.microsoft.com/office/drawing/2014/main" id="{9DA42610-4D2A-42C1-905E-7D839C63892B}"/>
+              </a:ext>
+            </a:extLst>
+          </p:cNvPr>
+          <p:cNvSpPr txBox="1"/>
+          <p:nvPr/>
+        </p:nvSpPr>
+        <p:spPr>
+          <a:xfrm>
+            <a:off x="5042099" y="1055834"/>
+            <a:ext cx="1621598" cy="400110"/>
+          </a:xfrm>
+          <a:prstGeom prst="rect">
+            <a:avLst/>
+          </a:prstGeom>
+          <a:noFill/>
+        </p:spPr>
+        <p:txBody>
+          <a:bodyPr wrap="none" rtlCol="0">
+            <a:spAutoFit/>
+          </a:bodyPr>
+          <a:lstStyle/>
+          <a:p>
+            <a:pPr algn="ctr"/>
+            <a:r>
+              <a:rPr lang="en-US" sz="2000" b="1" dirty="0">
+                <a:solidFill>
+                  <a:srgbClr val="C00000"/>
+                </a:solidFill>
+              </a:rPr>
+              <a:t>ALIGN Layout</a:t>
+            </a:r>
+          </a:p>
+        </p:txBody>
+      </p:sp>
+      <p:pic>
+        <p:nvPicPr>
+          <p:cNvPr id="8" name="Picture 7">
+            <a:extLst>
+              <a:ext uri="{FF2B5EF4-FFF2-40B4-BE49-F238E27FC236}">
+                <a16:creationId xmlns:a16="http://schemas.microsoft.com/office/drawing/2014/main" id="{816C2A2A-5E82-4C35-96B0-1A3DF4BB1E20}"/>
+              </a:ext>
+            </a:extLst>
+          </p:cNvPr>
+          <p:cNvPicPr>
+            <a:picLocks noChangeAspect="1"/>
+          </p:cNvPicPr>
+          <p:nvPr/>
+        </p:nvPicPr>
+        <p:blipFill>
+          <a:blip r:embed="rId4"/>
+          <a:stretch>
+            <a:fillRect/>
+          </a:stretch>
+        </p:blipFill>
+        <p:spPr>
+          <a:xfrm>
+            <a:off x="4059112" y="1507957"/>
+            <a:ext cx="3587571" cy="4148353"/>
+          </a:xfrm>
+          <a:prstGeom prst="rect">
+            <a:avLst/>
+          </a:prstGeom>
+        </p:spPr>
+      </p:pic>
+      <p:sp>
+        <p:nvSpPr>
+          <p:cNvPr id="9" name="TextBox 8">
+            <a:extLst>
+              <a:ext uri="{FF2B5EF4-FFF2-40B4-BE49-F238E27FC236}">
+                <a16:creationId xmlns:a16="http://schemas.microsoft.com/office/drawing/2014/main" id="{85800282-1E5F-4783-BD77-DD71A8696B96}"/>
+              </a:ext>
+            </a:extLst>
+          </p:cNvPr>
+          <p:cNvSpPr txBox="1"/>
+          <p:nvPr/>
+        </p:nvSpPr>
+        <p:spPr>
+          <a:xfrm>
+            <a:off x="4033327" y="5720682"/>
+            <a:ext cx="3639138" cy="369332"/>
+          </a:xfrm>
+          <a:prstGeom prst="rect">
+            <a:avLst/>
+          </a:prstGeom>
+          <a:noFill/>
+        </p:spPr>
+        <p:txBody>
+          <a:bodyPr wrap="none" rtlCol="0">
+            <a:spAutoFit/>
+          </a:bodyPr>
+          <a:lstStyle/>
+          <a:p>
+            <a:pPr algn="ctr"/>
+            <a:r>
+              <a:rPr lang="en-US" b="1" dirty="0">
+                <a:solidFill>
+                  <a:srgbClr val="C00000"/>
+                </a:solidFill>
+              </a:rPr>
+              <a:t>41.68μm × 48.585μm = 2025.02μm</a:t>
+            </a:r>
+            <a:r>
+              <a:rPr lang="en-US" b="1" baseline="30000" dirty="0">
+                <a:solidFill>
+                  <a:srgbClr val="C00000"/>
+                </a:solidFill>
+              </a:rPr>
+              <a:t>2</a:t>
+            </a:r>
+            <a:r>
+              <a:rPr lang="en-US" b="1" dirty="0">
+                <a:solidFill>
+                  <a:srgbClr val="C00000"/>
+                </a:solidFill>
+              </a:rPr>
+              <a:t> </a:t>
+            </a:r>
+          </a:p>
+        </p:txBody>
+      </p:sp>
+      <p:sp>
+        <p:nvSpPr>
+          <p:cNvPr id="10" name="TextBox 9">
+            <a:extLst>
+              <a:ext uri="{FF2B5EF4-FFF2-40B4-BE49-F238E27FC236}">
+                <a16:creationId xmlns:a16="http://schemas.microsoft.com/office/drawing/2014/main" id="{5E1CE121-4158-4F6D-A702-67C2FD27DA3D}"/>
+              </a:ext>
+            </a:extLst>
+          </p:cNvPr>
+          <p:cNvSpPr txBox="1"/>
+          <p:nvPr/>
+        </p:nvSpPr>
+        <p:spPr>
+          <a:xfrm>
+            <a:off x="8093178" y="5720682"/>
+            <a:ext cx="3754554" cy="369332"/>
+          </a:xfrm>
+          <a:prstGeom prst="rect">
+            <a:avLst/>
+          </a:prstGeom>
+          <a:noFill/>
+        </p:spPr>
+        <p:txBody>
+          <a:bodyPr wrap="none" rtlCol="0">
+            <a:spAutoFit/>
+          </a:bodyPr>
+          <a:lstStyle/>
+          <a:p>
+            <a:pPr algn="ctr"/>
+            <a:r>
+              <a:rPr lang="en-US" b="1" dirty="0">
+                <a:solidFill>
+                  <a:srgbClr val="C00000"/>
+                </a:solidFill>
+              </a:rPr>
+              <a:t>46.355μm × 48.18μm = 2233.38μm</a:t>
+            </a:r>
+            <a:r>
+              <a:rPr lang="en-US" b="1" baseline="30000" dirty="0">
+                <a:solidFill>
+                  <a:srgbClr val="C00000"/>
+                </a:solidFill>
+              </a:rPr>
+              <a:t>2</a:t>
+            </a:r>
+            <a:r>
+              <a:rPr lang="en-US" b="1" dirty="0">
+                <a:solidFill>
+                  <a:srgbClr val="C00000"/>
+                </a:solidFill>
+              </a:rPr>
+              <a:t> </a:t>
+            </a:r>
+          </a:p>
+        </p:txBody>
+      </p:sp>
+      <p:sp>
+        <p:nvSpPr>
+          <p:cNvPr id="12" name="TextBox 11">
+            <a:extLst>
+              <a:ext uri="{FF2B5EF4-FFF2-40B4-BE49-F238E27FC236}">
+                <a16:creationId xmlns:a16="http://schemas.microsoft.com/office/drawing/2014/main" id="{CB732814-69AE-AA47-8B10-8A7F624C7C26}"/>
+              </a:ext>
+            </a:extLst>
+          </p:cNvPr>
+          <p:cNvSpPr txBox="1"/>
+          <p:nvPr/>
+        </p:nvSpPr>
+        <p:spPr>
+          <a:xfrm>
+            <a:off x="1289573" y="1913322"/>
+            <a:ext cx="1272336" cy="400110"/>
+          </a:xfrm>
+          <a:prstGeom prst="rect">
+            <a:avLst/>
+          </a:prstGeom>
+          <a:noFill/>
+        </p:spPr>
+        <p:txBody>
+          <a:bodyPr wrap="none" rtlCol="0">
+            <a:spAutoFit/>
+          </a:bodyPr>
+          <a:lstStyle/>
+          <a:p>
+            <a:pPr algn="ctr"/>
+            <a:r>
+              <a:rPr lang="en-US" sz="2000" b="1" dirty="0">
+                <a:solidFill>
+                  <a:srgbClr val="C00000"/>
+                </a:solidFill>
+              </a:rPr>
+              <a:t>Schematic</a:t>
+            </a:r>
+          </a:p>
+        </p:txBody>
+      </p:sp>
+      <p:pic>
+        <p:nvPicPr>
+          <p:cNvPr id="18" name="Content Placeholder 17" descr="Diagram, schematic&#10;&#10;Description automatically generated">
+            <a:extLst>
+              <a:ext uri="{FF2B5EF4-FFF2-40B4-BE49-F238E27FC236}">
+                <a16:creationId xmlns:a16="http://schemas.microsoft.com/office/drawing/2014/main" id="{183A35EF-13E6-4FFC-8017-E94DD83D92A0}"/>
+              </a:ext>
+            </a:extLst>
+          </p:cNvPr>
+          <p:cNvPicPr>
+            <a:picLocks noGrp="1" noChangeAspect="1"/>
+          </p:cNvPicPr>
+          <p:nvPr>
+            <p:ph sz="quarter" idx="13"/>
+          </p:nvPr>
+        </p:nvPicPr>
+        <p:blipFill>
+          <a:blip r:embed="rId5">
+            <a:extLst>
+              <a:ext uri="{28A0092B-C50C-407E-A947-70E740481C1C}">
+                <a14:useLocalDpi xmlns:a14="http://schemas.microsoft.com/office/drawing/2010/main" val="0"/>
+              </a:ext>
+            </a:extLst>
+          </a:blip>
+          <a:stretch>
+            <a:fillRect/>
+          </a:stretch>
+        </p:blipFill>
+        <p:spPr>
+          <a:xfrm>
+            <a:off x="89561" y="2313432"/>
+            <a:ext cx="3715987" cy="2595344"/>
+          </a:xfrm>
+          <a:ln w="28575">
+            <a:solidFill>
+              <a:srgbClr val="0070C0"/>
+            </a:solidFill>
+          </a:ln>
+        </p:spPr>
+      </p:pic>
+    </p:spTree>
+    <p:extLst>
+      <p:ext uri="{BB962C8B-B14F-4D97-AF65-F5344CB8AC3E}">
+        <p14:creationId xmlns:p14="http://schemas.microsoft.com/office/powerpoint/2010/main" val="2429000110"/>
+      </p:ext>
+    </p:extLst>
+  </p:cSld>
+  <p:clrMapOvr>
+    <a:masterClrMapping/>
+  </p:clrMapOvr>
+</p:sld>
+</file>
+
+<file path=ppt/slides/slide18.xml><?xml version="1.0" encoding="utf-8"?>
+<p:sld xmlns:a="http://schemas.openxmlformats.org/drawingml/2006/main" xmlns:r="http://schemas.openxmlformats.org/officeDocument/2006/relationships" xmlns:p="http://schemas.openxmlformats.org/presentationml/2006/main">
+  <p:cSld>
+    <p:spTree>
+      <p:nvGrpSpPr>
+        <p:cNvPr id="1" name=""/>
+        <p:cNvGrpSpPr/>
+        <p:nvPr/>
+      </p:nvGrpSpPr>
+      <p:grpSpPr>
+        <a:xfrm>
+          <a:off x="0" y="0"/>
+          <a:ext cx="0" cy="0"/>
+          <a:chOff x="0" y="0"/>
+          <a:chExt cx="0" cy="0"/>
+        </a:xfrm>
+      </p:grpSpPr>
+      <p:pic>
+        <p:nvPicPr>
+          <p:cNvPr id="4" name="Picture 3">
+            <a:extLst>
+              <a:ext uri="{FF2B5EF4-FFF2-40B4-BE49-F238E27FC236}">
+                <a16:creationId xmlns:a16="http://schemas.microsoft.com/office/drawing/2014/main" id="{824F8E2B-1697-4AF7-A79D-6C7B10E9C1A4}"/>
+              </a:ext>
+            </a:extLst>
+          </p:cNvPr>
+          <p:cNvPicPr>
+            <a:picLocks noChangeAspect="1"/>
+          </p:cNvPicPr>
+          <p:nvPr/>
+        </p:nvPicPr>
+        <p:blipFill>
+          <a:blip r:embed="rId3"/>
+          <a:stretch>
+            <a:fillRect/>
+          </a:stretch>
+        </p:blipFill>
+        <p:spPr>
+          <a:xfrm>
+            <a:off x="7900247" y="1507957"/>
+            <a:ext cx="4118602" cy="4131803"/>
+          </a:xfrm>
+          <a:prstGeom prst="rect">
+            <a:avLst/>
+          </a:prstGeom>
+        </p:spPr>
+      </p:pic>
+      <p:sp>
+        <p:nvSpPr>
+          <p:cNvPr id="3" name="Title 2">
+            <a:extLst>
+              <a:ext uri="{FF2B5EF4-FFF2-40B4-BE49-F238E27FC236}">
+                <a16:creationId xmlns:a16="http://schemas.microsoft.com/office/drawing/2014/main" id="{26D09C98-4D45-4B48-8092-9F5E258B2E7F}"/>
+              </a:ext>
+            </a:extLst>
+          </p:cNvPr>
+          <p:cNvSpPr>
+            <a:spLocks noGrp="1"/>
+          </p:cNvSpPr>
+          <p:nvPr>
+            <p:ph type="ctrTitle"/>
+          </p:nvPr>
+        </p:nvSpPr>
+        <p:spPr/>
+        <p:txBody>
+          <a:bodyPr/>
+          <a:lstStyle/>
+          <a:p>
+            <a:r>
+              <a:rPr lang="en-US" dirty="0"/>
               <a:t>TIA Layout with new P&amp;R</a:t>
             </a:r>
           </a:p>
@@ -7755,7 +8372,7 @@
 </p:sld>
 </file>
 
-<file path=ppt/slides/slide18.xml><?xml version="1.0" encoding="utf-8"?>
+<file path=ppt/slides/slide19.xml><?xml version="1.0" encoding="utf-8"?>
 <p:sld xmlns:a="http://schemas.openxmlformats.org/drawingml/2006/main" xmlns:r="http://schemas.openxmlformats.org/officeDocument/2006/relationships" xmlns:p="http://schemas.openxmlformats.org/presentationml/2006/main">
   <p:cSld>
     <p:spTree>
@@ -8072,47 +8689,158 @@
           <a:chExt cx="0" cy="0"/>
         </a:xfrm>
       </p:grpSpPr>
-      <p:pic>
-        <p:nvPicPr>
-          <p:cNvPr id="5" name="Content Placeholder 4" descr="Diagram, schematic&#10;&#10;Description automatically generated">
-            <a:extLst>
-              <a:ext uri="{FF2B5EF4-FFF2-40B4-BE49-F238E27FC236}">
-                <a16:creationId xmlns:a16="http://schemas.microsoft.com/office/drawing/2014/main" id="{98DB3F9B-82A2-4C62-AD81-CE6C31A8E2B0}"/>
-              </a:ext>
-            </a:extLst>
-          </p:cNvPr>
-          <p:cNvPicPr>
-            <a:picLocks noGrp="1" noChangeAspect="1"/>
-          </p:cNvPicPr>
+      <p:sp>
+        <p:nvSpPr>
+          <p:cNvPr id="2" name="Content Placeholder 1">
+            <a:extLst>
+              <a:ext uri="{FF2B5EF4-FFF2-40B4-BE49-F238E27FC236}">
+                <a16:creationId xmlns:a16="http://schemas.microsoft.com/office/drawing/2014/main" id="{511378AC-3F18-4AC9-B7FC-E9BF37F3EAC0}"/>
+              </a:ext>
+            </a:extLst>
+          </p:cNvPr>
+          <p:cNvSpPr>
+            <a:spLocks noGrp="1"/>
+          </p:cNvSpPr>
           <p:nvPr>
             <p:ph sz="quarter" idx="13"/>
           </p:nvPr>
-        </p:nvPicPr>
-        <p:blipFill>
-          <a:blip r:embed="rId2">
-            <a:extLst>
-              <a:ext uri="{28A0092B-C50C-407E-A947-70E740481C1C}">
-                <a14:useLocalDpi xmlns:a14="http://schemas.microsoft.com/office/drawing/2010/main" val="0"/>
-              </a:ext>
-            </a:extLst>
-          </a:blip>
-          <a:stretch>
-            <a:fillRect/>
-          </a:stretch>
-        </p:blipFill>
-        <p:spPr>
-          <a:xfrm>
-            <a:off x="5171319" y="1092972"/>
-            <a:ext cx="6643609" cy="5439803"/>
-          </a:xfrm>
-        </p:spPr>
-      </p:pic>
+        </p:nvSpPr>
+        <p:spPr/>
+        <p:txBody>
+          <a:bodyPr/>
+          <a:lstStyle/>
+          <a:p>
+            <a:r>
+              <a:rPr lang="en-US" dirty="0"/>
+              <a:t>Left-right-top-bottom</a:t>
+            </a:r>
+          </a:p>
+          <a:p>
+            <a:r>
+              <a:rPr lang="en-US" dirty="0"/>
+              <a:t>Relative pin position</a:t>
+            </a:r>
+          </a:p>
+          <a:p>
+            <a:r>
+              <a:rPr lang="en-US" dirty="0"/>
+              <a:t>ABCD</a:t>
+            </a:r>
+          </a:p>
+          <a:p>
+            <a:pPr lvl="1"/>
+            <a:r>
+              <a:rPr lang="en-US" dirty="0"/>
+              <a:t>AB, AC, AD, BC, BD, CD(distance, relative-position (left/right/top/bottom)) </a:t>
+            </a:r>
+          </a:p>
+          <a:p>
+            <a:pPr lvl="1"/>
+            <a:r>
+              <a:rPr lang="en-US" dirty="0"/>
+              <a:t>Minimize -MST (AB+AC+AD+BC+BD+CD)</a:t>
+            </a:r>
+          </a:p>
+          <a:p>
+            <a:pPr lvl="1"/>
+            <a:r>
+              <a:rPr lang="en-US" dirty="0"/>
+              <a:t>MST- PRIM algorithm</a:t>
+            </a:r>
+          </a:p>
+          <a:p>
+            <a:r>
+              <a:rPr lang="en-US" dirty="0"/>
+              <a:t>Greedy </a:t>
+            </a:r>
+            <a:r>
+              <a:rPr lang="en-US" dirty="0" err="1"/>
+              <a:t>steiner</a:t>
+            </a:r>
+            <a:r>
+              <a:rPr lang="en-US" dirty="0"/>
+              <a:t> approach</a:t>
+            </a:r>
+          </a:p>
+          <a:p>
+            <a:pPr lvl="1"/>
+            <a:r>
+              <a:rPr lang="en-US" dirty="0"/>
+              <a:t>Obstacles</a:t>
+            </a:r>
+          </a:p>
+          <a:p>
+            <a:pPr lvl="1"/>
+            <a:r>
+              <a:rPr lang="en-US" dirty="0"/>
+              <a:t>Dataset?</a:t>
+            </a:r>
+          </a:p>
+          <a:p>
+            <a:r>
+              <a:rPr lang="en-US" dirty="0"/>
+              <a:t>Matched net routing</a:t>
+            </a:r>
+          </a:p>
+          <a:p>
+            <a:pPr lvl="1"/>
+            <a:r>
+              <a:rPr lang="en-US" dirty="0"/>
+              <a:t>Obstacles</a:t>
+            </a:r>
+          </a:p>
+          <a:p>
+            <a:r>
+              <a:rPr lang="en-US" dirty="0"/>
+              <a:t>Image translation of the problem</a:t>
+            </a:r>
+          </a:p>
+          <a:p>
+            <a:pPr lvl="1"/>
+            <a:r>
+              <a:rPr lang="en-US" dirty="0" err="1"/>
+              <a:t>Wellgan</a:t>
+            </a:r>
+            <a:endParaRPr lang="en-US" dirty="0"/>
+          </a:p>
+          <a:p>
+            <a:pPr lvl="1"/>
+            <a:r>
+              <a:rPr lang="en-US" dirty="0">
+                <a:hlinkClick r:id="rId2"/>
+              </a:rPr>
+              <a:t>1906.08809.pdf (arxiv.org)</a:t>
+            </a:r>
+            <a:endParaRPr lang="en-US" dirty="0"/>
+          </a:p>
+          <a:p>
+            <a:pPr lvl="1"/>
+            <a:r>
+              <a:rPr lang="en-US" dirty="0">
+                <a:hlinkClick r:id="rId3"/>
+              </a:rPr>
+              <a:t>ANALOG_ICCAD2019_Zhu.pdf (yibolin.com)</a:t>
+            </a:r>
+            <a:endParaRPr lang="en-US" dirty="0"/>
+          </a:p>
+          <a:p>
+            <a:r>
+              <a:rPr lang="en-US" dirty="0"/>
+              <a:t>Graph translation of the problem</a:t>
+            </a:r>
+          </a:p>
+          <a:p>
+            <a:pPr lvl="1"/>
+            <a:endParaRPr lang="en-US" dirty="0"/>
+          </a:p>
+        </p:txBody>
+      </p:sp>
       <p:sp>
         <p:nvSpPr>
           <p:cNvPr id="3" name="Title 2">
             <a:extLst>
               <a:ext uri="{FF2B5EF4-FFF2-40B4-BE49-F238E27FC236}">
-                <a16:creationId xmlns:a16="http://schemas.microsoft.com/office/drawing/2014/main" id="{4233C52D-38AB-40C2-894C-476AEE120428}"/>
+                <a16:creationId xmlns:a16="http://schemas.microsoft.com/office/drawing/2014/main" id="{EBC3929F-03E7-4B35-9546-DEF2768FEECC}"/>
               </a:ext>
             </a:extLst>
           </p:cNvPr>
@@ -8128,237 +8856,6 @@
           <a:bodyPr/>
           <a:lstStyle/>
           <a:p>
-            <a:r>
-              <a:rPr lang="en-US" dirty="0"/>
-              <a:t>MIMO Receiver Architecture</a:t>
-            </a:r>
-          </a:p>
-        </p:txBody>
-      </p:sp>
-      <p:sp>
-        <p:nvSpPr>
-          <p:cNvPr id="2" name="TextBox 1">
-            <a:extLst>
-              <a:ext uri="{FF2B5EF4-FFF2-40B4-BE49-F238E27FC236}">
-                <a16:creationId xmlns:a16="http://schemas.microsoft.com/office/drawing/2014/main" id="{7E57C0CE-2640-40F4-A94F-6682EED6F0D3}"/>
-              </a:ext>
-            </a:extLst>
-          </p:cNvPr>
-          <p:cNvSpPr txBox="1"/>
-          <p:nvPr/>
-        </p:nvSpPr>
-        <p:spPr>
-          <a:xfrm>
-            <a:off x="377071" y="1366887"/>
-            <a:ext cx="4794247" cy="3631763"/>
-          </a:xfrm>
-          <a:prstGeom prst="rect">
-            <a:avLst/>
-          </a:prstGeom>
-          <a:noFill/>
-        </p:spPr>
-        <p:txBody>
-          <a:bodyPr wrap="square" rtlCol="0">
-            <a:spAutoFit/>
-          </a:bodyPr>
-          <a:lstStyle/>
-          <a:p>
-            <a:pPr marL="285750" indent="-285750">
-              <a:buFont typeface="Arial" panose="020B0604020202020204" pitchFamily="34" charset="0"/>
-              <a:buChar char="•"/>
-            </a:pPr>
-            <a:r>
-              <a:rPr lang="en-US" dirty="0">
-                <a:latin typeface="Tahoma" panose="020B0604030504040204" pitchFamily="34" charset="0"/>
-                <a:ea typeface="Tahoma" panose="020B0604030504040204" pitchFamily="34" charset="0"/>
-                <a:cs typeface="Tahoma" panose="020B0604030504040204" pitchFamily="34" charset="0"/>
-              </a:rPr>
-              <a:t>Wireless testcase</a:t>
-            </a:r>
-          </a:p>
-          <a:p>
-            <a:pPr marL="742950" lvl="1" indent="-285750">
-              <a:buFont typeface="Arial" panose="020B0604020202020204" pitchFamily="34" charset="0"/>
-              <a:buChar char="•"/>
-            </a:pPr>
-            <a:r>
-              <a:rPr lang="en-US" sz="1600" dirty="0">
-                <a:ea typeface="Tahoma" panose="020B0604030504040204" pitchFamily="34" charset="0"/>
-                <a:cs typeface="Tahoma" panose="020B0604030504040204" pitchFamily="34" charset="0"/>
-              </a:rPr>
-              <a:t>Resistors, capacitors, transistors</a:t>
-            </a:r>
-          </a:p>
-          <a:p>
-            <a:pPr marL="742950" lvl="1" indent="-285750">
-              <a:buFont typeface="Arial" panose="020B0604020202020204" pitchFamily="34" charset="0"/>
-              <a:buChar char="•"/>
-            </a:pPr>
-            <a:r>
-              <a:rPr lang="en-US" sz="1600" dirty="0">
-                <a:ea typeface="Tahoma" panose="020B0604030504040204" pitchFamily="34" charset="0"/>
-                <a:cs typeface="Tahoma" panose="020B0604030504040204" pitchFamily="34" charset="0"/>
-              </a:rPr>
-              <a:t>No inductors</a:t>
-            </a:r>
-          </a:p>
-          <a:p>
-            <a:pPr marL="742950" lvl="1" indent="-285750">
-              <a:buFont typeface="Arial" panose="020B0604020202020204" pitchFamily="34" charset="0"/>
-              <a:buChar char="•"/>
-            </a:pPr>
-            <a:r>
-              <a:rPr lang="en-US" sz="1600" dirty="0">
-                <a:ea typeface="Tahoma" panose="020B0604030504040204" pitchFamily="34" charset="0"/>
-                <a:cs typeface="Tahoma" panose="020B0604030504040204" pitchFamily="34" charset="0"/>
-              </a:rPr>
-              <a:t>1-3 GHz operating frequency</a:t>
-            </a:r>
-          </a:p>
-          <a:p>
-            <a:pPr marL="742950" lvl="1" indent="-285750">
-              <a:buFont typeface="Arial" panose="020B0604020202020204" pitchFamily="34" charset="0"/>
-              <a:buChar char="•"/>
-            </a:pPr>
-            <a:r>
-              <a:rPr lang="en-US" sz="1600" dirty="0">
-                <a:ea typeface="Tahoma" panose="020B0604030504040204" pitchFamily="34" charset="0"/>
-                <a:cs typeface="Tahoma" panose="020B0604030504040204" pitchFamily="34" charset="0"/>
-              </a:rPr>
-              <a:t>Clock distribution network as digital block</a:t>
-            </a:r>
-          </a:p>
-          <a:p>
-            <a:pPr marL="742950" lvl="1" indent="-285750">
-              <a:buFont typeface="Arial" panose="020B0604020202020204" pitchFamily="34" charset="0"/>
-              <a:buChar char="•"/>
-            </a:pPr>
-            <a:endParaRPr lang="en-US" sz="1600" dirty="0">
-              <a:ea typeface="Tahoma" panose="020B0604030504040204" pitchFamily="34" charset="0"/>
-              <a:cs typeface="Tahoma" panose="020B0604030504040204" pitchFamily="34" charset="0"/>
-            </a:endParaRPr>
-          </a:p>
-          <a:p>
-            <a:pPr marL="285750" indent="-285750">
-              <a:buFont typeface="Arial" panose="020B0604020202020204" pitchFamily="34" charset="0"/>
-              <a:buChar char="•"/>
-            </a:pPr>
-            <a:endParaRPr lang="en-US" sz="1600" dirty="0">
-              <a:ea typeface="Tahoma" panose="020B0604030504040204" pitchFamily="34" charset="0"/>
-              <a:cs typeface="Tahoma" panose="020B0604030504040204" pitchFamily="34" charset="0"/>
-            </a:endParaRPr>
-          </a:p>
-          <a:p>
-            <a:pPr marL="285750" indent="-285750">
-              <a:buFont typeface="Arial" panose="020B0604020202020204" pitchFamily="34" charset="0"/>
-              <a:buChar char="•"/>
-            </a:pPr>
-            <a:r>
-              <a:rPr lang="en-US" sz="1600" dirty="0">
-                <a:ea typeface="Tahoma" panose="020B0604030504040204" pitchFamily="34" charset="0"/>
-                <a:cs typeface="Tahoma" panose="020B0604030504040204" pitchFamily="34" charset="0"/>
-              </a:rPr>
-              <a:t>Main blocks</a:t>
-            </a:r>
-          </a:p>
-          <a:p>
-            <a:pPr marL="742950" lvl="1" indent="-285750">
-              <a:buFont typeface="Arial" panose="020B0604020202020204" pitchFamily="34" charset="0"/>
-              <a:buChar char="•"/>
-            </a:pPr>
-            <a:r>
-              <a:rPr lang="en-US" sz="1600" dirty="0">
-                <a:ea typeface="Tahoma" panose="020B0604030504040204" pitchFamily="34" charset="0"/>
-                <a:cs typeface="Tahoma" panose="020B0604030504040204" pitchFamily="34" charset="0"/>
-              </a:rPr>
-              <a:t>Spectral filter</a:t>
-            </a:r>
-          </a:p>
-          <a:p>
-            <a:pPr marL="742950" lvl="1" indent="-285750">
-              <a:buFont typeface="Arial" panose="020B0604020202020204" pitchFamily="34" charset="0"/>
-              <a:buChar char="•"/>
-            </a:pPr>
-            <a:r>
-              <a:rPr lang="en-US" sz="1600" dirty="0">
-                <a:ea typeface="Tahoma" panose="020B0604030504040204" pitchFamily="34" charset="0"/>
-                <a:cs typeface="Tahoma" panose="020B0604030504040204" pitchFamily="34" charset="0"/>
-              </a:rPr>
-              <a:t>Spatial filter (shown in </a:t>
-            </a:r>
-            <a:r>
-              <a:rPr lang="en-US" sz="1600" dirty="0">
-                <a:solidFill>
-                  <a:srgbClr val="00B050"/>
-                </a:solidFill>
-                <a:ea typeface="Tahoma" panose="020B0604030504040204" pitchFamily="34" charset="0"/>
-                <a:cs typeface="Tahoma" panose="020B0604030504040204" pitchFamily="34" charset="0"/>
-              </a:rPr>
-              <a:t>green </a:t>
-            </a:r>
-            <a:r>
-              <a:rPr lang="en-US" sz="1600" dirty="0">
-                <a:ea typeface="Tahoma" panose="020B0604030504040204" pitchFamily="34" charset="0"/>
-                <a:cs typeface="Tahoma" panose="020B0604030504040204" pitchFamily="34" charset="0"/>
-              </a:rPr>
-              <a:t>box)</a:t>
-            </a:r>
-          </a:p>
-          <a:p>
-            <a:pPr marL="742950" lvl="1" indent="-285750">
-              <a:buFont typeface="Arial" panose="020B0604020202020204" pitchFamily="34" charset="0"/>
-              <a:buChar char="•"/>
-            </a:pPr>
-            <a:r>
-              <a:rPr lang="en-US" sz="1600" dirty="0">
-                <a:ea typeface="Tahoma" panose="020B0604030504040204" pitchFamily="34" charset="0"/>
-                <a:cs typeface="Tahoma" panose="020B0604030504040204" pitchFamily="34" charset="0"/>
-              </a:rPr>
-              <a:t>Transimpedance amplifier (shown in </a:t>
-            </a:r>
-            <a:r>
-              <a:rPr lang="en-US" sz="1600" dirty="0">
-                <a:solidFill>
-                  <a:srgbClr val="0070C0"/>
-                </a:solidFill>
-                <a:ea typeface="Tahoma" panose="020B0604030504040204" pitchFamily="34" charset="0"/>
-                <a:cs typeface="Tahoma" panose="020B0604030504040204" pitchFamily="34" charset="0"/>
-              </a:rPr>
-              <a:t>blue</a:t>
-            </a:r>
-            <a:r>
-              <a:rPr lang="en-US" sz="1600" dirty="0">
-                <a:ea typeface="Tahoma" panose="020B0604030504040204" pitchFamily="34" charset="0"/>
-                <a:cs typeface="Tahoma" panose="020B0604030504040204" pitchFamily="34" charset="0"/>
-              </a:rPr>
-              <a:t> box)</a:t>
-            </a:r>
-          </a:p>
-          <a:p>
-            <a:pPr marL="742950" lvl="1" indent="-285750">
-              <a:buFont typeface="Arial" panose="020B0604020202020204" pitchFamily="34" charset="0"/>
-              <a:buChar char="•"/>
-            </a:pPr>
-            <a:r>
-              <a:rPr lang="en-US" sz="1600" dirty="0">
-                <a:ea typeface="Tahoma" panose="020B0604030504040204" pitchFamily="34" charset="0"/>
-                <a:cs typeface="Tahoma" panose="020B0604030504040204" pitchFamily="34" charset="0"/>
-              </a:rPr>
-              <a:t>Clock distribution network</a:t>
-            </a:r>
-          </a:p>
-          <a:p>
-            <a:pPr marL="285750" indent="-285750">
-              <a:buFont typeface="Arial" panose="020B0604020202020204" pitchFamily="34" charset="0"/>
-              <a:buChar char="•"/>
-            </a:pPr>
-            <a:endParaRPr lang="en-US" dirty="0"/>
-          </a:p>
-          <a:p>
-            <a:pPr marL="285750" indent="-285750">
-              <a:buFont typeface="Arial" panose="020B0604020202020204" pitchFamily="34" charset="0"/>
-              <a:buChar char="•"/>
-            </a:pPr>
             <a:endParaRPr lang="en-US" dirty="0"/>
           </a:p>
         </p:txBody>
@@ -8366,7 +8863,7 @@
     </p:spTree>
     <p:extLst>
       <p:ext uri="{BB962C8B-B14F-4D97-AF65-F5344CB8AC3E}">
-        <p14:creationId xmlns:p14="http://schemas.microsoft.com/office/powerpoint/2010/main" val="3583616958"/>
+        <p14:creationId xmlns:p14="http://schemas.microsoft.com/office/powerpoint/2010/main" val="1761365152"/>
       </p:ext>
     </p:extLst>
   </p:cSld>
@@ -8395,6 +8892,327 @@
       </p:grpSpPr>
       <p:pic>
         <p:nvPicPr>
+          <p:cNvPr id="5" name="Content Placeholder 4" descr="Diagram, schematic&#10;&#10;Description automatically generated">
+            <a:extLst>
+              <a:ext uri="{FF2B5EF4-FFF2-40B4-BE49-F238E27FC236}">
+                <a16:creationId xmlns:a16="http://schemas.microsoft.com/office/drawing/2014/main" id="{98DB3F9B-82A2-4C62-AD81-CE6C31A8E2B0}"/>
+              </a:ext>
+            </a:extLst>
+          </p:cNvPr>
+          <p:cNvPicPr>
+            <a:picLocks noGrp="1" noChangeAspect="1"/>
+          </p:cNvPicPr>
+          <p:nvPr>
+            <p:ph sz="quarter" idx="13"/>
+          </p:nvPr>
+        </p:nvPicPr>
+        <p:blipFill>
+          <a:blip r:embed="rId2">
+            <a:extLst>
+              <a:ext uri="{28A0092B-C50C-407E-A947-70E740481C1C}">
+                <a14:useLocalDpi xmlns:a14="http://schemas.microsoft.com/office/drawing/2010/main" val="0"/>
+              </a:ext>
+            </a:extLst>
+          </a:blip>
+          <a:stretch>
+            <a:fillRect/>
+          </a:stretch>
+        </p:blipFill>
+        <p:spPr>
+          <a:xfrm>
+            <a:off x="5171319" y="1092972"/>
+            <a:ext cx="6643609" cy="5439803"/>
+          </a:xfrm>
+        </p:spPr>
+      </p:pic>
+      <p:sp>
+        <p:nvSpPr>
+          <p:cNvPr id="3" name="Title 2">
+            <a:extLst>
+              <a:ext uri="{FF2B5EF4-FFF2-40B4-BE49-F238E27FC236}">
+                <a16:creationId xmlns:a16="http://schemas.microsoft.com/office/drawing/2014/main" id="{4233C52D-38AB-40C2-894C-476AEE120428}"/>
+              </a:ext>
+            </a:extLst>
+          </p:cNvPr>
+          <p:cNvSpPr>
+            <a:spLocks noGrp="1"/>
+          </p:cNvSpPr>
+          <p:nvPr>
+            <p:ph type="ctrTitle"/>
+          </p:nvPr>
+        </p:nvSpPr>
+        <p:spPr/>
+        <p:txBody>
+          <a:bodyPr/>
+          <a:lstStyle/>
+          <a:p>
+            <a:r>
+              <a:rPr lang="en-US" dirty="0"/>
+              <a:t>MIMO Receiver Architecture</a:t>
+            </a:r>
+          </a:p>
+        </p:txBody>
+      </p:sp>
+      <p:sp>
+        <p:nvSpPr>
+          <p:cNvPr id="2" name="TextBox 1">
+            <a:extLst>
+              <a:ext uri="{FF2B5EF4-FFF2-40B4-BE49-F238E27FC236}">
+                <a16:creationId xmlns:a16="http://schemas.microsoft.com/office/drawing/2014/main" id="{7E57C0CE-2640-40F4-A94F-6682EED6F0D3}"/>
+              </a:ext>
+            </a:extLst>
+          </p:cNvPr>
+          <p:cNvSpPr txBox="1"/>
+          <p:nvPr/>
+        </p:nvSpPr>
+        <p:spPr>
+          <a:xfrm>
+            <a:off x="377071" y="1366887"/>
+            <a:ext cx="4794247" cy="3631763"/>
+          </a:xfrm>
+          <a:prstGeom prst="rect">
+            <a:avLst/>
+          </a:prstGeom>
+          <a:noFill/>
+        </p:spPr>
+        <p:txBody>
+          <a:bodyPr wrap="square" rtlCol="0">
+            <a:spAutoFit/>
+          </a:bodyPr>
+          <a:lstStyle/>
+          <a:p>
+            <a:pPr marL="285750" indent="-285750">
+              <a:buFont typeface="Arial" panose="020B0604020202020204" pitchFamily="34" charset="0"/>
+              <a:buChar char="•"/>
+            </a:pPr>
+            <a:r>
+              <a:rPr lang="en-US" dirty="0">
+                <a:latin typeface="Tahoma" panose="020B0604030504040204" pitchFamily="34" charset="0"/>
+                <a:ea typeface="Tahoma" panose="020B0604030504040204" pitchFamily="34" charset="0"/>
+                <a:cs typeface="Tahoma" panose="020B0604030504040204" pitchFamily="34" charset="0"/>
+              </a:rPr>
+              <a:t>Wireless testcase</a:t>
+            </a:r>
+          </a:p>
+          <a:p>
+            <a:pPr marL="742950" lvl="1" indent="-285750">
+              <a:buFont typeface="Arial" panose="020B0604020202020204" pitchFamily="34" charset="0"/>
+              <a:buChar char="•"/>
+            </a:pPr>
+            <a:r>
+              <a:rPr lang="en-US" sz="1600" dirty="0">
+                <a:ea typeface="Tahoma" panose="020B0604030504040204" pitchFamily="34" charset="0"/>
+                <a:cs typeface="Tahoma" panose="020B0604030504040204" pitchFamily="34" charset="0"/>
+              </a:rPr>
+              <a:t>Resistors, capacitors, transistors</a:t>
+            </a:r>
+          </a:p>
+          <a:p>
+            <a:pPr marL="742950" lvl="1" indent="-285750">
+              <a:buFont typeface="Arial" panose="020B0604020202020204" pitchFamily="34" charset="0"/>
+              <a:buChar char="•"/>
+            </a:pPr>
+            <a:r>
+              <a:rPr lang="en-US" sz="1600" dirty="0">
+                <a:ea typeface="Tahoma" panose="020B0604030504040204" pitchFamily="34" charset="0"/>
+                <a:cs typeface="Tahoma" panose="020B0604030504040204" pitchFamily="34" charset="0"/>
+              </a:rPr>
+              <a:t>No inductors</a:t>
+            </a:r>
+          </a:p>
+          <a:p>
+            <a:pPr marL="742950" lvl="1" indent="-285750">
+              <a:buFont typeface="Arial" panose="020B0604020202020204" pitchFamily="34" charset="0"/>
+              <a:buChar char="•"/>
+            </a:pPr>
+            <a:r>
+              <a:rPr lang="en-US" sz="1600" dirty="0">
+                <a:ea typeface="Tahoma" panose="020B0604030504040204" pitchFamily="34" charset="0"/>
+                <a:cs typeface="Tahoma" panose="020B0604030504040204" pitchFamily="34" charset="0"/>
+              </a:rPr>
+              <a:t>1-3 GHz operating frequency</a:t>
+            </a:r>
+          </a:p>
+          <a:p>
+            <a:pPr marL="742950" lvl="1" indent="-285750">
+              <a:buFont typeface="Arial" panose="020B0604020202020204" pitchFamily="34" charset="0"/>
+              <a:buChar char="•"/>
+            </a:pPr>
+            <a:r>
+              <a:rPr lang="en-US" sz="1600" dirty="0">
+                <a:ea typeface="Tahoma" panose="020B0604030504040204" pitchFamily="34" charset="0"/>
+                <a:cs typeface="Tahoma" panose="020B0604030504040204" pitchFamily="34" charset="0"/>
+              </a:rPr>
+              <a:t>Clock distribution network as digital block</a:t>
+            </a:r>
+          </a:p>
+          <a:p>
+            <a:pPr marL="742950" lvl="1" indent="-285750">
+              <a:buFont typeface="Arial" panose="020B0604020202020204" pitchFamily="34" charset="0"/>
+              <a:buChar char="•"/>
+            </a:pPr>
+            <a:endParaRPr lang="en-US" sz="1600" dirty="0">
+              <a:ea typeface="Tahoma" panose="020B0604030504040204" pitchFamily="34" charset="0"/>
+              <a:cs typeface="Tahoma" panose="020B0604030504040204" pitchFamily="34" charset="0"/>
+            </a:endParaRPr>
+          </a:p>
+          <a:p>
+            <a:pPr marL="285750" indent="-285750">
+              <a:buFont typeface="Arial" panose="020B0604020202020204" pitchFamily="34" charset="0"/>
+              <a:buChar char="•"/>
+            </a:pPr>
+            <a:endParaRPr lang="en-US" sz="1600" dirty="0">
+              <a:ea typeface="Tahoma" panose="020B0604030504040204" pitchFamily="34" charset="0"/>
+              <a:cs typeface="Tahoma" panose="020B0604030504040204" pitchFamily="34" charset="0"/>
+            </a:endParaRPr>
+          </a:p>
+          <a:p>
+            <a:pPr marL="285750" indent="-285750">
+              <a:buFont typeface="Arial" panose="020B0604020202020204" pitchFamily="34" charset="0"/>
+              <a:buChar char="•"/>
+            </a:pPr>
+            <a:r>
+              <a:rPr lang="en-US" sz="1600" dirty="0">
+                <a:ea typeface="Tahoma" panose="020B0604030504040204" pitchFamily="34" charset="0"/>
+                <a:cs typeface="Tahoma" panose="020B0604030504040204" pitchFamily="34" charset="0"/>
+              </a:rPr>
+              <a:t>Main blocks</a:t>
+            </a:r>
+          </a:p>
+          <a:p>
+            <a:pPr marL="742950" lvl="1" indent="-285750">
+              <a:buFont typeface="Arial" panose="020B0604020202020204" pitchFamily="34" charset="0"/>
+              <a:buChar char="•"/>
+            </a:pPr>
+            <a:r>
+              <a:rPr lang="en-US" sz="1600" dirty="0">
+                <a:ea typeface="Tahoma" panose="020B0604030504040204" pitchFamily="34" charset="0"/>
+                <a:cs typeface="Tahoma" panose="020B0604030504040204" pitchFamily="34" charset="0"/>
+              </a:rPr>
+              <a:t>Spectral filter</a:t>
+            </a:r>
+          </a:p>
+          <a:p>
+            <a:pPr marL="742950" lvl="1" indent="-285750">
+              <a:buFont typeface="Arial" panose="020B0604020202020204" pitchFamily="34" charset="0"/>
+              <a:buChar char="•"/>
+            </a:pPr>
+            <a:r>
+              <a:rPr lang="en-US" sz="1600" dirty="0">
+                <a:ea typeface="Tahoma" panose="020B0604030504040204" pitchFamily="34" charset="0"/>
+                <a:cs typeface="Tahoma" panose="020B0604030504040204" pitchFamily="34" charset="0"/>
+              </a:rPr>
+              <a:t>Spatial filter (shown in </a:t>
+            </a:r>
+            <a:r>
+              <a:rPr lang="en-US" sz="1600" dirty="0">
+                <a:solidFill>
+                  <a:srgbClr val="00B050"/>
+                </a:solidFill>
+                <a:ea typeface="Tahoma" panose="020B0604030504040204" pitchFamily="34" charset="0"/>
+                <a:cs typeface="Tahoma" panose="020B0604030504040204" pitchFamily="34" charset="0"/>
+              </a:rPr>
+              <a:t>green </a:t>
+            </a:r>
+            <a:r>
+              <a:rPr lang="en-US" sz="1600" dirty="0">
+                <a:ea typeface="Tahoma" panose="020B0604030504040204" pitchFamily="34" charset="0"/>
+                <a:cs typeface="Tahoma" panose="020B0604030504040204" pitchFamily="34" charset="0"/>
+              </a:rPr>
+              <a:t>box)</a:t>
+            </a:r>
+          </a:p>
+          <a:p>
+            <a:pPr marL="742950" lvl="1" indent="-285750">
+              <a:buFont typeface="Arial" panose="020B0604020202020204" pitchFamily="34" charset="0"/>
+              <a:buChar char="•"/>
+            </a:pPr>
+            <a:r>
+              <a:rPr lang="en-US" sz="1600" dirty="0">
+                <a:ea typeface="Tahoma" panose="020B0604030504040204" pitchFamily="34" charset="0"/>
+                <a:cs typeface="Tahoma" panose="020B0604030504040204" pitchFamily="34" charset="0"/>
+              </a:rPr>
+              <a:t>Transimpedance amplifier (shown in </a:t>
+            </a:r>
+            <a:r>
+              <a:rPr lang="en-US" sz="1600" dirty="0">
+                <a:solidFill>
+                  <a:srgbClr val="0070C0"/>
+                </a:solidFill>
+                <a:ea typeface="Tahoma" panose="020B0604030504040204" pitchFamily="34" charset="0"/>
+                <a:cs typeface="Tahoma" panose="020B0604030504040204" pitchFamily="34" charset="0"/>
+              </a:rPr>
+              <a:t>blue</a:t>
+            </a:r>
+            <a:r>
+              <a:rPr lang="en-US" sz="1600" dirty="0">
+                <a:ea typeface="Tahoma" panose="020B0604030504040204" pitchFamily="34" charset="0"/>
+                <a:cs typeface="Tahoma" panose="020B0604030504040204" pitchFamily="34" charset="0"/>
+              </a:rPr>
+              <a:t> box)</a:t>
+            </a:r>
+          </a:p>
+          <a:p>
+            <a:pPr marL="742950" lvl="1" indent="-285750">
+              <a:buFont typeface="Arial" panose="020B0604020202020204" pitchFamily="34" charset="0"/>
+              <a:buChar char="•"/>
+            </a:pPr>
+            <a:r>
+              <a:rPr lang="en-US" sz="1600" dirty="0">
+                <a:ea typeface="Tahoma" panose="020B0604030504040204" pitchFamily="34" charset="0"/>
+                <a:cs typeface="Tahoma" panose="020B0604030504040204" pitchFamily="34" charset="0"/>
+              </a:rPr>
+              <a:t>Clock distribution network</a:t>
+            </a:r>
+          </a:p>
+          <a:p>
+            <a:pPr marL="285750" indent="-285750">
+              <a:buFont typeface="Arial" panose="020B0604020202020204" pitchFamily="34" charset="0"/>
+              <a:buChar char="•"/>
+            </a:pPr>
+            <a:endParaRPr lang="en-US" dirty="0"/>
+          </a:p>
+          <a:p>
+            <a:pPr marL="285750" indent="-285750">
+              <a:buFont typeface="Arial" panose="020B0604020202020204" pitchFamily="34" charset="0"/>
+              <a:buChar char="•"/>
+            </a:pPr>
+            <a:endParaRPr lang="en-US" dirty="0"/>
+          </a:p>
+        </p:txBody>
+      </p:sp>
+    </p:spTree>
+    <p:extLst>
+      <p:ext uri="{BB962C8B-B14F-4D97-AF65-F5344CB8AC3E}">
+        <p14:creationId xmlns:p14="http://schemas.microsoft.com/office/powerpoint/2010/main" val="3583616958"/>
+      </p:ext>
+    </p:extLst>
+  </p:cSld>
+  <p:clrMapOvr>
+    <a:masterClrMapping/>
+  </p:clrMapOvr>
+</p:sld>
+</file>
+
+<file path=ppt/slides/slide4.xml><?xml version="1.0" encoding="utf-8"?>
+<p:sld xmlns:a="http://schemas.openxmlformats.org/drawingml/2006/main" xmlns:r="http://schemas.openxmlformats.org/officeDocument/2006/relationships" xmlns:p="http://schemas.openxmlformats.org/presentationml/2006/main">
+  <p:cSld>
+    <p:spTree>
+      <p:nvGrpSpPr>
+        <p:cNvPr id="1" name=""/>
+        <p:cNvGrpSpPr/>
+        <p:nvPr/>
+      </p:nvGrpSpPr>
+      <p:grpSpPr>
+        <a:xfrm>
+          <a:off x="0" y="0"/>
+          <a:ext cx="0" cy="0"/>
+          <a:chOff x="0" y="0"/>
+          <a:chExt cx="0" cy="0"/>
+        </a:xfrm>
+      </p:grpSpPr>
+      <p:pic>
+        <p:nvPicPr>
           <p:cNvPr id="4" name="Picture 3">
             <a:extLst>
               <a:ext uri="{FF2B5EF4-FFF2-40B4-BE49-F238E27FC236}">
@@ -8766,7 +9584,7 @@
 </p:sld>
 </file>
 
-<file path=ppt/slides/slide4.xml><?xml version="1.0" encoding="utf-8"?>
+<file path=ppt/slides/slide5.xml><?xml version="1.0" encoding="utf-8"?>
 <p:sld xmlns:a="http://schemas.openxmlformats.org/drawingml/2006/main" xmlns:r="http://schemas.openxmlformats.org/officeDocument/2006/relationships" xmlns:p="http://schemas.openxmlformats.org/presentationml/2006/main">
   <p:cSld>
     <p:spTree>
@@ -9326,7 +10144,7 @@
 </p:sld>
 </file>
 
-<file path=ppt/slides/slide5.xml><?xml version="1.0" encoding="utf-8"?>
+<file path=ppt/slides/slide6.xml><?xml version="1.0" encoding="utf-8"?>
 <p:sld xmlns:a="http://schemas.openxmlformats.org/drawingml/2006/main" xmlns:r="http://schemas.openxmlformats.org/officeDocument/2006/relationships" xmlns:p="http://schemas.openxmlformats.org/presentationml/2006/main">
   <p:cSld>
     <p:spTree>
@@ -10625,7 +11443,7 @@
 </p:sld>
 </file>
 
-<file path=ppt/slides/slide6.xml><?xml version="1.0" encoding="utf-8"?>
+<file path=ppt/slides/slide7.xml><?xml version="1.0" encoding="utf-8"?>
 <p:sld xmlns:a="http://schemas.openxmlformats.org/drawingml/2006/main" xmlns:r="http://schemas.openxmlformats.org/officeDocument/2006/relationships" xmlns:p="http://schemas.openxmlformats.org/presentationml/2006/main">
   <p:cSld>
     <p:spTree>
@@ -10810,7 +11628,7 @@
 </p:sld>
 </file>
 
-<file path=ppt/slides/slide7.xml><?xml version="1.0" encoding="utf-8"?>
+<file path=ppt/slides/slide8.xml><?xml version="1.0" encoding="utf-8"?>
 <p:sld xmlns:a="http://schemas.openxmlformats.org/drawingml/2006/main" xmlns:r="http://schemas.openxmlformats.org/officeDocument/2006/relationships" xmlns:p="http://schemas.openxmlformats.org/presentationml/2006/main">
   <p:cSld>
     <p:spTree>
@@ -11741,7 +12559,7 @@
 </p:sld>
 </file>
 
-<file path=ppt/slides/slide8.xml><?xml version="1.0" encoding="utf-8"?>
+<file path=ppt/slides/slide9.xml><?xml version="1.0" encoding="utf-8"?>
 <p:sld xmlns:a="http://schemas.openxmlformats.org/drawingml/2006/main" xmlns:r="http://schemas.openxmlformats.org/officeDocument/2006/relationships" xmlns:p="http://schemas.openxmlformats.org/presentationml/2006/main">
   <p:cSld>
     <p:spTree>
@@ -12162,622 +12980,6 @@
     <p:extLst>
       <p:ext uri="{BB962C8B-B14F-4D97-AF65-F5344CB8AC3E}">
         <p14:creationId xmlns:p14="http://schemas.microsoft.com/office/powerpoint/2010/main" val="3709132726"/>
-      </p:ext>
-    </p:extLst>
-  </p:cSld>
-  <p:clrMapOvr>
-    <a:masterClrMapping/>
-  </p:clrMapOvr>
-</p:sld>
-</file>
-
-<file path=ppt/slides/slide9.xml><?xml version="1.0" encoding="utf-8"?>
-<p:sld xmlns:a="http://schemas.openxmlformats.org/drawingml/2006/main" xmlns:r="http://schemas.openxmlformats.org/officeDocument/2006/relationships" xmlns:p="http://schemas.openxmlformats.org/presentationml/2006/main">
-  <p:cSld>
-    <p:spTree>
-      <p:nvGrpSpPr>
-        <p:cNvPr id="1" name=""/>
-        <p:cNvGrpSpPr/>
-        <p:nvPr/>
-      </p:nvGrpSpPr>
-      <p:grpSpPr>
-        <a:xfrm>
-          <a:off x="0" y="0"/>
-          <a:ext cx="0" cy="0"/>
-          <a:chOff x="0" y="0"/>
-          <a:chExt cx="0" cy="0"/>
-        </a:xfrm>
-      </p:grpSpPr>
-      <p:sp>
-        <p:nvSpPr>
-          <p:cNvPr id="3" name="Title 2">
-            <a:extLst>
-              <a:ext uri="{FF2B5EF4-FFF2-40B4-BE49-F238E27FC236}">
-                <a16:creationId xmlns:a16="http://schemas.microsoft.com/office/drawing/2014/main" id="{8361679E-D682-4F74-8E31-DA64A1F56AD5}"/>
-              </a:ext>
-            </a:extLst>
-          </p:cNvPr>
-          <p:cNvSpPr>
-            <a:spLocks noGrp="1"/>
-          </p:cNvSpPr>
-          <p:nvPr>
-            <p:ph type="ctrTitle"/>
-          </p:nvPr>
-        </p:nvSpPr>
-        <p:spPr/>
-        <p:txBody>
-          <a:bodyPr/>
-          <a:lstStyle/>
-          <a:p>
-            <a:r>
-              <a:rPr lang="en-US" dirty="0"/>
-              <a:t>Top Level Performance Verification: Mixer-first RX</a:t>
-            </a:r>
-          </a:p>
-        </p:txBody>
-      </p:sp>
-      <p:sp>
-        <p:nvSpPr>
-          <p:cNvPr id="6" name="TextBox 5">
-            <a:extLst>
-              <a:ext uri="{FF2B5EF4-FFF2-40B4-BE49-F238E27FC236}">
-                <a16:creationId xmlns:a16="http://schemas.microsoft.com/office/drawing/2014/main" id="{5CCF41D2-C8EB-4A52-9939-7E7E57639000}"/>
-              </a:ext>
-            </a:extLst>
-          </p:cNvPr>
-          <p:cNvSpPr txBox="1"/>
-          <p:nvPr/>
-        </p:nvSpPr>
-        <p:spPr>
-          <a:xfrm>
-            <a:off x="1534816" y="5298858"/>
-            <a:ext cx="9122369" cy="369332"/>
-          </a:xfrm>
-          <a:prstGeom prst="rect">
-            <a:avLst/>
-          </a:prstGeom>
-          <a:noFill/>
-        </p:spPr>
-        <p:txBody>
-          <a:bodyPr wrap="none" rtlCol="0">
-            <a:spAutoFit/>
-          </a:bodyPr>
-          <a:lstStyle/>
-          <a:p>
-            <a:pPr algn="ctr"/>
-            <a:r>
-              <a:rPr lang="en-US" dirty="0"/>
-              <a:t>ALIGN Layout results consists PEX results using individual layout of bottom plate mixer and TIA</a:t>
-            </a:r>
-          </a:p>
-        </p:txBody>
-      </p:sp>
-      <p:graphicFrame>
-        <p:nvGraphicFramePr>
-          <p:cNvPr id="7" name="Table 4">
-            <a:extLst>
-              <a:ext uri="{FF2B5EF4-FFF2-40B4-BE49-F238E27FC236}">
-                <a16:creationId xmlns:a16="http://schemas.microsoft.com/office/drawing/2014/main" id="{6AAD01CA-039F-844E-BF25-44E9A439E517}"/>
-              </a:ext>
-            </a:extLst>
-          </p:cNvPr>
-          <p:cNvGraphicFramePr>
-            <a:graphicFrameLocks/>
-          </p:cNvGraphicFramePr>
-          <p:nvPr/>
-        </p:nvGraphicFramePr>
-        <p:xfrm>
-          <a:off x="1415934" y="2653011"/>
-          <a:ext cx="9360131" cy="2377440"/>
-        </p:xfrm>
-        <a:graphic>
-          <a:graphicData uri="http://schemas.openxmlformats.org/drawingml/2006/table">
-            <a:tbl>
-              <a:tblPr firstRow="1" bandRow="1">
-                <a:tableStyleId>{5C22544A-7EE6-4342-B048-85BDC9FD1C3A}</a:tableStyleId>
-              </a:tblPr>
-              <a:tblGrid>
-                <a:gridCol w="2720377">
-                  <a:extLst>
-                    <a:ext uri="{9D8B030D-6E8A-4147-A177-3AD203B41FA5}">
-                      <a16:colId xmlns:a16="http://schemas.microsoft.com/office/drawing/2014/main" val="4242770726"/>
-                    </a:ext>
-                  </a:extLst>
-                </a:gridCol>
-                <a:gridCol w="2150882">
-                  <a:extLst>
-                    <a:ext uri="{9D8B030D-6E8A-4147-A177-3AD203B41FA5}">
-                      <a16:colId xmlns:a16="http://schemas.microsoft.com/office/drawing/2014/main" val="3495327596"/>
-                    </a:ext>
-                  </a:extLst>
-                </a:gridCol>
-                <a:gridCol w="2194560">
-                  <a:extLst>
-                    <a:ext uri="{9D8B030D-6E8A-4147-A177-3AD203B41FA5}">
-                      <a16:colId xmlns:a16="http://schemas.microsoft.com/office/drawing/2014/main" val="579613028"/>
-                    </a:ext>
-                  </a:extLst>
-                </a:gridCol>
-                <a:gridCol w="2294312">
-                  <a:extLst>
-                    <a:ext uri="{9D8B030D-6E8A-4147-A177-3AD203B41FA5}">
-                      <a16:colId xmlns:a16="http://schemas.microsoft.com/office/drawing/2014/main" val="173216226"/>
-                    </a:ext>
-                  </a:extLst>
-                </a:gridCol>
-              </a:tblGrid>
-              <a:tr h="209537">
-                <a:tc>
-                  <a:txBody>
-                    <a:bodyPr/>
-                    <a:lstStyle/>
-                    <a:p>
-                      <a:r>
-                        <a:rPr lang="en-US" sz="2000" dirty="0"/>
-                        <a:t>Parameters</a:t>
-                      </a:r>
-                    </a:p>
-                  </a:txBody>
-                  <a:tcPr/>
-                </a:tc>
-                <a:tc>
-                  <a:txBody>
-                    <a:bodyPr/>
-                    <a:lstStyle/>
-                    <a:p>
-                      <a:pPr algn="ctr"/>
-                      <a:r>
-                        <a:rPr lang="en-US" sz="2000" dirty="0"/>
-                        <a:t>Schematic</a:t>
-                      </a:r>
-                    </a:p>
-                  </a:txBody>
-                  <a:tcPr/>
-                </a:tc>
-                <a:tc>
-                  <a:txBody>
-                    <a:bodyPr/>
-                    <a:lstStyle/>
-                    <a:p>
-                      <a:pPr algn="ctr"/>
-                      <a:r>
-                        <a:rPr lang="en-US" sz="2000" dirty="0"/>
-                        <a:t>Manual Layout</a:t>
-                      </a:r>
-                    </a:p>
-                  </a:txBody>
-                  <a:tcPr/>
-                </a:tc>
-                <a:tc>
-                  <a:txBody>
-                    <a:bodyPr/>
-                    <a:lstStyle/>
-                    <a:p>
-                      <a:pPr algn="ctr"/>
-                      <a:r>
-                        <a:rPr lang="en-US" sz="2000" dirty="0"/>
-                        <a:t>ALIGN Layout</a:t>
-                      </a:r>
-                    </a:p>
-                  </a:txBody>
-                  <a:tcPr/>
-                </a:tc>
-                <a:extLst>
-                  <a:ext uri="{0D108BD9-81ED-4DB2-BD59-A6C34878D82A}">
-                    <a16:rowId xmlns:a16="http://schemas.microsoft.com/office/drawing/2014/main" val="619223116"/>
-                  </a:ext>
-                </a:extLst>
-              </a:tr>
-              <a:tr h="209537">
-                <a:tc>
-                  <a:txBody>
-                    <a:bodyPr/>
-                    <a:lstStyle/>
-                    <a:p>
-                      <a:r>
-                        <a:rPr lang="en-US" sz="2000" dirty="0"/>
-                        <a:t>Input Matching S</a:t>
-                      </a:r>
-                      <a:r>
-                        <a:rPr lang="en-US" sz="2000" baseline="-25000" dirty="0"/>
-                        <a:t>11</a:t>
-                      </a:r>
-                      <a:r>
-                        <a:rPr lang="en-US" sz="2000" dirty="0"/>
-                        <a:t> (dB)</a:t>
-                      </a:r>
-                    </a:p>
-                  </a:txBody>
-                  <a:tcPr/>
-                </a:tc>
-                <a:tc>
-                  <a:txBody>
-                    <a:bodyPr/>
-                    <a:lstStyle/>
-                    <a:p>
-                      <a:pPr algn="ctr"/>
-                      <a:r>
-                        <a:rPr lang="en-US" sz="2000" dirty="0"/>
-                        <a:t>-15.79 @ 960 MHz</a:t>
-                      </a:r>
-                    </a:p>
-                  </a:txBody>
-                  <a:tcPr/>
-                </a:tc>
-                <a:tc>
-                  <a:txBody>
-                    <a:bodyPr/>
-                    <a:lstStyle/>
-                    <a:p>
-                      <a:pPr algn="ctr"/>
-                      <a:r>
-                        <a:rPr lang="en-US" sz="2000" dirty="0"/>
-                        <a:t>-14.27 @ 960 MHz</a:t>
-                      </a:r>
-                    </a:p>
-                  </a:txBody>
-                  <a:tcPr/>
-                </a:tc>
-                <a:tc>
-                  <a:txBody>
-                    <a:bodyPr/>
-                    <a:lstStyle/>
-                    <a:p>
-                      <a:pPr algn="ctr"/>
-                      <a:r>
-                        <a:rPr lang="en-US" sz="2000" dirty="0"/>
-                        <a:t>-10.9 @ 960 MHz</a:t>
-                      </a:r>
-                    </a:p>
-                  </a:txBody>
-                  <a:tcPr/>
-                </a:tc>
-                <a:extLst>
-                  <a:ext uri="{0D108BD9-81ED-4DB2-BD59-A6C34878D82A}">
-                    <a16:rowId xmlns:a16="http://schemas.microsoft.com/office/drawing/2014/main" val="1702235607"/>
-                  </a:ext>
-                </a:extLst>
-              </a:tr>
-              <a:tr h="209537">
-                <a:tc>
-                  <a:txBody>
-                    <a:bodyPr/>
-                    <a:lstStyle/>
-                    <a:p>
-                      <a:r>
-                        <a:rPr lang="en-US" sz="2000" dirty="0"/>
-                        <a:t>Best S</a:t>
-                      </a:r>
-                      <a:r>
-                        <a:rPr lang="en-US" sz="2000" baseline="-25000" dirty="0"/>
-                        <a:t>11 </a:t>
-                      </a:r>
-                      <a:r>
-                        <a:rPr lang="en-US" sz="2000" baseline="0" dirty="0"/>
-                        <a:t>(dB)</a:t>
-                      </a:r>
-                      <a:endParaRPr lang="en-US" sz="2000" baseline="-25000" dirty="0"/>
-                    </a:p>
-                  </a:txBody>
-                  <a:tcPr/>
-                </a:tc>
-                <a:tc>
-                  <a:txBody>
-                    <a:bodyPr/>
-                    <a:lstStyle/>
-                    <a:p>
-                      <a:pPr marL="0" marR="0" lvl="0" indent="0" algn="ctr" defTabSz="914400" rtl="0" eaLnBrk="1" fontAlgn="auto" latinLnBrk="0" hangingPunct="1">
-                        <a:lnSpc>
-                          <a:spcPct val="100000"/>
-                        </a:lnSpc>
-                        <a:spcBef>
-                          <a:spcPts val="0"/>
-                        </a:spcBef>
-                        <a:spcAft>
-                          <a:spcPts val="0"/>
-                        </a:spcAft>
-                        <a:buClrTx/>
-                        <a:buSzTx/>
-                        <a:buFontTx/>
-                        <a:buNone/>
-                        <a:tabLst/>
-                        <a:defRPr/>
-                      </a:pPr>
-                      <a:r>
-                        <a:rPr lang="en-US" sz="2000" dirty="0"/>
-                        <a:t>-15.79 @ 960 MHz</a:t>
-                      </a:r>
-                    </a:p>
-                  </a:txBody>
-                  <a:tcPr/>
-                </a:tc>
-                <a:tc>
-                  <a:txBody>
-                    <a:bodyPr/>
-                    <a:lstStyle/>
-                    <a:p>
-                      <a:pPr marL="0" marR="0" lvl="0" indent="0" algn="ctr" defTabSz="914400" rtl="0" eaLnBrk="1" fontAlgn="auto" latinLnBrk="0" hangingPunct="1">
-                        <a:lnSpc>
-                          <a:spcPct val="100000"/>
-                        </a:lnSpc>
-                        <a:spcBef>
-                          <a:spcPts val="0"/>
-                        </a:spcBef>
-                        <a:spcAft>
-                          <a:spcPts val="0"/>
-                        </a:spcAft>
-                        <a:buClrTx/>
-                        <a:buSzTx/>
-                        <a:buFontTx/>
-                        <a:buNone/>
-                        <a:tabLst/>
-                        <a:defRPr/>
-                      </a:pPr>
-                      <a:r>
-                        <a:rPr lang="en-US" sz="2000" dirty="0"/>
-                        <a:t>-19.17 @ 940 MHz</a:t>
-                      </a:r>
-                    </a:p>
-                  </a:txBody>
-                  <a:tcPr/>
-                </a:tc>
-                <a:tc>
-                  <a:txBody>
-                    <a:bodyPr/>
-                    <a:lstStyle/>
-                    <a:p>
-                      <a:pPr algn="ctr"/>
-                      <a:r>
-                        <a:rPr lang="en-US" sz="2000" dirty="0"/>
-                        <a:t>-17.35 @ 920 MHz</a:t>
-                      </a:r>
-                    </a:p>
-                  </a:txBody>
-                  <a:tcPr/>
-                </a:tc>
-                <a:extLst>
-                  <a:ext uri="{0D108BD9-81ED-4DB2-BD59-A6C34878D82A}">
-                    <a16:rowId xmlns:a16="http://schemas.microsoft.com/office/drawing/2014/main" val="2296299093"/>
-                  </a:ext>
-                </a:extLst>
-              </a:tr>
-              <a:tr h="209537">
-                <a:tc>
-                  <a:txBody>
-                    <a:bodyPr/>
-                    <a:lstStyle/>
-                    <a:p>
-                      <a:r>
-                        <a:rPr lang="en-US" sz="2000" dirty="0"/>
-                        <a:t>IF Bandwidth (MHz)</a:t>
-                      </a:r>
-                    </a:p>
-                  </a:txBody>
-                  <a:tcPr/>
-                </a:tc>
-                <a:tc>
-                  <a:txBody>
-                    <a:bodyPr/>
-                    <a:lstStyle/>
-                    <a:p>
-                      <a:pPr algn="ctr"/>
-                      <a:r>
-                        <a:rPr lang="en-US" sz="2000" dirty="0"/>
-                        <a:t>118.5</a:t>
-                      </a:r>
-                    </a:p>
-                  </a:txBody>
-                  <a:tcPr/>
-                </a:tc>
-                <a:tc>
-                  <a:txBody>
-                    <a:bodyPr/>
-                    <a:lstStyle/>
-                    <a:p>
-                      <a:pPr algn="ctr"/>
-                      <a:r>
-                        <a:rPr lang="en-US" sz="2000" dirty="0"/>
-                        <a:t>107.78</a:t>
-                      </a:r>
-                    </a:p>
-                  </a:txBody>
-                  <a:tcPr/>
-                </a:tc>
-                <a:tc>
-                  <a:txBody>
-                    <a:bodyPr/>
-                    <a:lstStyle/>
-                    <a:p>
-                      <a:pPr algn="ctr"/>
-                      <a:r>
-                        <a:rPr lang="en-US" sz="2000" dirty="0"/>
-                        <a:t>114.45</a:t>
-                      </a:r>
-                    </a:p>
-                  </a:txBody>
-                  <a:tcPr/>
-                </a:tc>
-                <a:extLst>
-                  <a:ext uri="{0D108BD9-81ED-4DB2-BD59-A6C34878D82A}">
-                    <a16:rowId xmlns:a16="http://schemas.microsoft.com/office/drawing/2014/main" val="2417930131"/>
-                  </a:ext>
-                </a:extLst>
-              </a:tr>
-              <a:tr h="209537">
-                <a:tc>
-                  <a:txBody>
-                    <a:bodyPr/>
-                    <a:lstStyle/>
-                    <a:p>
-                      <a:r>
-                        <a:rPr lang="en-US" sz="2000" dirty="0"/>
-                        <a:t>Power Gain S</a:t>
-                      </a:r>
-                      <a:r>
-                        <a:rPr lang="en-US" sz="2000" baseline="-25000" dirty="0"/>
-                        <a:t>21</a:t>
-                      </a:r>
-                      <a:r>
-                        <a:rPr lang="en-US" sz="2000" dirty="0"/>
-                        <a:t> (dB)</a:t>
-                      </a:r>
-                    </a:p>
-                  </a:txBody>
-                  <a:tcPr/>
-                </a:tc>
-                <a:tc>
-                  <a:txBody>
-                    <a:bodyPr/>
-                    <a:lstStyle/>
-                    <a:p>
-                      <a:pPr algn="ctr"/>
-                      <a:r>
-                        <a:rPr lang="en-US" sz="2000" dirty="0"/>
-                        <a:t>18.12</a:t>
-                      </a:r>
-                    </a:p>
-                  </a:txBody>
-                  <a:tcPr/>
-                </a:tc>
-                <a:tc>
-                  <a:txBody>
-                    <a:bodyPr/>
-                    <a:lstStyle/>
-                    <a:p>
-                      <a:pPr algn="ctr"/>
-                      <a:r>
-                        <a:rPr lang="en-US" sz="2000" dirty="0"/>
-                        <a:t>15.22</a:t>
-                      </a:r>
-                    </a:p>
-                  </a:txBody>
-                  <a:tcPr/>
-                </a:tc>
-                <a:tc>
-                  <a:txBody>
-                    <a:bodyPr/>
-                    <a:lstStyle/>
-                    <a:p>
-                      <a:pPr algn="ctr"/>
-                      <a:r>
-                        <a:rPr lang="en-US" sz="2000" dirty="0"/>
-                        <a:t>15.23</a:t>
-                      </a:r>
-                    </a:p>
-                  </a:txBody>
-                  <a:tcPr/>
-                </a:tc>
-                <a:extLst>
-                  <a:ext uri="{0D108BD9-81ED-4DB2-BD59-A6C34878D82A}">
-                    <a16:rowId xmlns:a16="http://schemas.microsoft.com/office/drawing/2014/main" val="958951372"/>
-                  </a:ext>
-                </a:extLst>
-              </a:tr>
-              <a:tr h="209537">
-                <a:tc>
-                  <a:txBody>
-                    <a:bodyPr/>
-                    <a:lstStyle/>
-                    <a:p>
-                      <a:r>
-                        <a:rPr lang="en-US" sz="2000" dirty="0"/>
-                        <a:t>NF (dB)</a:t>
-                      </a:r>
-                    </a:p>
-                  </a:txBody>
-                  <a:tcPr/>
-                </a:tc>
-                <a:tc>
-                  <a:txBody>
-                    <a:bodyPr/>
-                    <a:lstStyle/>
-                    <a:p>
-                      <a:pPr algn="ctr"/>
-                      <a:r>
-                        <a:rPr lang="en-US" sz="2000" dirty="0"/>
-                        <a:t>8.21</a:t>
-                      </a:r>
-                    </a:p>
-                  </a:txBody>
-                  <a:tcPr/>
-                </a:tc>
-                <a:tc>
-                  <a:txBody>
-                    <a:bodyPr/>
-                    <a:lstStyle/>
-                    <a:p>
-                      <a:pPr algn="ctr"/>
-                      <a:r>
-                        <a:rPr lang="en-US" sz="2000" dirty="0"/>
-                        <a:t>11.94</a:t>
-                      </a:r>
-                    </a:p>
-                  </a:txBody>
-                  <a:tcPr/>
-                </a:tc>
-                <a:tc>
-                  <a:txBody>
-                    <a:bodyPr/>
-                    <a:lstStyle/>
-                    <a:p>
-                      <a:pPr algn="ctr"/>
-                      <a:r>
-                        <a:rPr lang="en-US" sz="2000" dirty="0"/>
-                        <a:t>11.51</a:t>
-                      </a:r>
-                    </a:p>
-                  </a:txBody>
-                  <a:tcPr/>
-                </a:tc>
-                <a:extLst>
-                  <a:ext uri="{0D108BD9-81ED-4DB2-BD59-A6C34878D82A}">
-                    <a16:rowId xmlns:a16="http://schemas.microsoft.com/office/drawing/2014/main" val="3866938866"/>
-                  </a:ext>
-                </a:extLst>
-              </a:tr>
-            </a:tbl>
-          </a:graphicData>
-        </a:graphic>
-      </p:graphicFrame>
-      <p:sp>
-        <p:nvSpPr>
-          <p:cNvPr id="8" name="TextBox 7">
-            <a:extLst>
-              <a:ext uri="{FF2B5EF4-FFF2-40B4-BE49-F238E27FC236}">
-                <a16:creationId xmlns:a16="http://schemas.microsoft.com/office/drawing/2014/main" id="{71B361EA-066B-764B-8943-ED1E1D39F081}"/>
-              </a:ext>
-            </a:extLst>
-          </p:cNvPr>
-          <p:cNvSpPr txBox="1"/>
-          <p:nvPr/>
-        </p:nvSpPr>
-        <p:spPr>
-          <a:xfrm>
-            <a:off x="4349432" y="2067665"/>
-            <a:ext cx="3561360" cy="369332"/>
-          </a:xfrm>
-          <a:prstGeom prst="rect">
-            <a:avLst/>
-          </a:prstGeom>
-          <a:noFill/>
-        </p:spPr>
-        <p:txBody>
-          <a:bodyPr wrap="none" rtlCol="0">
-            <a:spAutoFit/>
-          </a:bodyPr>
-          <a:lstStyle/>
-          <a:p>
-            <a:r>
-              <a:rPr lang="en-US" b="1" dirty="0"/>
-              <a:t>Simulated at LO frequency of 1 GHz</a:t>
-            </a:r>
-          </a:p>
-        </p:txBody>
-      </p:sp>
-    </p:spTree>
-    <p:extLst>
-      <p:ext uri="{BB962C8B-B14F-4D97-AF65-F5344CB8AC3E}">
-        <p14:creationId xmlns:p14="http://schemas.microsoft.com/office/powerpoint/2010/main" val="2108557823"/>
       </p:ext>
     </p:extLst>
   </p:cSld>
